--- a/Lecture#18/Lecture_18_presentation.pptx
+++ b/Lecture#18/Lecture_18_presentation.pptx
@@ -6,20 +6,27 @@
     <p:sldMasterId id="2147483665" r:id="rId2"/>
   </p:sldMasterIdLst>
   <p:notesMasterIdLst>
-    <p:notesMasterId r:id="rId11"/>
+    <p:notesMasterId r:id="rId18"/>
   </p:notesMasterIdLst>
   <p:handoutMasterIdLst>
-    <p:handoutMasterId r:id="rId12"/>
+    <p:handoutMasterId r:id="rId19"/>
   </p:handoutMasterIdLst>
   <p:sldIdLst>
     <p:sldId id="260" r:id="rId3"/>
-    <p:sldId id="394" r:id="rId4"/>
-    <p:sldId id="396" r:id="rId5"/>
-    <p:sldId id="397" r:id="rId6"/>
-    <p:sldId id="398" r:id="rId7"/>
-    <p:sldId id="399" r:id="rId8"/>
-    <p:sldId id="400" r:id="rId9"/>
-    <p:sldId id="395" r:id="rId10"/>
+    <p:sldId id="402" r:id="rId4"/>
+    <p:sldId id="401" r:id="rId5"/>
+    <p:sldId id="403" r:id="rId6"/>
+    <p:sldId id="404" r:id="rId7"/>
+    <p:sldId id="405" r:id="rId8"/>
+    <p:sldId id="394" r:id="rId9"/>
+    <p:sldId id="396" r:id="rId10"/>
+    <p:sldId id="398" r:id="rId11"/>
+    <p:sldId id="406" r:id="rId12"/>
+    <p:sldId id="409" r:id="rId13"/>
+    <p:sldId id="407" r:id="rId14"/>
+    <p:sldId id="410" r:id="rId15"/>
+    <p:sldId id="408" r:id="rId16"/>
+    <p:sldId id="400" r:id="rId17"/>
   </p:sldIdLst>
   <p:sldSz cx="10058400" cy="7772400"/>
   <p:notesSz cx="7315200" cy="9601200"/>
@@ -272,7 +279,7 @@
                 </a:solidFill>
               </a:rPr>
               <a:pPr/>
-              <a:t>3/26/2019</a:t>
+              <a:t>3/28/2019</a:t>
             </a:fld>
             <a:endParaRPr lang="en-US" dirty="0">
               <a:solidFill>
@@ -433,7 +440,7 @@
             <a:fld id="{DBF7D493-8EEB-7E45-916B-5FBC49ABC710}" type="datetimeFigureOut">
               <a:rPr lang="en-US" smtClean="0"/>
               <a:pPr/>
-              <a:t>3/26/2019</a:t>
+              <a:t>3/27/2019</a:t>
             </a:fld>
             <a:endParaRPr lang="en-US" dirty="0"/>
           </a:p>
@@ -2930,7 +2937,2528 @@
 </p:sld>
 </file>
 
+<file path=ppt/slides/slide10.xml><?xml version="1.0" encoding="utf-8"?>
+<p:sld xmlns:a="http://schemas.openxmlformats.org/drawingml/2006/main" xmlns:r="http://schemas.openxmlformats.org/officeDocument/2006/relationships" xmlns:p="http://schemas.openxmlformats.org/presentationml/2006/main">
+  <p:cSld>
+    <p:spTree>
+      <p:nvGrpSpPr>
+        <p:cNvPr id="1" name=""/>
+        <p:cNvGrpSpPr/>
+        <p:nvPr/>
+      </p:nvGrpSpPr>
+      <p:grpSpPr>
+        <a:xfrm>
+          <a:off x="0" y="0"/>
+          <a:ext cx="0" cy="0"/>
+          <a:chOff x="0" y="0"/>
+          <a:chExt cx="0" cy="0"/>
+        </a:xfrm>
+      </p:grpSpPr>
+      <p:sp>
+        <p:nvSpPr>
+          <p:cNvPr id="2" name="Text Placeholder 1">
+            <a:extLst>
+              <a:ext uri="{FF2B5EF4-FFF2-40B4-BE49-F238E27FC236}">
+                <a16:creationId xmlns:a16="http://schemas.microsoft.com/office/drawing/2014/main" id="{6BB18655-905E-4A99-8459-12B0A1992FAA}"/>
+              </a:ext>
+            </a:extLst>
+          </p:cNvPr>
+          <p:cNvSpPr>
+            <a:spLocks noGrp="1"/>
+          </p:cNvSpPr>
+          <p:nvPr>
+            <p:ph type="body" sz="quarter" idx="10"/>
+          </p:nvPr>
+        </p:nvSpPr>
+        <p:spPr>
+          <a:xfrm>
+            <a:off x="444500" y="397056"/>
+            <a:ext cx="9245600" cy="742950"/>
+          </a:xfrm>
+        </p:spPr>
+        <p:txBody>
+          <a:bodyPr/>
+          <a:lstStyle/>
+          <a:p>
+            <a:r>
+              <a:rPr lang="en-US" dirty="0" err="1"/>
+              <a:t>calloc</a:t>
+            </a:r>
+            <a:r>
+              <a:rPr lang="en-US" dirty="0"/>
+              <a:t> Function</a:t>
+            </a:r>
+          </a:p>
+        </p:txBody>
+      </p:sp>
+      <p:sp>
+        <p:nvSpPr>
+          <p:cNvPr id="3" name="Text Placeholder 2">
+            <a:extLst>
+              <a:ext uri="{FF2B5EF4-FFF2-40B4-BE49-F238E27FC236}">
+                <a16:creationId xmlns:a16="http://schemas.microsoft.com/office/drawing/2014/main" id="{A7CD444C-906C-400F-BB9A-3E3667391D7E}"/>
+              </a:ext>
+            </a:extLst>
+          </p:cNvPr>
+          <p:cNvSpPr>
+            <a:spLocks noGrp="1"/>
+          </p:cNvSpPr>
+          <p:nvPr>
+            <p:ph type="body" sz="quarter" idx="12"/>
+          </p:nvPr>
+        </p:nvSpPr>
+        <p:spPr>
+          <a:xfrm>
+            <a:off x="444500" y="1473200"/>
+            <a:ext cx="9245600" cy="4826000"/>
+          </a:xfrm>
+        </p:spPr>
+        <p:txBody>
+          <a:bodyPr/>
+          <a:lstStyle/>
+          <a:p>
+            <a:r>
+              <a:rPr lang="en-US" sz="2800" dirty="0"/>
+              <a:t>Like malloc, </a:t>
+            </a:r>
+            <a:r>
+              <a:rPr lang="en-US" sz="2800" dirty="0" err="1"/>
+              <a:t>calloc</a:t>
+            </a:r>
+            <a:r>
+              <a:rPr lang="en-US" sz="2800" dirty="0"/>
+              <a:t> also </a:t>
+            </a:r>
+            <a:r>
+              <a:rPr lang="en-US" sz="2800" b="1" dirty="0"/>
+              <a:t>allocates memory at runtime</a:t>
+            </a:r>
+            <a:r>
+              <a:rPr lang="en-US" sz="2800" dirty="0"/>
+              <a:t> and is defined in </a:t>
+            </a:r>
+            <a:r>
+              <a:rPr lang="en-US" sz="2800" b="1" dirty="0" err="1"/>
+              <a:t>stdlib.h</a:t>
+            </a:r>
+            <a:r>
+              <a:rPr lang="en-US" sz="2800" dirty="0"/>
+              <a:t>. It takes the number of elements and the size of each element(in bytes), initializes each element to zero and then returns a void pointer to the memory.</a:t>
+            </a:r>
+          </a:p>
+          <a:p>
+            <a:pPr marL="0" indent="0">
+              <a:buNone/>
+            </a:pPr>
+            <a:endParaRPr lang="en-US" dirty="0"/>
+          </a:p>
+          <a:p>
+            <a:pPr marL="0" indent="0">
+              <a:buNone/>
+            </a:pPr>
+            <a:r>
+              <a:rPr lang="en-US" dirty="0"/>
+              <a:t>Its syntax is</a:t>
+            </a:r>
+          </a:p>
+          <a:p>
+            <a:pPr marL="0" indent="0">
+              <a:buNone/>
+            </a:pPr>
+            <a:endParaRPr lang="en-US" sz="1200" b="1" dirty="0"/>
+          </a:p>
+          <a:p>
+            <a:pPr marL="0" indent="0">
+              <a:buNone/>
+            </a:pPr>
+            <a:r>
+              <a:rPr lang="en-US" sz="2800" b="1" dirty="0"/>
+              <a:t>void *</a:t>
+            </a:r>
+            <a:r>
+              <a:rPr lang="en-US" sz="2800" b="1" dirty="0" err="1"/>
+              <a:t>calloc</a:t>
+            </a:r>
+            <a:r>
+              <a:rPr lang="en-US" sz="2800" b="1" dirty="0"/>
+              <a:t>(n, element-size);</a:t>
+            </a:r>
+          </a:p>
+          <a:p>
+            <a:pPr marL="0" indent="0">
+              <a:buNone/>
+            </a:pPr>
+            <a:r>
+              <a:rPr lang="en-US" sz="2800" dirty="0"/>
+              <a:t>Here, </a:t>
+            </a:r>
+            <a:r>
+              <a:rPr lang="en-US" sz="2800" b="1" dirty="0"/>
+              <a:t>n</a:t>
+            </a:r>
+            <a:r>
+              <a:rPr lang="en-US" sz="2800" dirty="0"/>
+              <a:t> is the number of elements and </a:t>
+            </a:r>
+            <a:r>
+              <a:rPr lang="en-US" sz="2800" b="1" dirty="0"/>
+              <a:t>element-size</a:t>
+            </a:r>
+            <a:r>
+              <a:rPr lang="en-US" sz="2800" dirty="0"/>
+              <a:t> is the size of each element.</a:t>
+            </a:r>
+          </a:p>
+          <a:p>
+            <a:pPr marL="0" indent="0">
+              <a:buNone/>
+            </a:pPr>
+            <a:endParaRPr lang="en-US" dirty="0"/>
+          </a:p>
+        </p:txBody>
+      </p:sp>
+    </p:spTree>
+    <p:extLst>
+      <p:ext uri="{BB962C8B-B14F-4D97-AF65-F5344CB8AC3E}">
+        <p14:creationId xmlns:p14="http://schemas.microsoft.com/office/powerpoint/2010/main" val="3134991348"/>
+      </p:ext>
+    </p:extLst>
+  </p:cSld>
+  <p:clrMapOvr>
+    <a:masterClrMapping/>
+  </p:clrMapOvr>
+</p:sld>
+</file>
+
+<file path=ppt/slides/slide11.xml><?xml version="1.0" encoding="utf-8"?>
+<p:sld xmlns:a="http://schemas.openxmlformats.org/drawingml/2006/main" xmlns:r="http://schemas.openxmlformats.org/officeDocument/2006/relationships" xmlns:p="http://schemas.openxmlformats.org/presentationml/2006/main">
+  <p:cSld>
+    <p:spTree>
+      <p:nvGrpSpPr>
+        <p:cNvPr id="1" name=""/>
+        <p:cNvGrpSpPr/>
+        <p:nvPr/>
+      </p:nvGrpSpPr>
+      <p:grpSpPr>
+        <a:xfrm>
+          <a:off x="0" y="0"/>
+          <a:ext cx="0" cy="0"/>
+          <a:chOff x="0" y="0"/>
+          <a:chExt cx="0" cy="0"/>
+        </a:xfrm>
+      </p:grpSpPr>
+      <p:pic>
+        <p:nvPicPr>
+          <p:cNvPr id="4" name="Picture 3">
+            <a:extLst>
+              <a:ext uri="{FF2B5EF4-FFF2-40B4-BE49-F238E27FC236}">
+                <a16:creationId xmlns:a16="http://schemas.microsoft.com/office/drawing/2014/main" id="{BDC90C27-6A61-44D5-9348-6EEA21588F41}"/>
+              </a:ext>
+            </a:extLst>
+          </p:cNvPr>
+          <p:cNvPicPr>
+            <a:picLocks noChangeAspect="1"/>
+          </p:cNvPicPr>
+          <p:nvPr/>
+        </p:nvPicPr>
+        <p:blipFill>
+          <a:blip r:embed="rId2"/>
+          <a:stretch>
+            <a:fillRect/>
+          </a:stretch>
+        </p:blipFill>
+        <p:spPr>
+          <a:xfrm>
+            <a:off x="346574" y="252820"/>
+            <a:ext cx="8314100" cy="6731979"/>
+          </a:xfrm>
+          <a:prstGeom prst="rect">
+            <a:avLst/>
+          </a:prstGeom>
+        </p:spPr>
+      </p:pic>
+    </p:spTree>
+    <p:extLst>
+      <p:ext uri="{BB962C8B-B14F-4D97-AF65-F5344CB8AC3E}">
+        <p14:creationId xmlns:p14="http://schemas.microsoft.com/office/powerpoint/2010/main" val="3103524359"/>
+      </p:ext>
+    </p:extLst>
+  </p:cSld>
+  <p:clrMapOvr>
+    <a:masterClrMapping/>
+  </p:clrMapOvr>
+</p:sld>
+</file>
+
+<file path=ppt/slides/slide12.xml><?xml version="1.0" encoding="utf-8"?>
+<p:sld xmlns:a="http://schemas.openxmlformats.org/drawingml/2006/main" xmlns:r="http://schemas.openxmlformats.org/officeDocument/2006/relationships" xmlns:p="http://schemas.openxmlformats.org/presentationml/2006/main">
+  <p:cSld>
+    <p:spTree>
+      <p:nvGrpSpPr>
+        <p:cNvPr id="1" name=""/>
+        <p:cNvGrpSpPr/>
+        <p:nvPr/>
+      </p:nvGrpSpPr>
+      <p:grpSpPr>
+        <a:xfrm>
+          <a:off x="0" y="0"/>
+          <a:ext cx="0" cy="0"/>
+          <a:chOff x="0" y="0"/>
+          <a:chExt cx="0" cy="0"/>
+        </a:xfrm>
+      </p:grpSpPr>
+      <p:pic>
+        <p:nvPicPr>
+          <p:cNvPr id="4" name="Picture 3">
+            <a:extLst>
+              <a:ext uri="{FF2B5EF4-FFF2-40B4-BE49-F238E27FC236}">
+                <a16:creationId xmlns:a16="http://schemas.microsoft.com/office/drawing/2014/main" id="{B04754CC-5A11-40E1-8BE3-7C0132E501C8}"/>
+              </a:ext>
+            </a:extLst>
+          </p:cNvPr>
+          <p:cNvPicPr>
+            <a:picLocks noChangeAspect="1"/>
+          </p:cNvPicPr>
+          <p:nvPr/>
+        </p:nvPicPr>
+        <p:blipFill>
+          <a:blip r:embed="rId2"/>
+          <a:stretch>
+            <a:fillRect/>
+          </a:stretch>
+        </p:blipFill>
+        <p:spPr>
+          <a:xfrm>
+            <a:off x="1356069" y="0"/>
+            <a:ext cx="7346261" cy="7772400"/>
+          </a:xfrm>
+          <a:prstGeom prst="rect">
+            <a:avLst/>
+          </a:prstGeom>
+        </p:spPr>
+      </p:pic>
+    </p:spTree>
+    <p:extLst>
+      <p:ext uri="{BB962C8B-B14F-4D97-AF65-F5344CB8AC3E}">
+        <p14:creationId xmlns:p14="http://schemas.microsoft.com/office/powerpoint/2010/main" val="645755689"/>
+      </p:ext>
+    </p:extLst>
+  </p:cSld>
+  <p:clrMapOvr>
+    <a:masterClrMapping/>
+  </p:clrMapOvr>
+</p:sld>
+</file>
+
+<file path=ppt/slides/slide13.xml><?xml version="1.0" encoding="utf-8"?>
+<p:sld xmlns:a="http://schemas.openxmlformats.org/drawingml/2006/main" xmlns:r="http://schemas.openxmlformats.org/officeDocument/2006/relationships" xmlns:p="http://schemas.openxmlformats.org/presentationml/2006/main">
+  <p:cSld>
+    <p:spTree>
+      <p:nvGrpSpPr>
+        <p:cNvPr id="1" name=""/>
+        <p:cNvGrpSpPr/>
+        <p:nvPr/>
+      </p:nvGrpSpPr>
+      <p:grpSpPr>
+        <a:xfrm>
+          <a:off x="0" y="0"/>
+          <a:ext cx="0" cy="0"/>
+          <a:chOff x="0" y="0"/>
+          <a:chExt cx="0" cy="0"/>
+        </a:xfrm>
+      </p:grpSpPr>
+      <p:sp>
+        <p:nvSpPr>
+          <p:cNvPr id="2" name="Text Placeholder 1">
+            <a:extLst>
+              <a:ext uri="{FF2B5EF4-FFF2-40B4-BE49-F238E27FC236}">
+                <a16:creationId xmlns:a16="http://schemas.microsoft.com/office/drawing/2014/main" id="{A51D65A5-C2D3-4C2D-B7FC-56045DC40F53}"/>
+              </a:ext>
+            </a:extLst>
+          </p:cNvPr>
+          <p:cNvSpPr>
+            <a:spLocks noGrp="1"/>
+          </p:cNvSpPr>
+          <p:nvPr>
+            <p:ph type="body" sz="quarter" idx="10"/>
+          </p:nvPr>
+        </p:nvSpPr>
+        <p:spPr>
+          <a:xfrm>
+            <a:off x="313872" y="247650"/>
+            <a:ext cx="9245600" cy="742950"/>
+          </a:xfrm>
+        </p:spPr>
+        <p:txBody>
+          <a:bodyPr/>
+          <a:lstStyle/>
+          <a:p>
+            <a:r>
+              <a:rPr lang="en-US" dirty="0" err="1"/>
+              <a:t>realloc</a:t>
+            </a:r>
+            <a:r>
+              <a:rPr lang="en-US" dirty="0"/>
+              <a:t> Function</a:t>
+            </a:r>
+          </a:p>
+        </p:txBody>
+      </p:sp>
+      <p:sp>
+        <p:nvSpPr>
+          <p:cNvPr id="3" name="Text Placeholder 2">
+            <a:extLst>
+              <a:ext uri="{FF2B5EF4-FFF2-40B4-BE49-F238E27FC236}">
+                <a16:creationId xmlns:a16="http://schemas.microsoft.com/office/drawing/2014/main" id="{766D0A63-7134-4B7D-B497-C4817EE571D2}"/>
+              </a:ext>
+            </a:extLst>
+          </p:cNvPr>
+          <p:cNvSpPr>
+            <a:spLocks noGrp="1"/>
+          </p:cNvSpPr>
+          <p:nvPr>
+            <p:ph type="body" sz="quarter" idx="12"/>
+          </p:nvPr>
+        </p:nvSpPr>
+        <p:spPr>
+          <a:xfrm>
+            <a:off x="406400" y="1009469"/>
+            <a:ext cx="9245600" cy="5992222"/>
+          </a:xfrm>
+        </p:spPr>
+        <p:txBody>
+          <a:bodyPr/>
+          <a:lstStyle/>
+          <a:p>
+            <a:r>
+              <a:rPr lang="en-US" sz="2800" b="1" dirty="0"/>
+              <a:t>void *</a:t>
+            </a:r>
+            <a:r>
+              <a:rPr lang="en-US" sz="2800" b="1" dirty="0" err="1"/>
+              <a:t>realloc</a:t>
+            </a:r>
+            <a:r>
+              <a:rPr lang="en-US" sz="2800" b="1" dirty="0"/>
+              <a:t>(pointer, new-size);</a:t>
+            </a:r>
+          </a:p>
+          <a:p>
+            <a:pPr marL="0" indent="0">
+              <a:buNone/>
+            </a:pPr>
+            <a:endParaRPr lang="en-US" sz="2400" dirty="0"/>
+          </a:p>
+          <a:p>
+            <a:pPr marL="0" indent="0">
+              <a:buNone/>
+            </a:pPr>
+            <a:r>
+              <a:rPr lang="en-US" sz="2400" dirty="0"/>
+              <a:t>Changes the size of the memory block pointed to by pointer to size bytes. The contents will be unchanged in the range from the start of the region up to the minimum of the old and new sizes. </a:t>
+            </a:r>
+          </a:p>
+          <a:p>
+            <a:pPr lvl="2"/>
+            <a:r>
+              <a:rPr lang="en-US" sz="2400" dirty="0"/>
+              <a:t>If the new size is larger than the old size, the added memory will not be initialized. </a:t>
+            </a:r>
+          </a:p>
+          <a:p>
+            <a:pPr lvl="2"/>
+            <a:r>
+              <a:rPr lang="en-US" sz="2400" dirty="0"/>
+              <a:t>if size is equal to zero, and </a:t>
+            </a:r>
+            <a:r>
+              <a:rPr lang="en-US" sz="2400" dirty="0" err="1"/>
+              <a:t>ptr</a:t>
+            </a:r>
+            <a:r>
+              <a:rPr lang="en-US" sz="2400" dirty="0"/>
+              <a:t> is not NULL, then the call is equivalent to free(</a:t>
+            </a:r>
+            <a:r>
+              <a:rPr lang="en-US" sz="2400" dirty="0" err="1"/>
+              <a:t>ptr</a:t>
+            </a:r>
+            <a:r>
+              <a:rPr lang="en-US" sz="2400" dirty="0"/>
+              <a:t>). </a:t>
+            </a:r>
+          </a:p>
+        </p:txBody>
+      </p:sp>
+    </p:spTree>
+    <p:extLst>
+      <p:ext uri="{BB962C8B-B14F-4D97-AF65-F5344CB8AC3E}">
+        <p14:creationId xmlns:p14="http://schemas.microsoft.com/office/powerpoint/2010/main" val="2680742217"/>
+      </p:ext>
+    </p:extLst>
+  </p:cSld>
+  <p:clrMapOvr>
+    <a:masterClrMapping/>
+  </p:clrMapOvr>
+</p:sld>
+</file>
+
+<file path=ppt/slides/slide14.xml><?xml version="1.0" encoding="utf-8"?>
+<p:sld xmlns:a="http://schemas.openxmlformats.org/drawingml/2006/main" xmlns:r="http://schemas.openxmlformats.org/officeDocument/2006/relationships" xmlns:p="http://schemas.openxmlformats.org/presentationml/2006/main">
+  <p:cSld>
+    <p:spTree>
+      <p:nvGrpSpPr>
+        <p:cNvPr id="1" name=""/>
+        <p:cNvGrpSpPr/>
+        <p:nvPr/>
+      </p:nvGrpSpPr>
+      <p:grpSpPr>
+        <a:xfrm>
+          <a:off x="0" y="0"/>
+          <a:ext cx="0" cy="0"/>
+          <a:chOff x="0" y="0"/>
+          <a:chExt cx="0" cy="0"/>
+        </a:xfrm>
+      </p:grpSpPr>
+      <p:pic>
+        <p:nvPicPr>
+          <p:cNvPr id="4" name="Picture 3">
+            <a:extLst>
+              <a:ext uri="{FF2B5EF4-FFF2-40B4-BE49-F238E27FC236}">
+                <a16:creationId xmlns:a16="http://schemas.microsoft.com/office/drawing/2014/main" id="{8FAAE707-0A01-4F29-945F-2DAF1575A21F}"/>
+              </a:ext>
+            </a:extLst>
+          </p:cNvPr>
+          <p:cNvPicPr>
+            <a:picLocks noChangeAspect="1"/>
+          </p:cNvPicPr>
+          <p:nvPr/>
+        </p:nvPicPr>
+        <p:blipFill>
+          <a:blip r:embed="rId2"/>
+          <a:stretch>
+            <a:fillRect/>
+          </a:stretch>
+        </p:blipFill>
+        <p:spPr>
+          <a:xfrm>
+            <a:off x="610279" y="423318"/>
+            <a:ext cx="7475629" cy="6172186"/>
+          </a:xfrm>
+          <a:prstGeom prst="rect">
+            <a:avLst/>
+          </a:prstGeom>
+        </p:spPr>
+      </p:pic>
+    </p:spTree>
+    <p:extLst>
+      <p:ext uri="{BB962C8B-B14F-4D97-AF65-F5344CB8AC3E}">
+        <p14:creationId xmlns:p14="http://schemas.microsoft.com/office/powerpoint/2010/main" val="1494439527"/>
+      </p:ext>
+    </p:extLst>
+  </p:cSld>
+  <p:clrMapOvr>
+    <a:masterClrMapping/>
+  </p:clrMapOvr>
+</p:sld>
+</file>
+
+<file path=ppt/slides/slide15.xml><?xml version="1.0" encoding="utf-8"?>
+<p:sld xmlns:a="http://schemas.openxmlformats.org/drawingml/2006/main" xmlns:r="http://schemas.openxmlformats.org/officeDocument/2006/relationships" xmlns:p="http://schemas.openxmlformats.org/presentationml/2006/main">
+  <p:cSld>
+    <p:spTree>
+      <p:nvGrpSpPr>
+        <p:cNvPr id="1" name=""/>
+        <p:cNvGrpSpPr/>
+        <p:nvPr/>
+      </p:nvGrpSpPr>
+      <p:grpSpPr>
+        <a:xfrm>
+          <a:off x="0" y="0"/>
+          <a:ext cx="0" cy="0"/>
+          <a:chOff x="0" y="0"/>
+          <a:chExt cx="0" cy="0"/>
+        </a:xfrm>
+      </p:grpSpPr>
+      <p:sp>
+        <p:nvSpPr>
+          <p:cNvPr id="2" name="Text Placeholder 1"/>
+          <p:cNvSpPr>
+            <a:spLocks noGrp="1"/>
+          </p:cNvSpPr>
+          <p:nvPr>
+            <p:ph type="body" sz="quarter" idx="10"/>
+          </p:nvPr>
+        </p:nvSpPr>
+        <p:spPr/>
+        <p:txBody>
+          <a:bodyPr/>
+          <a:lstStyle/>
+          <a:p>
+            <a:r>
+              <a:rPr lang="en-US" dirty="0"/>
+              <a:t>Exercise:</a:t>
+            </a:r>
+          </a:p>
+        </p:txBody>
+      </p:sp>
+      <p:sp>
+        <p:nvSpPr>
+          <p:cNvPr id="3" name="Text Placeholder 2"/>
+          <p:cNvSpPr>
+            <a:spLocks noGrp="1"/>
+          </p:cNvSpPr>
+          <p:nvPr>
+            <p:ph type="body" sz="quarter" idx="12"/>
+          </p:nvPr>
+        </p:nvSpPr>
+        <p:spPr/>
+        <p:txBody>
+          <a:bodyPr/>
+          <a:lstStyle/>
+          <a:p>
+            <a:pPr marL="0" indent="0">
+              <a:buNone/>
+            </a:pPr>
+            <a:r>
+              <a:rPr lang="en-US" sz="2000" b="1" dirty="0" err="1">
+                <a:latin typeface="Courier" charset="0"/>
+                <a:ea typeface="Courier" charset="0"/>
+                <a:cs typeface="Courier" charset="0"/>
+              </a:rPr>
+              <a:t>typedef</a:t>
+            </a:r>
+            <a:r>
+              <a:rPr lang="en-US" sz="2000" b="1" dirty="0">
+                <a:latin typeface="Courier" charset="0"/>
+                <a:ea typeface="Courier" charset="0"/>
+                <a:cs typeface="Courier" charset="0"/>
+              </a:rPr>
+              <a:t> </a:t>
+            </a:r>
+            <a:r>
+              <a:rPr lang="en-US" sz="2000" b="1" dirty="0" err="1">
+                <a:latin typeface="Courier" charset="0"/>
+                <a:ea typeface="Courier" charset="0"/>
+                <a:cs typeface="Courier" charset="0"/>
+              </a:rPr>
+              <a:t>struct</a:t>
+            </a:r>
+            <a:r>
+              <a:rPr lang="en-US" sz="2000" b="1" dirty="0">
+                <a:latin typeface="Courier" charset="0"/>
+                <a:ea typeface="Courier" charset="0"/>
+                <a:cs typeface="Courier" charset="0"/>
+              </a:rPr>
+              <a:t> </a:t>
+            </a:r>
+            <a:r>
+              <a:rPr lang="en-US" sz="2000" b="1" dirty="0" err="1">
+                <a:latin typeface="Courier" charset="0"/>
+                <a:ea typeface="Courier" charset="0"/>
+                <a:cs typeface="Courier" charset="0"/>
+              </a:rPr>
+              <a:t>studentStruct</a:t>
+            </a:r>
+            <a:endParaRPr lang="en-US" sz="2000" b="1" dirty="0">
+              <a:latin typeface="Courier" charset="0"/>
+              <a:ea typeface="Courier" charset="0"/>
+              <a:cs typeface="Courier" charset="0"/>
+            </a:endParaRPr>
+          </a:p>
+          <a:p>
+            <a:pPr marL="0" indent="0">
+              <a:buNone/>
+            </a:pPr>
+            <a:r>
+              <a:rPr lang="en-US" sz="2000" b="1" dirty="0">
+                <a:latin typeface="Courier" charset="0"/>
+                <a:ea typeface="Courier" charset="0"/>
+                <a:cs typeface="Courier" charset="0"/>
+              </a:rPr>
+              <a:t>{</a:t>
+            </a:r>
+          </a:p>
+          <a:p>
+            <a:pPr marL="0" indent="0">
+              <a:buNone/>
+            </a:pPr>
+            <a:r>
+              <a:rPr lang="en-US" sz="2000" b="1" dirty="0">
+                <a:latin typeface="Courier" charset="0"/>
+                <a:ea typeface="Courier" charset="0"/>
+                <a:cs typeface="Courier" charset="0"/>
+              </a:rPr>
+              <a:t>	char *NAME;</a:t>
+            </a:r>
+          </a:p>
+          <a:p>
+            <a:pPr marL="0" indent="0">
+              <a:buNone/>
+            </a:pPr>
+            <a:r>
+              <a:rPr lang="en-US" sz="2000" b="1" dirty="0">
+                <a:latin typeface="Courier" charset="0"/>
+                <a:ea typeface="Courier" charset="0"/>
+                <a:cs typeface="Courier" charset="0"/>
+              </a:rPr>
+              <a:t>	</a:t>
+            </a:r>
+            <a:r>
+              <a:rPr lang="en-US" sz="2000" b="1" dirty="0" err="1">
+                <a:latin typeface="Courier" charset="0"/>
+                <a:ea typeface="Courier" charset="0"/>
+                <a:cs typeface="Courier" charset="0"/>
+              </a:rPr>
+              <a:t>int</a:t>
+            </a:r>
+            <a:r>
+              <a:rPr lang="en-US" sz="2000" b="1" dirty="0">
+                <a:latin typeface="Courier" charset="0"/>
+                <a:ea typeface="Courier" charset="0"/>
+                <a:cs typeface="Courier" charset="0"/>
+              </a:rPr>
+              <a:t> UIN;</a:t>
+            </a:r>
+          </a:p>
+          <a:p>
+            <a:pPr marL="0" indent="0">
+              <a:buNone/>
+            </a:pPr>
+            <a:r>
+              <a:rPr lang="en-US" sz="2000" b="1" dirty="0">
+                <a:latin typeface="Courier" charset="0"/>
+                <a:ea typeface="Courier" charset="0"/>
+                <a:cs typeface="Courier" charset="0"/>
+              </a:rPr>
+              <a:t>	float GPA;</a:t>
+            </a:r>
+          </a:p>
+          <a:p>
+            <a:pPr marL="0" indent="0">
+              <a:buNone/>
+            </a:pPr>
+            <a:r>
+              <a:rPr lang="en-US" sz="2000" b="1" dirty="0">
+                <a:latin typeface="Courier" charset="0"/>
+                <a:ea typeface="Courier" charset="0"/>
+                <a:cs typeface="Courier" charset="0"/>
+              </a:rPr>
+              <a:t>}student;</a:t>
+            </a:r>
+          </a:p>
+          <a:p>
+            <a:pPr marL="0" indent="0">
+              <a:buNone/>
+            </a:pPr>
+            <a:endParaRPr lang="en-US" dirty="0"/>
+          </a:p>
+          <a:p>
+            <a:pPr marL="457200" indent="-457200">
+              <a:buFont typeface="+mj-lt"/>
+              <a:buAutoNum type="arabicPeriod"/>
+            </a:pPr>
+            <a:r>
+              <a:rPr lang="en-US" dirty="0"/>
+              <a:t>allocate memory for 200 student records, assuming the you need an array of 100 char to hold each name</a:t>
+            </a:r>
+          </a:p>
+          <a:p>
+            <a:pPr marL="457200" indent="-457200">
+              <a:buFont typeface="+mj-lt"/>
+              <a:buAutoNum type="arabicPeriod"/>
+            </a:pPr>
+            <a:r>
+              <a:rPr lang="en-US" dirty="0"/>
+              <a:t>initialize name to “To be set”, UIN to -1 and GPA to 0.0 for all the records</a:t>
+            </a:r>
+          </a:p>
+          <a:p>
+            <a:pPr marL="457200" indent="-457200">
+              <a:buFont typeface="+mj-lt"/>
+              <a:buAutoNum type="arabicPeriod"/>
+            </a:pPr>
+            <a:r>
+              <a:rPr lang="en-US" dirty="0"/>
+              <a:t>Add 200 more </a:t>
+            </a:r>
+            <a:r>
+              <a:rPr lang="en-US"/>
+              <a:t>student records</a:t>
+            </a:r>
+            <a:endParaRPr lang="en-US" dirty="0"/>
+          </a:p>
+          <a:p>
+            <a:pPr marL="457200" indent="-457200">
+              <a:buFont typeface="+mj-lt"/>
+              <a:buAutoNum type="arabicPeriod"/>
+            </a:pPr>
+            <a:r>
+              <a:rPr lang="en-US" dirty="0"/>
+              <a:t>free up memory space for all the records</a:t>
+            </a:r>
+          </a:p>
+          <a:p>
+            <a:pPr marL="0" indent="0">
+              <a:buNone/>
+            </a:pPr>
+            <a:endParaRPr lang="en-US" dirty="0"/>
+          </a:p>
+        </p:txBody>
+      </p:sp>
+      <p:sp>
+        <p:nvSpPr>
+          <p:cNvPr id="4" name="TextBox 3"/>
+          <p:cNvSpPr txBox="1"/>
+          <p:nvPr/>
+        </p:nvSpPr>
+        <p:spPr>
+          <a:xfrm>
+            <a:off x="9647865" y="6614044"/>
+            <a:ext cx="314510" cy="400110"/>
+          </a:xfrm>
+          <a:prstGeom prst="rect">
+            <a:avLst/>
+          </a:prstGeom>
+          <a:noFill/>
+        </p:spPr>
+        <p:txBody>
+          <a:bodyPr wrap="none" rtlCol="0">
+            <a:spAutoFit/>
+          </a:bodyPr>
+          <a:lstStyle/>
+          <a:p>
+            <a:r>
+              <a:rPr lang="en-US" dirty="0"/>
+              <a:t>7</a:t>
+            </a:r>
+          </a:p>
+        </p:txBody>
+      </p:sp>
+    </p:spTree>
+    <p:extLst>
+      <p:ext uri="{BB962C8B-B14F-4D97-AF65-F5344CB8AC3E}">
+        <p14:creationId xmlns:p14="http://schemas.microsoft.com/office/powerpoint/2010/main" val="2024984276"/>
+      </p:ext>
+    </p:extLst>
+  </p:cSld>
+  <p:clrMapOvr>
+    <a:masterClrMapping/>
+  </p:clrMapOvr>
+</p:sld>
+</file>
+
 <file path=ppt/slides/slide2.xml><?xml version="1.0" encoding="utf-8"?>
+<p:sld xmlns:a="http://schemas.openxmlformats.org/drawingml/2006/main" xmlns:r="http://schemas.openxmlformats.org/officeDocument/2006/relationships" xmlns:p="http://schemas.openxmlformats.org/presentationml/2006/main">
+  <p:cSld>
+    <p:spTree>
+      <p:nvGrpSpPr>
+        <p:cNvPr id="1" name=""/>
+        <p:cNvGrpSpPr/>
+        <p:nvPr/>
+      </p:nvGrpSpPr>
+      <p:grpSpPr>
+        <a:xfrm>
+          <a:off x="0" y="0"/>
+          <a:ext cx="0" cy="0"/>
+          <a:chOff x="0" y="0"/>
+          <a:chExt cx="0" cy="0"/>
+        </a:xfrm>
+      </p:grpSpPr>
+      <p:sp>
+        <p:nvSpPr>
+          <p:cNvPr id="4" name="Rectangle 3">
+            <a:extLst>
+              <a:ext uri="{FF2B5EF4-FFF2-40B4-BE49-F238E27FC236}">
+                <a16:creationId xmlns:a16="http://schemas.microsoft.com/office/drawing/2014/main" id="{4C68FC62-55D0-43B0-B36F-4B0C2E68CE7E}"/>
+              </a:ext>
+            </a:extLst>
+          </p:cNvPr>
+          <p:cNvSpPr/>
+          <p:nvPr/>
+        </p:nvSpPr>
+        <p:spPr>
+          <a:xfrm>
+            <a:off x="323305" y="435754"/>
+            <a:ext cx="9411790" cy="6333016"/>
+          </a:xfrm>
+          <a:prstGeom prst="rect">
+            <a:avLst/>
+          </a:prstGeom>
+        </p:spPr>
+        <p:txBody>
+          <a:bodyPr wrap="square">
+            <a:spAutoFit/>
+          </a:bodyPr>
+          <a:lstStyle/>
+          <a:p>
+            <a:pPr marL="342900" marR="0" lvl="0" indent="-342900">
+              <a:lnSpc>
+                <a:spcPct val="115000"/>
+              </a:lnSpc>
+              <a:spcBef>
+                <a:spcPts val="0"/>
+              </a:spcBef>
+              <a:spcAft>
+                <a:spcPts val="0"/>
+              </a:spcAft>
+              <a:buFont typeface="Symbol" panose="05050102010706020507" pitchFamily="18" charset="2"/>
+              <a:buChar char=""/>
+            </a:pPr>
+            <a:r>
+              <a:rPr lang="en-US" sz="2400" b="1" dirty="0">
+                <a:latin typeface="Calibri" panose="020F0502020204030204" pitchFamily="34" charset="0"/>
+                <a:ea typeface="Times New Roman" panose="02020603050405020304" pitchFamily="18" charset="0"/>
+                <a:cs typeface="Times New Roman" panose="02020603050405020304" pitchFamily="18" charset="0"/>
+              </a:rPr>
+              <a:t>Observation from last lecture:</a:t>
+            </a:r>
+          </a:p>
+          <a:p>
+            <a:pPr marL="742950" marR="0" lvl="1" indent="-285750">
+              <a:lnSpc>
+                <a:spcPct val="115000"/>
+              </a:lnSpc>
+              <a:spcBef>
+                <a:spcPts val="0"/>
+              </a:spcBef>
+              <a:spcAft>
+                <a:spcPts val="0"/>
+              </a:spcAft>
+              <a:buFont typeface="Courier New" panose="02070309020205020404" pitchFamily="49" charset="0"/>
+              <a:buChar char="o"/>
+            </a:pPr>
+            <a:r>
+              <a:rPr lang="en-US" dirty="0">
+                <a:latin typeface="Courier New" panose="02070309020205020404" pitchFamily="49" charset="0"/>
+                <a:ea typeface="Times New Roman" panose="02020603050405020304" pitchFamily="18" charset="0"/>
+                <a:cs typeface="Times New Roman" panose="02020603050405020304" pitchFamily="18" charset="0"/>
+              </a:rPr>
+              <a:t>#define </a:t>
+            </a:r>
+            <a:r>
+              <a:rPr lang="en-US" dirty="0" err="1">
+                <a:latin typeface="Courier New" panose="02070309020205020404" pitchFamily="49" charset="0"/>
+                <a:ea typeface="Times New Roman" panose="02020603050405020304" pitchFamily="18" charset="0"/>
+                <a:cs typeface="Times New Roman" panose="02020603050405020304" pitchFamily="18" charset="0"/>
+              </a:rPr>
+              <a:t>NofS</a:t>
+            </a:r>
+            <a:r>
+              <a:rPr lang="en-US" dirty="0">
+                <a:latin typeface="Courier New" panose="02070309020205020404" pitchFamily="49" charset="0"/>
+                <a:ea typeface="Times New Roman" panose="02020603050405020304" pitchFamily="18" charset="0"/>
+                <a:cs typeface="Times New Roman" panose="02020603050405020304" pitchFamily="18" charset="0"/>
+              </a:rPr>
+              <a:t> 360</a:t>
+            </a:r>
+            <a:br>
+              <a:rPr lang="en-US" dirty="0">
+                <a:latin typeface="Courier New" panose="02070309020205020404" pitchFamily="49" charset="0"/>
+                <a:ea typeface="Times New Roman" panose="02020603050405020304" pitchFamily="18" charset="0"/>
+                <a:cs typeface="Times New Roman" panose="02020603050405020304" pitchFamily="18" charset="0"/>
+              </a:rPr>
+            </a:br>
+            <a:r>
+              <a:rPr lang="en-US" dirty="0">
+                <a:latin typeface="Courier New" panose="02070309020205020404" pitchFamily="49" charset="0"/>
+                <a:ea typeface="Times New Roman" panose="02020603050405020304" pitchFamily="18" charset="0"/>
+                <a:cs typeface="Times New Roman" panose="02020603050405020304" pitchFamily="18" charset="0"/>
+              </a:rPr>
+              <a:t>student ece220[</a:t>
+            </a:r>
+            <a:r>
+              <a:rPr lang="en-US" dirty="0" err="1">
+                <a:latin typeface="Courier New" panose="02070309020205020404" pitchFamily="49" charset="0"/>
+                <a:ea typeface="Times New Roman" panose="02020603050405020304" pitchFamily="18" charset="0"/>
+                <a:cs typeface="Times New Roman" panose="02020603050405020304" pitchFamily="18" charset="0"/>
+              </a:rPr>
+              <a:t>NofS</a:t>
+            </a:r>
+            <a:r>
+              <a:rPr lang="en-US" dirty="0">
+                <a:latin typeface="Courier New" panose="02070309020205020404" pitchFamily="49" charset="0"/>
+                <a:ea typeface="Times New Roman" panose="02020603050405020304" pitchFamily="18" charset="0"/>
+                <a:cs typeface="Times New Roman" panose="02020603050405020304" pitchFamily="18" charset="0"/>
+              </a:rPr>
+              <a:t>];</a:t>
+            </a:r>
+            <a:endParaRPr lang="en-US" dirty="0">
+              <a:latin typeface="Calibri" panose="020F0502020204030204" pitchFamily="34" charset="0"/>
+              <a:ea typeface="Times New Roman" panose="02020603050405020304" pitchFamily="18" charset="0"/>
+              <a:cs typeface="Times New Roman" panose="02020603050405020304" pitchFamily="18" charset="0"/>
+            </a:endParaRPr>
+          </a:p>
+          <a:p>
+            <a:pPr marL="742950" marR="0" lvl="1" indent="-285750">
+              <a:lnSpc>
+                <a:spcPct val="115000"/>
+              </a:lnSpc>
+              <a:spcBef>
+                <a:spcPts val="0"/>
+              </a:spcBef>
+              <a:spcAft>
+                <a:spcPts val="0"/>
+              </a:spcAft>
+              <a:buFont typeface="Courier New" panose="02070309020205020404" pitchFamily="49" charset="0"/>
+              <a:buChar char="o"/>
+            </a:pPr>
+            <a:r>
+              <a:rPr lang="en-US" dirty="0">
+                <a:latin typeface="Calibri" panose="020F0502020204030204" pitchFamily="34" charset="0"/>
+                <a:ea typeface="Times New Roman" panose="02020603050405020304" pitchFamily="18" charset="0"/>
+                <a:cs typeface="Times New Roman" panose="02020603050405020304" pitchFamily="18" charset="0"/>
+              </a:rPr>
+              <a:t>We allocated an array of student records consisting of 360 elements.</a:t>
+            </a:r>
+          </a:p>
+          <a:p>
+            <a:pPr marL="742950" marR="0" lvl="1" indent="-285750">
+              <a:lnSpc>
+                <a:spcPct val="115000"/>
+              </a:lnSpc>
+              <a:spcBef>
+                <a:spcPts val="0"/>
+              </a:spcBef>
+              <a:spcAft>
+                <a:spcPts val="0"/>
+              </a:spcAft>
+              <a:buFont typeface="Courier New" panose="02070309020205020404" pitchFamily="49" charset="0"/>
+              <a:buChar char="o"/>
+            </a:pPr>
+            <a:r>
+              <a:rPr lang="en-US" dirty="0">
+                <a:latin typeface="Calibri" panose="020F0502020204030204" pitchFamily="34" charset="0"/>
+                <a:ea typeface="Times New Roman" panose="02020603050405020304" pitchFamily="18" charset="0"/>
+                <a:cs typeface="Times New Roman" panose="02020603050405020304" pitchFamily="18" charset="0"/>
+              </a:rPr>
+              <a:t>But what if next semester ECE 220 class will have only 10 students?  Or 400 students?</a:t>
+            </a:r>
+          </a:p>
+          <a:p>
+            <a:pPr marL="742950" marR="0" lvl="1" indent="-285750">
+              <a:lnSpc>
+                <a:spcPct val="115000"/>
+              </a:lnSpc>
+              <a:spcBef>
+                <a:spcPts val="0"/>
+              </a:spcBef>
+              <a:spcAft>
+                <a:spcPts val="0"/>
+              </a:spcAft>
+              <a:buFont typeface="Courier New" panose="02070309020205020404" pitchFamily="49" charset="0"/>
+              <a:buChar char="o"/>
+            </a:pPr>
+            <a:r>
+              <a:rPr lang="en-US" dirty="0">
+                <a:latin typeface="Calibri" panose="020F0502020204030204" pitchFamily="34" charset="0"/>
+                <a:ea typeface="Times New Roman" panose="02020603050405020304" pitchFamily="18" charset="0"/>
+                <a:cs typeface="Times New Roman" panose="02020603050405020304" pitchFamily="18" charset="0"/>
+              </a:rPr>
+              <a:t>Ideally, we want to allocate as much memory as needed rather than some pre-set amount. We want to dynamically adapt the size of array based on the actual size of class.</a:t>
+            </a:r>
+          </a:p>
+          <a:p>
+            <a:pPr marL="742950" marR="0" lvl="1" indent="-285750">
+              <a:lnSpc>
+                <a:spcPct val="115000"/>
+              </a:lnSpc>
+              <a:spcBef>
+                <a:spcPts val="0"/>
+              </a:spcBef>
+              <a:spcAft>
+                <a:spcPts val="0"/>
+              </a:spcAft>
+              <a:buFont typeface="Courier New" panose="02070309020205020404" pitchFamily="49" charset="0"/>
+              <a:buChar char="o"/>
+            </a:pPr>
+            <a:r>
+              <a:rPr lang="en-US" dirty="0">
+                <a:latin typeface="Calibri" panose="020F0502020204030204" pitchFamily="34" charset="0"/>
+                <a:ea typeface="Times New Roman" panose="02020603050405020304" pitchFamily="18" charset="0"/>
+                <a:cs typeface="Times New Roman" panose="02020603050405020304" pitchFamily="18" charset="0"/>
+              </a:rPr>
+              <a:t>This can be achieved using the concept of dynamic memory allocation.</a:t>
+            </a:r>
+          </a:p>
+          <a:p>
+            <a:pPr marL="342900" marR="0" lvl="0" indent="-342900">
+              <a:lnSpc>
+                <a:spcPct val="115000"/>
+              </a:lnSpc>
+              <a:spcBef>
+                <a:spcPts val="0"/>
+              </a:spcBef>
+              <a:spcAft>
+                <a:spcPts val="0"/>
+              </a:spcAft>
+              <a:buFont typeface="Symbol" panose="05050102010706020507" pitchFamily="18" charset="2"/>
+              <a:buChar char=""/>
+            </a:pPr>
+            <a:r>
+              <a:rPr lang="en-US" sz="2400" b="1" dirty="0">
+                <a:latin typeface="Calibri" panose="020F0502020204030204" pitchFamily="34" charset="0"/>
+                <a:ea typeface="Times New Roman" panose="02020603050405020304" pitchFamily="18" charset="0"/>
+                <a:cs typeface="Times New Roman" panose="02020603050405020304" pitchFamily="18" charset="0"/>
+              </a:rPr>
+              <a:t>Dynamic memory allocation</a:t>
+            </a:r>
+          </a:p>
+          <a:p>
+            <a:pPr marL="742950" marR="0" lvl="1" indent="-285750">
+              <a:lnSpc>
+                <a:spcPct val="115000"/>
+              </a:lnSpc>
+              <a:spcBef>
+                <a:spcPts val="0"/>
+              </a:spcBef>
+              <a:spcAft>
+                <a:spcPts val="0"/>
+              </a:spcAft>
+              <a:buFont typeface="Courier New" panose="02070309020205020404" pitchFamily="49" charset="0"/>
+              <a:buChar char="o"/>
+            </a:pPr>
+            <a:r>
+              <a:rPr lang="en-US" dirty="0">
+                <a:latin typeface="Calibri" panose="020F0502020204030204" pitchFamily="34" charset="0"/>
+                <a:ea typeface="Times New Roman" panose="02020603050405020304" pitchFamily="18" charset="0"/>
+                <a:cs typeface="Times New Roman" panose="02020603050405020304" pitchFamily="18" charset="0"/>
+              </a:rPr>
+              <a:t>A piece of code called </a:t>
+            </a:r>
+            <a:r>
+              <a:rPr lang="en-US" i="1" dirty="0">
+                <a:latin typeface="Calibri" panose="020F0502020204030204" pitchFamily="34" charset="0"/>
+                <a:ea typeface="Times New Roman" panose="02020603050405020304" pitchFamily="18" charset="0"/>
+                <a:cs typeface="Times New Roman" panose="02020603050405020304" pitchFamily="18" charset="0"/>
+              </a:rPr>
+              <a:t>memory allocation manager</a:t>
+            </a:r>
+            <a:r>
+              <a:rPr lang="en-US" dirty="0">
+                <a:latin typeface="Calibri" panose="020F0502020204030204" pitchFamily="34" charset="0"/>
+                <a:ea typeface="Times New Roman" panose="02020603050405020304" pitchFamily="18" charset="0"/>
+                <a:cs typeface="Times New Roman" panose="02020603050405020304" pitchFamily="18" charset="0"/>
+              </a:rPr>
+              <a:t> that belongs to the OS manages an area of memory called </a:t>
+            </a:r>
+            <a:r>
+              <a:rPr lang="en-US" i="1" dirty="0">
+                <a:latin typeface="Calibri" panose="020F0502020204030204" pitchFamily="34" charset="0"/>
+                <a:ea typeface="Times New Roman" panose="02020603050405020304" pitchFamily="18" charset="0"/>
+                <a:cs typeface="Times New Roman" panose="02020603050405020304" pitchFamily="18" charset="0"/>
+              </a:rPr>
+              <a:t>heap</a:t>
+            </a:r>
+            <a:r>
+              <a:rPr lang="en-US" dirty="0">
+                <a:latin typeface="Calibri" panose="020F0502020204030204" pitchFamily="34" charset="0"/>
+                <a:ea typeface="Times New Roman" panose="02020603050405020304" pitchFamily="18" charset="0"/>
+                <a:cs typeface="Times New Roman" panose="02020603050405020304" pitchFamily="18" charset="0"/>
+              </a:rPr>
+              <a:t>.</a:t>
+            </a:r>
+          </a:p>
+          <a:p>
+            <a:pPr marL="742950" marR="0" lvl="1" indent="-285750">
+              <a:lnSpc>
+                <a:spcPct val="115000"/>
+              </a:lnSpc>
+              <a:spcBef>
+                <a:spcPts val="0"/>
+              </a:spcBef>
+              <a:spcAft>
+                <a:spcPts val="0"/>
+              </a:spcAft>
+              <a:buFont typeface="Courier New" panose="02070309020205020404" pitchFamily="49" charset="0"/>
+              <a:buChar char="o"/>
+            </a:pPr>
+            <a:r>
+              <a:rPr lang="en-US" dirty="0">
+                <a:latin typeface="Calibri" panose="020F0502020204030204" pitchFamily="34" charset="0"/>
+                <a:ea typeface="Times New Roman" panose="02020603050405020304" pitchFamily="18" charset="0"/>
+                <a:cs typeface="Times New Roman" panose="02020603050405020304" pitchFamily="18" charset="0"/>
+              </a:rPr>
+              <a:t>During the execution, a program makes a request to the memory allocator for a contiguous piece of memory of a particular size.</a:t>
+            </a:r>
+          </a:p>
+          <a:p>
+            <a:pPr marL="742950" marR="0" lvl="1" indent="-285750">
+              <a:lnSpc>
+                <a:spcPct val="115000"/>
+              </a:lnSpc>
+              <a:spcBef>
+                <a:spcPts val="0"/>
+              </a:spcBef>
+              <a:spcAft>
+                <a:spcPts val="1000"/>
+              </a:spcAft>
+              <a:buFont typeface="Courier New" panose="02070309020205020404" pitchFamily="49" charset="0"/>
+              <a:buChar char="o"/>
+            </a:pPr>
+            <a:r>
+              <a:rPr lang="en-US" dirty="0">
+                <a:latin typeface="Calibri" panose="020F0502020204030204" pitchFamily="34" charset="0"/>
+                <a:ea typeface="Times New Roman" panose="02020603050405020304" pitchFamily="18" charset="0"/>
+                <a:cs typeface="Times New Roman" panose="02020603050405020304" pitchFamily="18" charset="0"/>
+              </a:rPr>
+              <a:t>The allocator reserves the memory and returns a pointer to it.</a:t>
+            </a:r>
+          </a:p>
+          <a:p>
+            <a:r>
+              <a:rPr lang="en-US" dirty="0">
+                <a:latin typeface="Calibri" panose="020F0502020204030204" pitchFamily="34" charset="0"/>
+                <a:ea typeface="Times New Roman" panose="02020603050405020304" pitchFamily="18" charset="0"/>
+                <a:cs typeface="Times New Roman" panose="02020603050405020304" pitchFamily="18" charset="0"/>
+              </a:rPr>
+              <a:t>We interact with the memory allocation manager by using malloc/free functions.</a:t>
+            </a:r>
+            <a:endParaRPr lang="en-US" dirty="0"/>
+          </a:p>
+        </p:txBody>
+      </p:sp>
+    </p:spTree>
+    <p:extLst>
+      <p:ext uri="{BB962C8B-B14F-4D97-AF65-F5344CB8AC3E}">
+        <p14:creationId xmlns:p14="http://schemas.microsoft.com/office/powerpoint/2010/main" val="3674872159"/>
+      </p:ext>
+    </p:extLst>
+  </p:cSld>
+  <p:clrMapOvr>
+    <a:masterClrMapping/>
+  </p:clrMapOvr>
+  <p:timing>
+    <p:tnLst>
+      <p:par>
+        <p:cTn id="1" dur="indefinite" restart="never" nodeType="tmRoot">
+          <p:childTnLst>
+            <p:seq concurrent="1" nextAc="seek">
+              <p:cTn id="2" dur="indefinite" nodeType="mainSeq">
+                <p:childTnLst>
+                  <p:par>
+                    <p:cTn id="3" fill="hold">
+                      <p:stCondLst>
+                        <p:cond delay="indefinite"/>
+                      </p:stCondLst>
+                      <p:childTnLst>
+                        <p:par>
+                          <p:cTn id="4" fill="hold">
+                            <p:stCondLst>
+                              <p:cond delay="0"/>
+                            </p:stCondLst>
+                            <p:childTnLst>
+                              <p:par>
+                                <p:cTn id="5" presetID="1" presetClass="entr" presetSubtype="0" fill="hold" nodeType="clickEffect">
+                                  <p:stCondLst>
+                                    <p:cond delay="0"/>
+                                  </p:stCondLst>
+                                  <p:childTnLst>
+                                    <p:set>
+                                      <p:cBhvr>
+                                        <p:cTn id="6" dur="1" fill="hold">
+                                          <p:stCondLst>
+                                            <p:cond delay="0"/>
+                                          </p:stCondLst>
+                                        </p:cTn>
+                                        <p:tgtEl>
+                                          <p:spTgt spid="4">
+                                            <p:txEl>
+                                              <p:pRg st="6" end="6"/>
+                                            </p:txEl>
+                                          </p:spTgt>
+                                        </p:tgtEl>
+                                        <p:attrNameLst>
+                                          <p:attrName>style.visibility</p:attrName>
+                                        </p:attrNameLst>
+                                      </p:cBhvr>
+                                      <p:to>
+                                        <p:strVal val="visible"/>
+                                      </p:to>
+                                    </p:set>
+                                  </p:childTnLst>
+                                </p:cTn>
+                              </p:par>
+                              <p:par>
+                                <p:cTn id="7" presetID="1" presetClass="entr" presetSubtype="0" fill="hold" nodeType="withEffect">
+                                  <p:stCondLst>
+                                    <p:cond delay="0"/>
+                                  </p:stCondLst>
+                                  <p:childTnLst>
+                                    <p:set>
+                                      <p:cBhvr>
+                                        <p:cTn id="8" dur="1" fill="hold">
+                                          <p:stCondLst>
+                                            <p:cond delay="0"/>
+                                          </p:stCondLst>
+                                        </p:cTn>
+                                        <p:tgtEl>
+                                          <p:spTgt spid="4">
+                                            <p:txEl>
+                                              <p:pRg st="7" end="7"/>
+                                            </p:txEl>
+                                          </p:spTgt>
+                                        </p:tgtEl>
+                                        <p:attrNameLst>
+                                          <p:attrName>style.visibility</p:attrName>
+                                        </p:attrNameLst>
+                                      </p:cBhvr>
+                                      <p:to>
+                                        <p:strVal val="visible"/>
+                                      </p:to>
+                                    </p:set>
+                                  </p:childTnLst>
+                                </p:cTn>
+                              </p:par>
+                              <p:par>
+                                <p:cTn id="9" presetID="1" presetClass="entr" presetSubtype="0" fill="hold" nodeType="withEffect">
+                                  <p:stCondLst>
+                                    <p:cond delay="0"/>
+                                  </p:stCondLst>
+                                  <p:childTnLst>
+                                    <p:set>
+                                      <p:cBhvr>
+                                        <p:cTn id="10" dur="1" fill="hold">
+                                          <p:stCondLst>
+                                            <p:cond delay="0"/>
+                                          </p:stCondLst>
+                                        </p:cTn>
+                                        <p:tgtEl>
+                                          <p:spTgt spid="4">
+                                            <p:txEl>
+                                              <p:pRg st="8" end="8"/>
+                                            </p:txEl>
+                                          </p:spTgt>
+                                        </p:tgtEl>
+                                        <p:attrNameLst>
+                                          <p:attrName>style.visibility</p:attrName>
+                                        </p:attrNameLst>
+                                      </p:cBhvr>
+                                      <p:to>
+                                        <p:strVal val="visible"/>
+                                      </p:to>
+                                    </p:set>
+                                  </p:childTnLst>
+                                </p:cTn>
+                              </p:par>
+                              <p:par>
+                                <p:cTn id="11" presetID="1" presetClass="entr" presetSubtype="0" fill="hold" nodeType="withEffect">
+                                  <p:stCondLst>
+                                    <p:cond delay="0"/>
+                                  </p:stCondLst>
+                                  <p:childTnLst>
+                                    <p:set>
+                                      <p:cBhvr>
+                                        <p:cTn id="12" dur="1" fill="hold">
+                                          <p:stCondLst>
+                                            <p:cond delay="0"/>
+                                          </p:stCondLst>
+                                        </p:cTn>
+                                        <p:tgtEl>
+                                          <p:spTgt spid="4">
+                                            <p:txEl>
+                                              <p:pRg st="9" end="9"/>
+                                            </p:txEl>
+                                          </p:spTgt>
+                                        </p:tgtEl>
+                                        <p:attrNameLst>
+                                          <p:attrName>style.visibility</p:attrName>
+                                        </p:attrNameLst>
+                                      </p:cBhvr>
+                                      <p:to>
+                                        <p:strVal val="visible"/>
+                                      </p:to>
+                                    </p:set>
+                                  </p:childTnLst>
+                                </p:cTn>
+                              </p:par>
+                              <p:par>
+                                <p:cTn id="13" presetID="1" presetClass="entr" presetSubtype="0" fill="hold" nodeType="withEffect">
+                                  <p:stCondLst>
+                                    <p:cond delay="0"/>
+                                  </p:stCondLst>
+                                  <p:childTnLst>
+                                    <p:set>
+                                      <p:cBhvr>
+                                        <p:cTn id="14" dur="1" fill="hold">
+                                          <p:stCondLst>
+                                            <p:cond delay="0"/>
+                                          </p:stCondLst>
+                                        </p:cTn>
+                                        <p:tgtEl>
+                                          <p:spTgt spid="4">
+                                            <p:txEl>
+                                              <p:pRg st="10" end="10"/>
+                                            </p:txEl>
+                                          </p:spTgt>
+                                        </p:tgtEl>
+                                        <p:attrNameLst>
+                                          <p:attrName>style.visibility</p:attrName>
+                                        </p:attrNameLst>
+                                      </p:cBhvr>
+                                      <p:to>
+                                        <p:strVal val="visible"/>
+                                      </p:to>
+                                    </p:set>
+                                  </p:childTnLst>
+                                </p:cTn>
+                              </p:par>
+                            </p:childTnLst>
+                          </p:cTn>
+                        </p:par>
+                      </p:childTnLst>
+                    </p:cTn>
+                  </p:par>
+                </p:childTnLst>
+              </p:cTn>
+              <p:prevCondLst>
+                <p:cond evt="onPrev" delay="0">
+                  <p:tgtEl>
+                    <p:sldTgt/>
+                  </p:tgtEl>
+                </p:cond>
+              </p:prevCondLst>
+              <p:nextCondLst>
+                <p:cond evt="onNext" delay="0">
+                  <p:tgtEl>
+                    <p:sldTgt/>
+                  </p:tgtEl>
+                </p:cond>
+              </p:nextCondLst>
+            </p:seq>
+          </p:childTnLst>
+        </p:cTn>
+      </p:par>
+    </p:tnLst>
+  </p:timing>
+</p:sld>
+</file>
+
+<file path=ppt/slides/slide3.xml><?xml version="1.0" encoding="utf-8"?>
+<p:sld xmlns:a="http://schemas.openxmlformats.org/drawingml/2006/main" xmlns:r="http://schemas.openxmlformats.org/officeDocument/2006/relationships" xmlns:p="http://schemas.openxmlformats.org/presentationml/2006/main">
+  <p:cSld>
+    <p:spTree>
+      <p:nvGrpSpPr>
+        <p:cNvPr id="1" name=""/>
+        <p:cNvGrpSpPr/>
+        <p:nvPr/>
+      </p:nvGrpSpPr>
+      <p:grpSpPr>
+        <a:xfrm>
+          <a:off x="0" y="0"/>
+          <a:ext cx="0" cy="0"/>
+          <a:chOff x="0" y="0"/>
+          <a:chExt cx="0" cy="0"/>
+        </a:xfrm>
+      </p:grpSpPr>
+      <p:sp>
+        <p:nvSpPr>
+          <p:cNvPr id="2" name="Text Placeholder 1">
+            <a:extLst>
+              <a:ext uri="{FF2B5EF4-FFF2-40B4-BE49-F238E27FC236}">
+                <a16:creationId xmlns:a16="http://schemas.microsoft.com/office/drawing/2014/main" id="{91AD9052-6D7C-4653-839A-1638794FB575}"/>
+              </a:ext>
+            </a:extLst>
+          </p:cNvPr>
+          <p:cNvSpPr>
+            <a:spLocks noGrp="1"/>
+          </p:cNvSpPr>
+          <p:nvPr>
+            <p:ph type="body" sz="quarter" idx="10"/>
+          </p:nvPr>
+        </p:nvSpPr>
+        <p:spPr>
+          <a:xfrm>
+            <a:off x="444500" y="247650"/>
+            <a:ext cx="9245600" cy="611332"/>
+          </a:xfrm>
+        </p:spPr>
+        <p:txBody>
+          <a:bodyPr/>
+          <a:lstStyle/>
+          <a:p>
+            <a:r>
+              <a:rPr lang="en-US" dirty="0"/>
+              <a:t>Dynamic memory allocation concept</a:t>
+            </a:r>
+          </a:p>
+          <a:p>
+            <a:endParaRPr lang="en-US" dirty="0"/>
+          </a:p>
+        </p:txBody>
+      </p:sp>
+      <p:sp>
+        <p:nvSpPr>
+          <p:cNvPr id="4" name="Rectangle 2">
+            <a:extLst>
+              <a:ext uri="{FF2B5EF4-FFF2-40B4-BE49-F238E27FC236}">
+                <a16:creationId xmlns:a16="http://schemas.microsoft.com/office/drawing/2014/main" id="{2C57EA15-7E30-468C-98E8-029D22BE1445}"/>
+              </a:ext>
+            </a:extLst>
+          </p:cNvPr>
+          <p:cNvSpPr>
+            <a:spLocks noChangeArrowheads="1"/>
+          </p:cNvSpPr>
+          <p:nvPr/>
+        </p:nvSpPr>
+        <p:spPr bwMode="auto">
+          <a:xfrm>
+            <a:off x="444499" y="858982"/>
+            <a:ext cx="7367089" cy="1600438"/>
+          </a:xfrm>
+          <a:prstGeom prst="rect">
+            <a:avLst/>
+          </a:prstGeom>
+          <a:noFill/>
+          <a:ln>
+            <a:noFill/>
+          </a:ln>
+          <a:effectLst/>
+          <a:extLst>
+            <a:ext uri="{909E8E84-426E-40DD-AFC4-6F175D3DCCD1}">
+              <a14:hiddenFill xmlns:a14="http://schemas.microsoft.com/office/drawing/2010/main">
+                <a:solidFill>
+                  <a:schemeClr val="accent1"/>
+                </a:solidFill>
+              </a14:hiddenFill>
+            </a:ext>
+            <a:ext uri="{91240B29-F687-4F45-9708-019B960494DF}">
+              <a14:hiddenLine xmlns:a14="http://schemas.microsoft.com/office/drawing/2010/main" w="9525">
+                <a:solidFill>
+                  <a:schemeClr val="tx1"/>
+                </a:solidFill>
+                <a:miter lim="800000"/>
+                <a:headEnd/>
+                <a:tailEnd/>
+              </a14:hiddenLine>
+            </a:ext>
+            <a:ext uri="{AF507438-7753-43E0-B8FC-AC1667EBCBE1}">
+              <a14:hiddenEffects xmlns:a14="http://schemas.microsoft.com/office/drawing/2010/main">
+                <a:effectLst>
+                  <a:outerShdw dist="35921" dir="2700000" algn="ctr" rotWithShape="0">
+                    <a:schemeClr val="bg2"/>
+                  </a:outerShdw>
+                </a:effectLst>
+              </a14:hiddenEffects>
+            </a:ext>
+          </a:extLst>
+        </p:spPr>
+        <p:txBody>
+          <a:bodyPr vert="horz" wrap="square" lIns="91440" tIns="45720" rIns="91440" bIns="45720" numCol="1" anchor="ctr" anchorCtr="0" compatLnSpc="1">
+            <a:prstTxWarp prst="textNoShape">
+              <a:avLst/>
+            </a:prstTxWarp>
+            <a:spAutoFit/>
+          </a:bodyPr>
+          <a:lstStyle>
+            <a:lvl1pPr eaLnBrk="0" fontAlgn="base" hangingPunct="0">
+              <a:spcBef>
+                <a:spcPct val="0"/>
+              </a:spcBef>
+              <a:spcAft>
+                <a:spcPct val="0"/>
+              </a:spcAft>
+              <a:defRPr>
+                <a:solidFill>
+                  <a:schemeClr val="tx1"/>
+                </a:solidFill>
+                <a:latin typeface="Arial" panose="020B0604020202020204" pitchFamily="34" charset="0"/>
+              </a:defRPr>
+            </a:lvl1pPr>
+            <a:lvl2pPr marL="457200" eaLnBrk="0" fontAlgn="base" hangingPunct="0">
+              <a:spcBef>
+                <a:spcPct val="0"/>
+              </a:spcBef>
+              <a:spcAft>
+                <a:spcPct val="0"/>
+              </a:spcAft>
+              <a:defRPr>
+                <a:solidFill>
+                  <a:schemeClr val="tx1"/>
+                </a:solidFill>
+                <a:latin typeface="Arial" panose="020B0604020202020204" pitchFamily="34" charset="0"/>
+              </a:defRPr>
+            </a:lvl2pPr>
+            <a:lvl3pPr marL="914400" eaLnBrk="0" fontAlgn="base" hangingPunct="0">
+              <a:spcBef>
+                <a:spcPct val="0"/>
+              </a:spcBef>
+              <a:spcAft>
+                <a:spcPct val="0"/>
+              </a:spcAft>
+              <a:defRPr>
+                <a:solidFill>
+                  <a:schemeClr val="tx1"/>
+                </a:solidFill>
+                <a:latin typeface="Arial" panose="020B0604020202020204" pitchFamily="34" charset="0"/>
+              </a:defRPr>
+            </a:lvl3pPr>
+            <a:lvl4pPr marL="1371600" eaLnBrk="0" fontAlgn="base" hangingPunct="0">
+              <a:spcBef>
+                <a:spcPct val="0"/>
+              </a:spcBef>
+              <a:spcAft>
+                <a:spcPct val="0"/>
+              </a:spcAft>
+              <a:defRPr>
+                <a:solidFill>
+                  <a:schemeClr val="tx1"/>
+                </a:solidFill>
+                <a:latin typeface="Arial" panose="020B0604020202020204" pitchFamily="34" charset="0"/>
+              </a:defRPr>
+            </a:lvl4pPr>
+            <a:lvl5pPr marL="1828800" eaLnBrk="0" fontAlgn="base" hangingPunct="0">
+              <a:spcBef>
+                <a:spcPct val="0"/>
+              </a:spcBef>
+              <a:spcAft>
+                <a:spcPct val="0"/>
+              </a:spcAft>
+              <a:defRPr>
+                <a:solidFill>
+                  <a:schemeClr val="tx1"/>
+                </a:solidFill>
+                <a:latin typeface="Arial" panose="020B0604020202020204" pitchFamily="34" charset="0"/>
+              </a:defRPr>
+            </a:lvl5pPr>
+            <a:lvl6pPr marL="2286000" eaLnBrk="0" fontAlgn="base" hangingPunct="0">
+              <a:spcBef>
+                <a:spcPct val="0"/>
+              </a:spcBef>
+              <a:spcAft>
+                <a:spcPct val="0"/>
+              </a:spcAft>
+              <a:defRPr>
+                <a:solidFill>
+                  <a:schemeClr val="tx1"/>
+                </a:solidFill>
+                <a:latin typeface="Arial" panose="020B0604020202020204" pitchFamily="34" charset="0"/>
+              </a:defRPr>
+            </a:lvl6pPr>
+            <a:lvl7pPr marL="2743200" eaLnBrk="0" fontAlgn="base" hangingPunct="0">
+              <a:spcBef>
+                <a:spcPct val="0"/>
+              </a:spcBef>
+              <a:spcAft>
+                <a:spcPct val="0"/>
+              </a:spcAft>
+              <a:defRPr>
+                <a:solidFill>
+                  <a:schemeClr val="tx1"/>
+                </a:solidFill>
+                <a:latin typeface="Arial" panose="020B0604020202020204" pitchFamily="34" charset="0"/>
+              </a:defRPr>
+            </a:lvl7pPr>
+            <a:lvl8pPr marL="3200400" eaLnBrk="0" fontAlgn="base" hangingPunct="0">
+              <a:spcBef>
+                <a:spcPct val="0"/>
+              </a:spcBef>
+              <a:spcAft>
+                <a:spcPct val="0"/>
+              </a:spcAft>
+              <a:defRPr>
+                <a:solidFill>
+                  <a:schemeClr val="tx1"/>
+                </a:solidFill>
+                <a:latin typeface="Arial" panose="020B0604020202020204" pitchFamily="34" charset="0"/>
+              </a:defRPr>
+            </a:lvl8pPr>
+            <a:lvl9pPr marL="3657600" eaLnBrk="0" fontAlgn="base" hangingPunct="0">
+              <a:spcBef>
+                <a:spcPct val="0"/>
+              </a:spcBef>
+              <a:spcAft>
+                <a:spcPct val="0"/>
+              </a:spcAft>
+              <a:defRPr>
+                <a:solidFill>
+                  <a:schemeClr val="tx1"/>
+                </a:solidFill>
+                <a:latin typeface="Arial" panose="020B0604020202020204" pitchFamily="34" charset="0"/>
+              </a:defRPr>
+            </a:lvl9pPr>
+          </a:lstStyle>
+          <a:p>
+            <a:pPr marL="0" marR="0" lvl="0" indent="0" algn="l" defTabSz="914400" rtl="0" eaLnBrk="0" fontAlgn="base" latinLnBrk="0" hangingPunct="0">
+              <a:lnSpc>
+                <a:spcPct val="100000"/>
+              </a:lnSpc>
+              <a:spcBef>
+                <a:spcPct val="0"/>
+              </a:spcBef>
+              <a:spcAft>
+                <a:spcPct val="0"/>
+              </a:spcAft>
+              <a:buClrTx/>
+              <a:buSzTx/>
+              <a:tabLst/>
+            </a:pPr>
+            <a:r>
+              <a:rPr kumimoji="0" lang="en-US" altLang="en-US" b="0" i="0" u="none" strike="noStrike" cap="none" normalizeH="0" baseline="0" dirty="0">
+                <a:ln>
+                  <a:noFill/>
+                </a:ln>
+                <a:solidFill>
+                  <a:schemeClr val="tx1"/>
+                </a:solidFill>
+                <a:effectLst/>
+                <a:latin typeface="Calibri" panose="020F0502020204030204" pitchFamily="34" charset="0"/>
+                <a:ea typeface="Times New Roman" panose="02020603050405020304" pitchFamily="18" charset="0"/>
+                <a:cs typeface="Times New Roman" panose="02020603050405020304" pitchFamily="18" charset="0"/>
+              </a:rPr>
+              <a:t>As a reminder</a:t>
+            </a:r>
+            <a:endParaRPr kumimoji="0" lang="en-US" altLang="en-US" sz="1050" b="0" i="0" u="none" strike="noStrike" cap="none" normalizeH="0" baseline="0" dirty="0">
+              <a:ln>
+                <a:noFill/>
+              </a:ln>
+              <a:solidFill>
+                <a:schemeClr val="tx1"/>
+              </a:solidFill>
+              <a:effectLst/>
+            </a:endParaRPr>
+          </a:p>
+          <a:p>
+            <a:pPr marL="457200" marR="0" lvl="1" indent="0" algn="l" defTabSz="914400" rtl="0" eaLnBrk="0" fontAlgn="base" latinLnBrk="0" hangingPunct="0">
+              <a:lnSpc>
+                <a:spcPct val="100000"/>
+              </a:lnSpc>
+              <a:spcBef>
+                <a:spcPct val="0"/>
+              </a:spcBef>
+              <a:spcAft>
+                <a:spcPct val="0"/>
+              </a:spcAft>
+              <a:buClrTx/>
+              <a:buSzTx/>
+              <a:buFont typeface="Symbol" panose="05050102010706020507" pitchFamily="18" charset="2"/>
+              <a:buChar char=""/>
+              <a:tabLst/>
+            </a:pPr>
+            <a:r>
+              <a:rPr kumimoji="0" lang="en-US" altLang="en-US" b="0" i="0" u="none" strike="noStrike" cap="none" normalizeH="0" baseline="0" dirty="0">
+                <a:ln>
+                  <a:noFill/>
+                </a:ln>
+                <a:solidFill>
+                  <a:schemeClr val="tx1"/>
+                </a:solidFill>
+                <a:effectLst/>
+                <a:latin typeface="Calibri" panose="020F0502020204030204" pitchFamily="34" charset="0"/>
+                <a:ea typeface="Times New Roman" panose="02020603050405020304" pitchFamily="18" charset="0"/>
+                <a:cs typeface="Times New Roman" panose="02020603050405020304" pitchFamily="18" charset="0"/>
+              </a:rPr>
+              <a:t>Variables of static storage class are stored in global data section</a:t>
+            </a:r>
+            <a:endParaRPr kumimoji="0" lang="en-US" altLang="en-US" sz="1050" b="0" i="0" u="none" strike="noStrike" cap="none" normalizeH="0" baseline="0" dirty="0">
+              <a:ln>
+                <a:noFill/>
+              </a:ln>
+              <a:solidFill>
+                <a:schemeClr val="tx1"/>
+              </a:solidFill>
+              <a:effectLst/>
+            </a:endParaRPr>
+          </a:p>
+          <a:p>
+            <a:pPr marL="457200" marR="0" lvl="1" indent="0" algn="l" defTabSz="914400" rtl="0" eaLnBrk="0" fontAlgn="base" latinLnBrk="0" hangingPunct="0">
+              <a:lnSpc>
+                <a:spcPct val="100000"/>
+              </a:lnSpc>
+              <a:spcBef>
+                <a:spcPct val="0"/>
+              </a:spcBef>
+              <a:spcAft>
+                <a:spcPct val="0"/>
+              </a:spcAft>
+              <a:buClrTx/>
+              <a:buSzTx/>
+              <a:buFont typeface="Symbol" panose="05050102010706020507" pitchFamily="18" charset="2"/>
+              <a:buChar char=""/>
+              <a:tabLst/>
+            </a:pPr>
+            <a:r>
+              <a:rPr kumimoji="0" lang="en-US" altLang="en-US" b="0" i="0" u="none" strike="noStrike" cap="none" normalizeH="0" baseline="0" dirty="0">
+                <a:ln>
+                  <a:noFill/>
+                </a:ln>
+                <a:solidFill>
+                  <a:schemeClr val="tx1"/>
+                </a:solidFill>
+                <a:effectLst/>
+                <a:latin typeface="Calibri" panose="020F0502020204030204" pitchFamily="34" charset="0"/>
+                <a:ea typeface="Times New Roman" panose="02020603050405020304" pitchFamily="18" charset="0"/>
+                <a:cs typeface="Times New Roman" panose="02020603050405020304" pitchFamily="18" charset="0"/>
+              </a:rPr>
+              <a:t>Variables of automatic storage class are stored in the run-time stack</a:t>
+            </a:r>
+            <a:endParaRPr kumimoji="0" lang="en-US" altLang="en-US" sz="1050" b="0" i="0" u="none" strike="noStrike" cap="none" normalizeH="0" baseline="0" dirty="0">
+              <a:ln>
+                <a:noFill/>
+              </a:ln>
+              <a:solidFill>
+                <a:schemeClr val="tx1"/>
+              </a:solidFill>
+              <a:effectLst/>
+            </a:endParaRPr>
+          </a:p>
+          <a:p>
+            <a:pPr marL="0" marR="0" lvl="0" indent="0" algn="l" defTabSz="914400" rtl="0" eaLnBrk="0" fontAlgn="base" latinLnBrk="0" hangingPunct="0">
+              <a:lnSpc>
+                <a:spcPct val="100000"/>
+              </a:lnSpc>
+              <a:spcBef>
+                <a:spcPct val="0"/>
+              </a:spcBef>
+              <a:spcAft>
+                <a:spcPct val="0"/>
+              </a:spcAft>
+              <a:buClrTx/>
+              <a:buSzTx/>
+              <a:buFontTx/>
+              <a:buNone/>
+              <a:tabLst/>
+            </a:pPr>
+            <a:endParaRPr kumimoji="0" lang="en-US" altLang="en-US" sz="1800" b="0" i="0" u="none" strike="noStrike" cap="none" normalizeH="0" baseline="0" dirty="0">
+              <a:ln>
+                <a:noFill/>
+              </a:ln>
+              <a:solidFill>
+                <a:schemeClr val="tx1"/>
+              </a:solidFill>
+              <a:effectLst/>
+              <a:latin typeface="Arial" panose="020B0604020202020204" pitchFamily="34" charset="0"/>
+            </a:endParaRPr>
+          </a:p>
+        </p:txBody>
+      </p:sp>
+      <p:graphicFrame>
+        <p:nvGraphicFramePr>
+          <p:cNvPr id="5" name="Object 4">
+            <a:extLst>
+              <a:ext uri="{FF2B5EF4-FFF2-40B4-BE49-F238E27FC236}">
+                <a16:creationId xmlns:a16="http://schemas.microsoft.com/office/drawing/2014/main" id="{265DDABD-0438-4A55-9CBD-8FA8DAC45D52}"/>
+              </a:ext>
+            </a:extLst>
+          </p:cNvPr>
+          <p:cNvGraphicFramePr>
+            <a:graphicFrameLocks noChangeAspect="1"/>
+          </p:cNvGraphicFramePr>
+          <p:nvPr>
+            <p:extLst>
+              <p:ext uri="{D42A27DB-BD31-4B8C-83A1-F6EECF244321}">
+                <p14:modId xmlns:p14="http://schemas.microsoft.com/office/powerpoint/2010/main" val="4241252884"/>
+              </p:ext>
+            </p:extLst>
+          </p:nvPr>
+        </p:nvGraphicFramePr>
+        <p:xfrm>
+          <a:off x="2037807" y="1983292"/>
+          <a:ext cx="5499462" cy="5058133"/>
+        </p:xfrm>
+        <a:graphic>
+          <a:graphicData uri="http://schemas.openxmlformats.org/presentationml/2006/ole">
+            <mc:AlternateContent xmlns:mc="http://schemas.openxmlformats.org/markup-compatibility/2006">
+              <mc:Choice xmlns:v="urn:schemas-microsoft-com:vml" Requires="v">
+                <p:oleObj spid="_x0000_s1030" r:id="rId3" imgW="4235414" imgH="3722490" progId="Visio.Drawing.11">
+                  <p:embed/>
+                </p:oleObj>
+              </mc:Choice>
+              <mc:Fallback>
+                <p:oleObj r:id="rId3" imgW="4235414" imgH="3722490" progId="Visio.Drawing.11">
+                  <p:embed/>
+                  <p:pic>
+                    <p:nvPicPr>
+                      <p:cNvPr id="0" name="Object 1"/>
+                      <p:cNvPicPr>
+                        <a:picLocks noChangeAspect="1" noChangeArrowheads="1"/>
+                      </p:cNvPicPr>
+                      <p:nvPr/>
+                    </p:nvPicPr>
+                    <p:blipFill>
+                      <a:blip r:embed="rId4">
+                        <a:extLst>
+                          <a:ext uri="{28A0092B-C50C-407E-A947-70E740481C1C}">
+                            <a14:useLocalDpi xmlns:a14="http://schemas.microsoft.com/office/drawing/2010/main" val="0"/>
+                          </a:ext>
+                        </a:extLst>
+                      </a:blip>
+                      <a:srcRect/>
+                      <a:stretch>
+                        <a:fillRect/>
+                      </a:stretch>
+                    </p:blipFill>
+                    <p:spPr bwMode="auto">
+                      <a:xfrm>
+                        <a:off x="2037807" y="1983292"/>
+                        <a:ext cx="5499462" cy="5058133"/>
+                      </a:xfrm>
+                      <a:prstGeom prst="rect">
+                        <a:avLst/>
+                      </a:prstGeom>
+                      <a:noFill/>
+                    </p:spPr>
+                  </p:pic>
+                </p:oleObj>
+              </mc:Fallback>
+            </mc:AlternateContent>
+          </a:graphicData>
+        </a:graphic>
+      </p:graphicFrame>
+    </p:spTree>
+    <p:extLst>
+      <p:ext uri="{BB962C8B-B14F-4D97-AF65-F5344CB8AC3E}">
+        <p14:creationId xmlns:p14="http://schemas.microsoft.com/office/powerpoint/2010/main" val="2018093353"/>
+      </p:ext>
+    </p:extLst>
+  </p:cSld>
+  <p:clrMapOvr>
+    <a:masterClrMapping/>
+  </p:clrMapOvr>
+  <p:timing>
+    <p:tnLst>
+      <p:par>
+        <p:cTn id="1" dur="indefinite" restart="never" nodeType="tmRoot">
+          <p:childTnLst>
+            <p:seq concurrent="1" nextAc="seek">
+              <p:cTn id="2" dur="indefinite" nodeType="mainSeq">
+                <p:childTnLst>
+                  <p:par>
+                    <p:cTn id="3" fill="hold">
+                      <p:stCondLst>
+                        <p:cond delay="indefinite"/>
+                      </p:stCondLst>
+                      <p:childTnLst>
+                        <p:par>
+                          <p:cTn id="4" fill="hold">
+                            <p:stCondLst>
+                              <p:cond delay="0"/>
+                            </p:stCondLst>
+                            <p:childTnLst>
+                              <p:par>
+                                <p:cTn id="5" presetID="1" presetClass="entr" presetSubtype="0" fill="hold" nodeType="clickEffect">
+                                  <p:stCondLst>
+                                    <p:cond delay="0"/>
+                                  </p:stCondLst>
+                                  <p:childTnLst>
+                                    <p:set>
+                                      <p:cBhvr>
+                                        <p:cTn id="6" dur="1" fill="hold">
+                                          <p:stCondLst>
+                                            <p:cond delay="0"/>
+                                          </p:stCondLst>
+                                        </p:cTn>
+                                        <p:tgtEl>
+                                          <p:spTgt spid="5"/>
+                                        </p:tgtEl>
+                                        <p:attrNameLst>
+                                          <p:attrName>style.visibility</p:attrName>
+                                        </p:attrNameLst>
+                                      </p:cBhvr>
+                                      <p:to>
+                                        <p:strVal val="visible"/>
+                                      </p:to>
+                                    </p:set>
+                                  </p:childTnLst>
+                                </p:cTn>
+                              </p:par>
+                            </p:childTnLst>
+                          </p:cTn>
+                        </p:par>
+                      </p:childTnLst>
+                    </p:cTn>
+                  </p:par>
+                </p:childTnLst>
+              </p:cTn>
+              <p:prevCondLst>
+                <p:cond evt="onPrev" delay="0">
+                  <p:tgtEl>
+                    <p:sldTgt/>
+                  </p:tgtEl>
+                </p:cond>
+              </p:prevCondLst>
+              <p:nextCondLst>
+                <p:cond evt="onNext" delay="0">
+                  <p:tgtEl>
+                    <p:sldTgt/>
+                  </p:tgtEl>
+                </p:cond>
+              </p:nextCondLst>
+            </p:seq>
+          </p:childTnLst>
+        </p:cTn>
+      </p:par>
+    </p:tnLst>
+  </p:timing>
+</p:sld>
+</file>
+
+<file path=ppt/slides/slide4.xml><?xml version="1.0" encoding="utf-8"?>
+<p:sld xmlns:a="http://schemas.openxmlformats.org/drawingml/2006/main" xmlns:r="http://schemas.openxmlformats.org/officeDocument/2006/relationships" xmlns:p="http://schemas.openxmlformats.org/presentationml/2006/main">
+  <p:cSld>
+    <p:spTree>
+      <p:nvGrpSpPr>
+        <p:cNvPr id="1" name=""/>
+        <p:cNvGrpSpPr/>
+        <p:nvPr/>
+      </p:nvGrpSpPr>
+      <p:grpSpPr>
+        <a:xfrm>
+          <a:off x="0" y="0"/>
+          <a:ext cx="0" cy="0"/>
+          <a:chOff x="0" y="0"/>
+          <a:chExt cx="0" cy="0"/>
+        </a:xfrm>
+      </p:grpSpPr>
+      <p:sp>
+        <p:nvSpPr>
+          <p:cNvPr id="2" name="Text Placeholder 1">
+            <a:extLst>
+              <a:ext uri="{FF2B5EF4-FFF2-40B4-BE49-F238E27FC236}">
+                <a16:creationId xmlns:a16="http://schemas.microsoft.com/office/drawing/2014/main" id="{67299C6E-B6A8-4676-8108-5BDEC2E468A0}"/>
+              </a:ext>
+            </a:extLst>
+          </p:cNvPr>
+          <p:cNvSpPr>
+            <a:spLocks noGrp="1"/>
+          </p:cNvSpPr>
+          <p:nvPr>
+            <p:ph type="body" sz="quarter" idx="10"/>
+          </p:nvPr>
+        </p:nvSpPr>
+        <p:spPr>
+          <a:xfrm>
+            <a:off x="444500" y="214175"/>
+            <a:ext cx="9245600" cy="742950"/>
+          </a:xfrm>
+        </p:spPr>
+        <p:txBody>
+          <a:bodyPr/>
+          <a:lstStyle/>
+          <a:p>
+            <a:r>
+              <a:rPr lang="en-US" dirty="0"/>
+              <a:t>malloc/free</a:t>
+            </a:r>
+          </a:p>
+          <a:p>
+            <a:endParaRPr lang="en-US" dirty="0"/>
+          </a:p>
+        </p:txBody>
+      </p:sp>
+      <p:sp>
+        <p:nvSpPr>
+          <p:cNvPr id="3" name="Text Placeholder 2">
+            <a:extLst>
+              <a:ext uri="{FF2B5EF4-FFF2-40B4-BE49-F238E27FC236}">
+                <a16:creationId xmlns:a16="http://schemas.microsoft.com/office/drawing/2014/main" id="{36808734-115D-4912-91DE-77F7BF56502A}"/>
+              </a:ext>
+            </a:extLst>
+          </p:cNvPr>
+          <p:cNvSpPr>
+            <a:spLocks noGrp="1"/>
+          </p:cNvSpPr>
+          <p:nvPr>
+            <p:ph type="body" sz="quarter" idx="12"/>
+          </p:nvPr>
+        </p:nvSpPr>
+        <p:spPr>
+          <a:xfrm>
+            <a:off x="444500" y="832394"/>
+            <a:ext cx="9245600" cy="6107611"/>
+          </a:xfrm>
+        </p:spPr>
+        <p:txBody>
+          <a:bodyPr/>
+          <a:lstStyle/>
+          <a:p>
+            <a:pPr lvl="0"/>
+            <a:r>
+              <a:rPr lang="en-US" sz="2400" dirty="0"/>
+              <a:t>malloc function can be used to allocate some number of bytes of memory in the heap.  It reserves a chunk of memory in the heap and returns a pointer to it. The memory is not initialized.</a:t>
+            </a:r>
+          </a:p>
+          <a:p>
+            <a:pPr lvl="1"/>
+            <a:r>
+              <a:rPr lang="en-US" sz="2400" dirty="0"/>
+              <a:t>malloc prototype</a:t>
+            </a:r>
+          </a:p>
+          <a:p>
+            <a:pPr lvl="2"/>
+            <a:r>
+              <a:rPr lang="en-US" sz="2400" dirty="0"/>
+              <a:t>void *malloc(</a:t>
+            </a:r>
+            <a:r>
+              <a:rPr lang="en-US" sz="2400" dirty="0" err="1"/>
+              <a:t>size_t</a:t>
+            </a:r>
+            <a:r>
+              <a:rPr lang="en-US" sz="2400" dirty="0"/>
+              <a:t> size);</a:t>
+            </a:r>
+          </a:p>
+          <a:p>
+            <a:pPr lvl="2"/>
+            <a:r>
+              <a:rPr lang="en-US" sz="2400" dirty="0"/>
+              <a:t>size is the number of bytes of memory to be allocated</a:t>
+            </a:r>
+          </a:p>
+          <a:p>
+            <a:pPr lvl="2"/>
+            <a:r>
+              <a:rPr lang="en-US" sz="2400" dirty="0"/>
+              <a:t>the function returns a generic pointer to a generic data type. User can cast this to an appropriate data type. On error, this function returns NULL. </a:t>
+            </a:r>
+          </a:p>
+          <a:p>
+            <a:pPr lvl="1"/>
+            <a:r>
+              <a:rPr lang="en-US" sz="2400" dirty="0">
+                <a:solidFill>
+                  <a:srgbClr val="FF0000"/>
+                </a:solidFill>
+              </a:rPr>
+              <a:t>Example:</a:t>
+            </a:r>
+          </a:p>
+          <a:p>
+            <a:pPr lvl="2"/>
+            <a:r>
+              <a:rPr lang="en-US" sz="2400" dirty="0"/>
+              <a:t>char *name;</a:t>
+            </a:r>
+            <a:br>
+              <a:rPr lang="en-US" sz="2400" dirty="0"/>
+            </a:br>
+            <a:r>
+              <a:rPr lang="en-US" sz="2400" dirty="0"/>
+              <a:t>name = </a:t>
+            </a:r>
+            <a:r>
+              <a:rPr lang="en-US" sz="2400" dirty="0">
+                <a:solidFill>
+                  <a:srgbClr val="FF0000"/>
+                </a:solidFill>
+              </a:rPr>
+              <a:t>(char *)</a:t>
+            </a:r>
+            <a:r>
+              <a:rPr lang="en-US" sz="2400" dirty="0"/>
+              <a:t>malloc(22*</a:t>
+            </a:r>
+            <a:r>
+              <a:rPr lang="en-US" sz="2400" dirty="0" err="1"/>
+              <a:t>sizeof</a:t>
+            </a:r>
+            <a:r>
+              <a:rPr lang="en-US" sz="2400" dirty="0"/>
+              <a:t>(char));</a:t>
+            </a:r>
+          </a:p>
+          <a:p>
+            <a:r>
+              <a:rPr lang="en-US" sz="2400" dirty="0"/>
+              <a:t>22 bytes of memory will be allocated and a pointer to it will be returned, casted to type char.</a:t>
+            </a:r>
+            <a:endParaRPr lang="en-US" dirty="0"/>
+          </a:p>
+        </p:txBody>
+      </p:sp>
+    </p:spTree>
+    <p:extLst>
+      <p:ext uri="{BB962C8B-B14F-4D97-AF65-F5344CB8AC3E}">
+        <p14:creationId xmlns:p14="http://schemas.microsoft.com/office/powerpoint/2010/main" val="1206512896"/>
+      </p:ext>
+    </p:extLst>
+  </p:cSld>
+  <p:clrMapOvr>
+    <a:masterClrMapping/>
+  </p:clrMapOvr>
+  <p:timing>
+    <p:tnLst>
+      <p:par>
+        <p:cTn id="1" dur="indefinite" restart="never" nodeType="tmRoot">
+          <p:childTnLst>
+            <p:seq concurrent="1" nextAc="seek">
+              <p:cTn id="2" dur="indefinite" nodeType="mainSeq">
+                <p:childTnLst>
+                  <p:par>
+                    <p:cTn id="3" fill="hold">
+                      <p:stCondLst>
+                        <p:cond delay="indefinite"/>
+                      </p:stCondLst>
+                      <p:childTnLst>
+                        <p:par>
+                          <p:cTn id="4" fill="hold">
+                            <p:stCondLst>
+                              <p:cond delay="0"/>
+                            </p:stCondLst>
+                            <p:childTnLst>
+                              <p:par>
+                                <p:cTn id="5" presetID="1" presetClass="entr" presetSubtype="0" fill="hold" nodeType="clickEffect">
+                                  <p:stCondLst>
+                                    <p:cond delay="0"/>
+                                  </p:stCondLst>
+                                  <p:childTnLst>
+                                    <p:set>
+                                      <p:cBhvr>
+                                        <p:cTn id="6" dur="1" fill="hold">
+                                          <p:stCondLst>
+                                            <p:cond delay="0"/>
+                                          </p:stCondLst>
+                                        </p:cTn>
+                                        <p:tgtEl>
+                                          <p:spTgt spid="3">
+                                            <p:txEl>
+                                              <p:pRg st="5" end="5"/>
+                                            </p:txEl>
+                                          </p:spTgt>
+                                        </p:tgtEl>
+                                        <p:attrNameLst>
+                                          <p:attrName>style.visibility</p:attrName>
+                                        </p:attrNameLst>
+                                      </p:cBhvr>
+                                      <p:to>
+                                        <p:strVal val="visible"/>
+                                      </p:to>
+                                    </p:set>
+                                  </p:childTnLst>
+                                </p:cTn>
+                              </p:par>
+                              <p:par>
+                                <p:cTn id="7" presetID="1" presetClass="entr" presetSubtype="0" fill="hold" nodeType="withEffect">
+                                  <p:stCondLst>
+                                    <p:cond delay="0"/>
+                                  </p:stCondLst>
+                                  <p:childTnLst>
+                                    <p:set>
+                                      <p:cBhvr>
+                                        <p:cTn id="8" dur="1" fill="hold">
+                                          <p:stCondLst>
+                                            <p:cond delay="0"/>
+                                          </p:stCondLst>
+                                        </p:cTn>
+                                        <p:tgtEl>
+                                          <p:spTgt spid="3">
+                                            <p:txEl>
+                                              <p:pRg st="6" end="6"/>
+                                            </p:txEl>
+                                          </p:spTgt>
+                                        </p:tgtEl>
+                                        <p:attrNameLst>
+                                          <p:attrName>style.visibility</p:attrName>
+                                        </p:attrNameLst>
+                                      </p:cBhvr>
+                                      <p:to>
+                                        <p:strVal val="visible"/>
+                                      </p:to>
+                                    </p:set>
+                                  </p:childTnLst>
+                                </p:cTn>
+                              </p:par>
+                              <p:par>
+                                <p:cTn id="9" presetID="1" presetClass="entr" presetSubtype="0" fill="hold" nodeType="withEffect">
+                                  <p:stCondLst>
+                                    <p:cond delay="0"/>
+                                  </p:stCondLst>
+                                  <p:childTnLst>
+                                    <p:set>
+                                      <p:cBhvr>
+                                        <p:cTn id="10" dur="1" fill="hold">
+                                          <p:stCondLst>
+                                            <p:cond delay="0"/>
+                                          </p:stCondLst>
+                                        </p:cTn>
+                                        <p:tgtEl>
+                                          <p:spTgt spid="3">
+                                            <p:txEl>
+                                              <p:pRg st="7" end="7"/>
+                                            </p:txEl>
+                                          </p:spTgt>
+                                        </p:tgtEl>
+                                        <p:attrNameLst>
+                                          <p:attrName>style.visibility</p:attrName>
+                                        </p:attrNameLst>
+                                      </p:cBhvr>
+                                      <p:to>
+                                        <p:strVal val="visible"/>
+                                      </p:to>
+                                    </p:set>
+                                  </p:childTnLst>
+                                </p:cTn>
+                              </p:par>
+                            </p:childTnLst>
+                          </p:cTn>
+                        </p:par>
+                      </p:childTnLst>
+                    </p:cTn>
+                  </p:par>
+                </p:childTnLst>
+              </p:cTn>
+              <p:prevCondLst>
+                <p:cond evt="onPrev" delay="0">
+                  <p:tgtEl>
+                    <p:sldTgt/>
+                  </p:tgtEl>
+                </p:cond>
+              </p:prevCondLst>
+              <p:nextCondLst>
+                <p:cond evt="onNext" delay="0">
+                  <p:tgtEl>
+                    <p:sldTgt/>
+                  </p:tgtEl>
+                </p:cond>
+              </p:nextCondLst>
+            </p:seq>
+          </p:childTnLst>
+        </p:cTn>
+      </p:par>
+    </p:tnLst>
+  </p:timing>
+</p:sld>
+</file>
+
+<file path=ppt/slides/slide5.xml><?xml version="1.0" encoding="utf-8"?>
+<p:sld xmlns:a="http://schemas.openxmlformats.org/drawingml/2006/main" xmlns:r="http://schemas.openxmlformats.org/officeDocument/2006/relationships" xmlns:p="http://schemas.openxmlformats.org/presentationml/2006/main">
+  <p:cSld>
+    <p:spTree>
+      <p:nvGrpSpPr>
+        <p:cNvPr id="1" name=""/>
+        <p:cNvGrpSpPr/>
+        <p:nvPr/>
+      </p:nvGrpSpPr>
+      <p:grpSpPr>
+        <a:xfrm>
+          <a:off x="0" y="0"/>
+          <a:ext cx="0" cy="0"/>
+          <a:chOff x="0" y="0"/>
+          <a:chExt cx="0" cy="0"/>
+        </a:xfrm>
+      </p:grpSpPr>
+      <p:sp>
+        <p:nvSpPr>
+          <p:cNvPr id="2" name="Text Placeholder 1">
+            <a:extLst>
+              <a:ext uri="{FF2B5EF4-FFF2-40B4-BE49-F238E27FC236}">
+                <a16:creationId xmlns:a16="http://schemas.microsoft.com/office/drawing/2014/main" id="{D0E3BAA1-F2AF-4BF7-A82C-8736ECFE9541}"/>
+              </a:ext>
+            </a:extLst>
+          </p:cNvPr>
+          <p:cNvSpPr>
+            <a:spLocks noGrp="1"/>
+          </p:cNvSpPr>
+          <p:nvPr>
+            <p:ph type="body" sz="quarter" idx="10"/>
+          </p:nvPr>
+        </p:nvSpPr>
+        <p:spPr>
+          <a:xfrm>
+            <a:off x="406400" y="247650"/>
+            <a:ext cx="9245600" cy="742950"/>
+          </a:xfrm>
+        </p:spPr>
+        <p:txBody>
+          <a:bodyPr/>
+          <a:lstStyle/>
+          <a:p>
+            <a:pPr lvl="0"/>
+            <a:r>
+              <a:rPr lang="en-US" sz="2800" dirty="0"/>
+              <a:t>free function frees the memory space pointed to by </a:t>
+            </a:r>
+            <a:r>
+              <a:rPr lang="en-US" sz="2800" dirty="0" err="1"/>
+              <a:t>ptr</a:t>
+            </a:r>
+            <a:r>
+              <a:rPr lang="en-US" sz="2800" dirty="0"/>
+              <a:t>. </a:t>
+            </a:r>
+          </a:p>
+        </p:txBody>
+      </p:sp>
+      <p:sp>
+        <p:nvSpPr>
+          <p:cNvPr id="3" name="Text Placeholder 2">
+            <a:extLst>
+              <a:ext uri="{FF2B5EF4-FFF2-40B4-BE49-F238E27FC236}">
+                <a16:creationId xmlns:a16="http://schemas.microsoft.com/office/drawing/2014/main" id="{59B0FF04-6302-454E-8295-6E9D27B3C039}"/>
+              </a:ext>
+            </a:extLst>
+          </p:cNvPr>
+          <p:cNvSpPr>
+            <a:spLocks noGrp="1"/>
+          </p:cNvSpPr>
+          <p:nvPr>
+            <p:ph type="body" sz="quarter" idx="12"/>
+          </p:nvPr>
+        </p:nvSpPr>
+        <p:spPr>
+          <a:xfrm>
+            <a:off x="406400" y="990600"/>
+            <a:ext cx="9245600" cy="4826000"/>
+          </a:xfrm>
+        </p:spPr>
+        <p:txBody>
+          <a:bodyPr/>
+          <a:lstStyle/>
+          <a:p>
+            <a:pPr lvl="1"/>
+            <a:r>
+              <a:rPr lang="en-US" sz="2400" dirty="0"/>
+              <a:t>Free prototype:</a:t>
+            </a:r>
+          </a:p>
+          <a:p>
+            <a:pPr lvl="2"/>
+            <a:r>
+              <a:rPr lang="en-US" sz="2400" dirty="0"/>
+              <a:t>void free(void *</a:t>
+            </a:r>
+            <a:r>
+              <a:rPr lang="en-US" sz="2400" dirty="0" err="1"/>
+              <a:t>ptr</a:t>
+            </a:r>
+            <a:r>
+              <a:rPr lang="en-US" sz="2400" dirty="0"/>
+              <a:t>);</a:t>
+            </a:r>
+          </a:p>
+          <a:p>
+            <a:pPr lvl="2"/>
+            <a:r>
+              <a:rPr lang="en-US" sz="2400" dirty="0" err="1"/>
+              <a:t>ptr</a:t>
+            </a:r>
+            <a:r>
+              <a:rPr lang="en-US" sz="2400" dirty="0"/>
+              <a:t> must have been returned by a previous call to malloc. Otherwise, or if free(</a:t>
+            </a:r>
+            <a:r>
+              <a:rPr lang="en-US" sz="2400" dirty="0" err="1"/>
+              <a:t>ptr</a:t>
+            </a:r>
+            <a:r>
+              <a:rPr lang="en-US" sz="2400" dirty="0"/>
+              <a:t>) has already been called before, undefined behavior occurs. If </a:t>
+            </a:r>
+            <a:r>
+              <a:rPr lang="en-US" sz="2400" dirty="0" err="1"/>
+              <a:t>ptr</a:t>
+            </a:r>
+            <a:r>
+              <a:rPr lang="en-US" sz="2400" dirty="0"/>
+              <a:t> is NULL, no operation is performed.</a:t>
+            </a:r>
+          </a:p>
+          <a:p>
+            <a:pPr lvl="2"/>
+            <a:r>
+              <a:rPr lang="en-US" sz="2400" dirty="0"/>
+              <a:t>The free function returns no value.</a:t>
+            </a:r>
+          </a:p>
+          <a:p>
+            <a:pPr lvl="1"/>
+            <a:r>
+              <a:rPr lang="en-US" sz="2400" dirty="0"/>
+              <a:t>Example:</a:t>
+            </a:r>
+          </a:p>
+          <a:p>
+            <a:pPr lvl="2"/>
+            <a:r>
+              <a:rPr lang="en-US" sz="2400" dirty="0"/>
+              <a:t>free(name);</a:t>
+            </a:r>
+          </a:p>
+          <a:p>
+            <a:r>
+              <a:rPr lang="en-US" sz="2400" dirty="0"/>
+              <a:t>this will free the memory allocated by previous calls to malloc.</a:t>
+            </a:r>
+            <a:endParaRPr lang="en-US" dirty="0"/>
+          </a:p>
+        </p:txBody>
+      </p:sp>
+    </p:spTree>
+    <p:extLst>
+      <p:ext uri="{BB962C8B-B14F-4D97-AF65-F5344CB8AC3E}">
+        <p14:creationId xmlns:p14="http://schemas.microsoft.com/office/powerpoint/2010/main" val="3998601445"/>
+      </p:ext>
+    </p:extLst>
+  </p:cSld>
+  <p:clrMapOvr>
+    <a:masterClrMapping/>
+  </p:clrMapOvr>
+</p:sld>
+</file>
+
+<file path=ppt/slides/slide6.xml><?xml version="1.0" encoding="utf-8"?>
+<p:sld xmlns:a="http://schemas.openxmlformats.org/drawingml/2006/main" xmlns:r="http://schemas.openxmlformats.org/officeDocument/2006/relationships" xmlns:p="http://schemas.openxmlformats.org/presentationml/2006/main">
+  <p:cSld>
+    <p:spTree>
+      <p:nvGrpSpPr>
+        <p:cNvPr id="1" name=""/>
+        <p:cNvGrpSpPr/>
+        <p:nvPr/>
+      </p:nvGrpSpPr>
+      <p:grpSpPr>
+        <a:xfrm>
+          <a:off x="0" y="0"/>
+          <a:ext cx="0" cy="0"/>
+          <a:chOff x="0" y="0"/>
+          <a:chExt cx="0" cy="0"/>
+        </a:xfrm>
+      </p:grpSpPr>
+      <p:pic>
+        <p:nvPicPr>
+          <p:cNvPr id="5" name="Picture 4">
+            <a:extLst>
+              <a:ext uri="{FF2B5EF4-FFF2-40B4-BE49-F238E27FC236}">
+                <a16:creationId xmlns:a16="http://schemas.microsoft.com/office/drawing/2014/main" id="{44DD68A2-D4E6-4D38-BE72-91B122EC8858}"/>
+              </a:ext>
+            </a:extLst>
+          </p:cNvPr>
+          <p:cNvPicPr>
+            <a:picLocks noChangeAspect="1"/>
+          </p:cNvPicPr>
+          <p:nvPr/>
+        </p:nvPicPr>
+        <p:blipFill>
+          <a:blip r:embed="rId2"/>
+          <a:stretch>
+            <a:fillRect/>
+          </a:stretch>
+        </p:blipFill>
+        <p:spPr>
+          <a:xfrm>
+            <a:off x="39188" y="402092"/>
+            <a:ext cx="9946283" cy="6064024"/>
+          </a:xfrm>
+          <a:prstGeom prst="rect">
+            <a:avLst/>
+          </a:prstGeom>
+        </p:spPr>
+      </p:pic>
+    </p:spTree>
+    <p:extLst>
+      <p:ext uri="{BB962C8B-B14F-4D97-AF65-F5344CB8AC3E}">
+        <p14:creationId xmlns:p14="http://schemas.microsoft.com/office/powerpoint/2010/main" val="1817717135"/>
+      </p:ext>
+    </p:extLst>
+  </p:cSld>
+  <p:clrMapOvr>
+    <a:masterClrMapping/>
+  </p:clrMapOvr>
+</p:sld>
+</file>
+
+<file path=ppt/slides/slide7.xml><?xml version="1.0" encoding="utf-8"?>
 <p:sld xmlns:a="http://schemas.openxmlformats.org/drawingml/2006/main" xmlns:r="http://schemas.openxmlformats.org/officeDocument/2006/relationships" xmlns:p="http://schemas.openxmlformats.org/presentationml/2006/main">
   <p:cSld>
     <p:spTree>
@@ -3381,7 +5909,7 @@
 </p:sld>
 </file>
 
-<file path=ppt/slides/slide3.xml><?xml version="1.0" encoding="utf-8"?>
+<file path=ppt/slides/slide8.xml><?xml version="1.0" encoding="utf-8"?>
 <p:sld xmlns:a="http://schemas.openxmlformats.org/drawingml/2006/main" xmlns:r="http://schemas.openxmlformats.org/officeDocument/2006/relationships" xmlns:p="http://schemas.openxmlformats.org/presentationml/2006/main">
   <p:cSld>
     <p:spTree>
@@ -3658,7 +6186,7 @@
 </p:sld>
 </file>
 
-<file path=ppt/slides/slide4.xml><?xml version="1.0" encoding="utf-8"?>
+<file path=ppt/slides/slide9.xml><?xml version="1.0" encoding="utf-8"?>
 <p:sld xmlns:a="http://schemas.openxmlformats.org/drawingml/2006/main" xmlns:r="http://schemas.openxmlformats.org/officeDocument/2006/relationships" xmlns:p="http://schemas.openxmlformats.org/presentationml/2006/main">
   <p:cSld>
     <p:spTree>
@@ -3691,17 +6219,18 @@
           <a:lstStyle/>
           <a:p>
             <a:r>
+              <a:rPr lang="en-US" dirty="0" err="1"/>
+              <a:t>calloc</a:t>
+            </a:r>
+            <a:r>
               <a:rPr lang="en-US" dirty="0"/>
-              <a:t>Example using </a:t>
+              <a:t> &amp; </a:t>
             </a:r>
             <a:r>
               <a:rPr lang="en-US" dirty="0" err="1"/>
-              <a:t>malloc</a:t>
-            </a:r>
-            <a:r>
-              <a:rPr lang="en-US" dirty="0"/>
-              <a:t> &amp; free:</a:t>
-            </a:r>
+              <a:t>realloc</a:t>
+            </a:r>
+            <a:endParaRPr lang="en-US" dirty="0"/>
           </a:p>
         </p:txBody>
       </p:sp>
@@ -3715,519 +6244,10 @@
             <p:ph type="body" sz="quarter" idx="12"/>
           </p:nvPr>
         </p:nvSpPr>
-        <p:spPr>
-          <a:xfrm>
-            <a:off x="444500" y="1417495"/>
-            <a:ext cx="9245600" cy="5089525"/>
-          </a:xfrm>
-        </p:spPr>
+        <p:spPr/>
         <p:txBody>
           <a:bodyPr/>
           <a:lstStyle/>
-          <a:p>
-            <a:pPr marL="0" marR="0" lvl="0" indent="0" defTabSz="914400" eaLnBrk="1" fontAlgn="auto" latinLnBrk="0" hangingPunct="1">
-              <a:lnSpc>
-                <a:spcPct val="100000"/>
-              </a:lnSpc>
-              <a:spcBef>
-                <a:spcPts val="0"/>
-              </a:spcBef>
-              <a:spcAft>
-                <a:spcPts val="0"/>
-              </a:spcAft>
-              <a:buClrTx/>
-              <a:buSzTx/>
-              <a:buFontTx/>
-              <a:buNone/>
-              <a:tabLst/>
-              <a:defRPr/>
-            </a:pPr>
-            <a:r>
-              <a:rPr lang="en-US" sz="2000" b="1" dirty="0" err="1">
-                <a:latin typeface="Courier" charset="0"/>
-                <a:ea typeface="Courier" charset="0"/>
-                <a:cs typeface="Courier" charset="0"/>
-              </a:rPr>
-              <a:t>int</a:t>
-            </a:r>
-            <a:r>
-              <a:rPr lang="en-US" sz="2000" b="1" dirty="0">
-                <a:latin typeface="Courier" charset="0"/>
-                <a:ea typeface="Courier" charset="0"/>
-                <a:cs typeface="Courier" charset="0"/>
-              </a:rPr>
-              <a:t> *</a:t>
-            </a:r>
-            <a:r>
-              <a:rPr lang="en-US" sz="2000" b="1" dirty="0" err="1">
-                <a:latin typeface="Courier" charset="0"/>
-                <a:ea typeface="Courier" charset="0"/>
-                <a:cs typeface="Courier" charset="0"/>
-              </a:rPr>
-              <a:t>ptr</a:t>
-            </a:r>
-            <a:r>
-              <a:rPr lang="en-US" sz="2000" b="1" dirty="0">
-                <a:latin typeface="Courier" charset="0"/>
-                <a:ea typeface="Courier" charset="0"/>
-                <a:cs typeface="Courier" charset="0"/>
-              </a:rPr>
-              <a:t> = </a:t>
-            </a:r>
-            <a:r>
-              <a:rPr lang="en-US" sz="2000" b="1" dirty="0">
-                <a:solidFill>
-                  <a:srgbClr val="C00000"/>
-                </a:solidFill>
-                <a:latin typeface="Courier" charset="0"/>
-                <a:ea typeface="Courier" charset="0"/>
-                <a:cs typeface="Courier" charset="0"/>
-              </a:rPr>
-              <a:t>(</a:t>
-            </a:r>
-            <a:r>
-              <a:rPr lang="en-US" sz="2000" b="1" dirty="0" err="1">
-                <a:solidFill>
-                  <a:srgbClr val="C00000"/>
-                </a:solidFill>
-                <a:latin typeface="Courier" charset="0"/>
-                <a:ea typeface="Courier" charset="0"/>
-                <a:cs typeface="Courier" charset="0"/>
-              </a:rPr>
-              <a:t>int</a:t>
-            </a:r>
-            <a:r>
-              <a:rPr lang="en-US" sz="2000" b="1" dirty="0">
-                <a:solidFill>
-                  <a:srgbClr val="C00000"/>
-                </a:solidFill>
-                <a:latin typeface="Courier" charset="0"/>
-                <a:ea typeface="Courier" charset="0"/>
-                <a:cs typeface="Courier" charset="0"/>
-              </a:rPr>
-              <a:t> *)</a:t>
-            </a:r>
-            <a:r>
-              <a:rPr lang="en-US" sz="2000" b="1" dirty="0" err="1">
-                <a:latin typeface="Courier" charset="0"/>
-                <a:ea typeface="Courier" charset="0"/>
-                <a:cs typeface="Courier" charset="0"/>
-              </a:rPr>
-              <a:t>malloc</a:t>
-            </a:r>
-            <a:r>
-              <a:rPr lang="en-US" sz="2000" b="1" dirty="0">
-                <a:latin typeface="Courier" charset="0"/>
-                <a:ea typeface="Courier" charset="0"/>
-                <a:cs typeface="Courier" charset="0"/>
-              </a:rPr>
-              <a:t>(</a:t>
-            </a:r>
-            <a:r>
-              <a:rPr lang="en-US" sz="2000" b="1" dirty="0" err="1">
-                <a:latin typeface="Courier" charset="0"/>
-                <a:ea typeface="Courier" charset="0"/>
-                <a:cs typeface="Courier" charset="0"/>
-              </a:rPr>
-              <a:t>sizeof</a:t>
-            </a:r>
-            <a:r>
-              <a:rPr lang="en-US" sz="2000" b="1" dirty="0">
-                <a:latin typeface="Courier" charset="0"/>
-                <a:ea typeface="Courier" charset="0"/>
-                <a:cs typeface="Courier" charset="0"/>
-              </a:rPr>
-              <a:t>(</a:t>
-            </a:r>
-            <a:r>
-              <a:rPr lang="en-US" sz="2000" b="1" dirty="0" err="1">
-                <a:latin typeface="Courier" charset="0"/>
-                <a:ea typeface="Courier" charset="0"/>
-                <a:cs typeface="Courier" charset="0"/>
-              </a:rPr>
-              <a:t>int</a:t>
-            </a:r>
-            <a:r>
-              <a:rPr lang="en-US" sz="2000" b="1" dirty="0">
-                <a:latin typeface="Courier" charset="0"/>
-                <a:ea typeface="Courier" charset="0"/>
-                <a:cs typeface="Courier" charset="0"/>
-              </a:rPr>
-              <a:t>));</a:t>
-            </a:r>
-          </a:p>
-          <a:p>
-            <a:pPr marL="0" marR="0" lvl="0" indent="0" defTabSz="914400" eaLnBrk="1" fontAlgn="auto" latinLnBrk="0" hangingPunct="1">
-              <a:lnSpc>
-                <a:spcPct val="100000"/>
-              </a:lnSpc>
-              <a:spcBef>
-                <a:spcPts val="0"/>
-              </a:spcBef>
-              <a:spcAft>
-                <a:spcPts val="0"/>
-              </a:spcAft>
-              <a:buClrTx/>
-              <a:buSzTx/>
-              <a:buFontTx/>
-              <a:buNone/>
-              <a:tabLst/>
-              <a:defRPr/>
-            </a:pPr>
-            <a:r>
-              <a:rPr lang="en-US" sz="2000" b="1" dirty="0">
-                <a:latin typeface="Courier" charset="0"/>
-                <a:ea typeface="Courier" charset="0"/>
-                <a:cs typeface="Courier" charset="0"/>
-              </a:rPr>
-              <a:t>if(</a:t>
-            </a:r>
-            <a:r>
-              <a:rPr lang="en-US" sz="2000" b="1" dirty="0" err="1">
-                <a:latin typeface="Courier" charset="0"/>
-                <a:ea typeface="Courier" charset="0"/>
-                <a:cs typeface="Courier" charset="0"/>
-              </a:rPr>
-              <a:t>ptr</a:t>
-            </a:r>
-            <a:r>
-              <a:rPr lang="en-US" sz="2000" b="1" dirty="0">
-                <a:latin typeface="Courier" charset="0"/>
-                <a:ea typeface="Courier" charset="0"/>
-                <a:cs typeface="Courier" charset="0"/>
-              </a:rPr>
-              <a:t> == NULL){</a:t>
-            </a:r>
-          </a:p>
-          <a:p>
-            <a:pPr marL="0" marR="0" lvl="0" indent="0" defTabSz="914400" eaLnBrk="1" fontAlgn="auto" latinLnBrk="0" hangingPunct="1">
-              <a:lnSpc>
-                <a:spcPct val="100000"/>
-              </a:lnSpc>
-              <a:spcBef>
-                <a:spcPts val="0"/>
-              </a:spcBef>
-              <a:spcAft>
-                <a:spcPts val="0"/>
-              </a:spcAft>
-              <a:buClrTx/>
-              <a:buSzTx/>
-              <a:buFontTx/>
-              <a:buNone/>
-              <a:tabLst/>
-              <a:defRPr/>
-            </a:pPr>
-            <a:r>
-              <a:rPr lang="en-US" sz="2000" b="1" dirty="0">
-                <a:latin typeface="Courier" charset="0"/>
-                <a:ea typeface="Courier" charset="0"/>
-                <a:cs typeface="Courier" charset="0"/>
-              </a:rPr>
-              <a:t>	</a:t>
-            </a:r>
-            <a:r>
-              <a:rPr lang="en-US" sz="2000" b="1" dirty="0" err="1">
-                <a:latin typeface="Courier" charset="0"/>
-                <a:ea typeface="Courier" charset="0"/>
-                <a:cs typeface="Courier" charset="0"/>
-              </a:rPr>
-              <a:t>printf</a:t>
-            </a:r>
-            <a:r>
-              <a:rPr lang="en-US" sz="2000" b="1" dirty="0">
-                <a:latin typeface="Courier" charset="0"/>
-                <a:ea typeface="Courier" charset="0"/>
-                <a:cs typeface="Courier" charset="0"/>
-              </a:rPr>
-              <a:t>(“ERROR - </a:t>
-            </a:r>
-            <a:r>
-              <a:rPr lang="en-US" sz="2000" b="1" dirty="0" err="1">
-                <a:latin typeface="Courier" charset="0"/>
-                <a:ea typeface="Courier" charset="0"/>
-                <a:cs typeface="Courier" charset="0"/>
-              </a:rPr>
-              <a:t>malloc</a:t>
-            </a:r>
-            <a:r>
-              <a:rPr lang="en-US" sz="2000" b="1" dirty="0">
-                <a:latin typeface="Courier" charset="0"/>
-                <a:ea typeface="Courier" charset="0"/>
-                <a:cs typeface="Courier" charset="0"/>
-              </a:rPr>
-              <a:t> failure!”);</a:t>
-            </a:r>
-          </a:p>
-          <a:p>
-            <a:pPr marL="0" marR="0" lvl="0" indent="0" defTabSz="914400" eaLnBrk="1" fontAlgn="auto" latinLnBrk="0" hangingPunct="1">
-              <a:lnSpc>
-                <a:spcPct val="100000"/>
-              </a:lnSpc>
-              <a:spcBef>
-                <a:spcPts val="0"/>
-              </a:spcBef>
-              <a:spcAft>
-                <a:spcPts val="0"/>
-              </a:spcAft>
-              <a:buClrTx/>
-              <a:buSzTx/>
-              <a:buFontTx/>
-              <a:buNone/>
-              <a:tabLst/>
-              <a:defRPr/>
-            </a:pPr>
-            <a:r>
-              <a:rPr lang="en-US" sz="2000" b="1" dirty="0">
-                <a:latin typeface="Courier" charset="0"/>
-                <a:ea typeface="Courier" charset="0"/>
-                <a:cs typeface="Courier" charset="0"/>
-              </a:rPr>
-              <a:t>	return 1;}</a:t>
-            </a:r>
-          </a:p>
-          <a:p>
-            <a:pPr marL="0" marR="0" lvl="0" indent="0" defTabSz="914400" eaLnBrk="1" fontAlgn="auto" latinLnBrk="0" hangingPunct="1">
-              <a:lnSpc>
-                <a:spcPct val="100000"/>
-              </a:lnSpc>
-              <a:spcBef>
-                <a:spcPts val="0"/>
-              </a:spcBef>
-              <a:spcAft>
-                <a:spcPts val="0"/>
-              </a:spcAft>
-              <a:buClrTx/>
-              <a:buSzTx/>
-              <a:buFontTx/>
-              <a:buNone/>
-              <a:tabLst/>
-              <a:defRPr/>
-            </a:pPr>
-            <a:r>
-              <a:rPr lang="en-US" sz="2000" b="1" dirty="0">
-                <a:latin typeface="Courier" charset="0"/>
-                <a:ea typeface="Courier" charset="0"/>
-                <a:cs typeface="Courier" charset="0"/>
-              </a:rPr>
-              <a:t>*</a:t>
-            </a:r>
-            <a:r>
-              <a:rPr lang="en-US" sz="2000" b="1" dirty="0" err="1">
-                <a:latin typeface="Courier" charset="0"/>
-                <a:ea typeface="Courier" charset="0"/>
-                <a:cs typeface="Courier" charset="0"/>
-              </a:rPr>
-              <a:t>ptr</a:t>
-            </a:r>
-            <a:r>
-              <a:rPr lang="en-US" sz="2000" b="1" dirty="0">
-                <a:latin typeface="Courier" charset="0"/>
-                <a:ea typeface="Courier" charset="0"/>
-                <a:cs typeface="Courier" charset="0"/>
-              </a:rPr>
-              <a:t> = 10;</a:t>
-            </a:r>
-          </a:p>
-          <a:p>
-            <a:pPr marL="0" marR="0" lvl="0" indent="0" defTabSz="914400" eaLnBrk="1" fontAlgn="auto" latinLnBrk="0" hangingPunct="1">
-              <a:lnSpc>
-                <a:spcPct val="100000"/>
-              </a:lnSpc>
-              <a:spcBef>
-                <a:spcPts val="0"/>
-              </a:spcBef>
-              <a:spcAft>
-                <a:spcPts val="0"/>
-              </a:spcAft>
-              <a:buClrTx/>
-              <a:buSzTx/>
-              <a:buFontTx/>
-              <a:buNone/>
-              <a:tabLst/>
-              <a:defRPr/>
-            </a:pPr>
-            <a:endParaRPr lang="en-US" sz="2000" b="1" dirty="0">
-              <a:latin typeface="Courier" charset="0"/>
-              <a:ea typeface="Courier" charset="0"/>
-              <a:cs typeface="Courier" charset="0"/>
-            </a:endParaRPr>
-          </a:p>
-          <a:p>
-            <a:pPr marL="0" marR="0" lvl="0" indent="0" defTabSz="914400" eaLnBrk="1" fontAlgn="auto" latinLnBrk="0" hangingPunct="1">
-              <a:lnSpc>
-                <a:spcPct val="100000"/>
-              </a:lnSpc>
-              <a:spcBef>
-                <a:spcPts val="0"/>
-              </a:spcBef>
-              <a:spcAft>
-                <a:spcPts val="0"/>
-              </a:spcAft>
-              <a:buClrTx/>
-              <a:buSzTx/>
-              <a:buFontTx/>
-              <a:buNone/>
-              <a:tabLst/>
-              <a:defRPr/>
-            </a:pPr>
-            <a:r>
-              <a:rPr lang="en-US" sz="2000" b="1" dirty="0">
-                <a:latin typeface="Courier" charset="0"/>
-                <a:ea typeface="Courier" charset="0"/>
-                <a:cs typeface="Courier" charset="0"/>
-              </a:rPr>
-              <a:t>free(</a:t>
-            </a:r>
-            <a:r>
-              <a:rPr lang="en-US" sz="2000" b="1" dirty="0" err="1">
-                <a:latin typeface="Courier" charset="0"/>
-                <a:ea typeface="Courier" charset="0"/>
-                <a:cs typeface="Courier" charset="0"/>
-              </a:rPr>
-              <a:t>ptr</a:t>
-            </a:r>
-            <a:r>
-              <a:rPr lang="en-US" sz="2000" b="1" dirty="0">
-                <a:latin typeface="Courier" charset="0"/>
-                <a:ea typeface="Courier" charset="0"/>
-                <a:cs typeface="Courier" charset="0"/>
-              </a:rPr>
-              <a:t>);</a:t>
-            </a:r>
-          </a:p>
-          <a:p>
-            <a:pPr marL="0" marR="0" lvl="0" indent="0" defTabSz="914400" eaLnBrk="1" fontAlgn="auto" latinLnBrk="0" hangingPunct="1">
-              <a:lnSpc>
-                <a:spcPct val="100000"/>
-              </a:lnSpc>
-              <a:spcBef>
-                <a:spcPts val="0"/>
-              </a:spcBef>
-              <a:spcAft>
-                <a:spcPts val="0"/>
-              </a:spcAft>
-              <a:buClrTx/>
-              <a:buSzTx/>
-              <a:buFontTx/>
-              <a:buNone/>
-              <a:tabLst/>
-              <a:defRPr/>
-            </a:pPr>
-            <a:endParaRPr lang="en-US" sz="2000" b="1" dirty="0">
-              <a:latin typeface="Courier" charset="0"/>
-              <a:ea typeface="Courier" charset="0"/>
-              <a:cs typeface="Courier" charset="0"/>
-            </a:endParaRPr>
-          </a:p>
-          <a:p>
-            <a:pPr marL="0" marR="0" lvl="0" indent="0" defTabSz="914400" eaLnBrk="1" fontAlgn="auto" latinLnBrk="0" hangingPunct="1">
-              <a:lnSpc>
-                <a:spcPct val="100000"/>
-              </a:lnSpc>
-              <a:spcBef>
-                <a:spcPts val="0"/>
-              </a:spcBef>
-              <a:spcAft>
-                <a:spcPts val="0"/>
-              </a:spcAft>
-              <a:buClrTx/>
-              <a:buSzTx/>
-              <a:buFontTx/>
-              <a:buNone/>
-              <a:tabLst/>
-              <a:defRPr/>
-            </a:pPr>
-            <a:r>
-              <a:rPr lang="en-US" sz="2000" b="1" dirty="0">
-                <a:ea typeface="Courier" charset="0"/>
-                <a:cs typeface="Courier" charset="0"/>
-              </a:rPr>
-              <a:t>//How do we allocation space for an </a:t>
-            </a:r>
-            <a:r>
-              <a:rPr lang="en-US" sz="2000" b="1" dirty="0" err="1">
-                <a:ea typeface="Courier" charset="0"/>
-                <a:cs typeface="Courier" charset="0"/>
-              </a:rPr>
-              <a:t>int</a:t>
-            </a:r>
-            <a:r>
-              <a:rPr lang="en-US" sz="2000" b="1" dirty="0">
-                <a:ea typeface="Courier" charset="0"/>
-                <a:cs typeface="Courier" charset="0"/>
-              </a:rPr>
-              <a:t> array with 10 elements?</a:t>
-            </a:r>
-          </a:p>
-          <a:p>
-            <a:pPr marL="0" marR="0" lvl="0" indent="0" defTabSz="914400" eaLnBrk="1" fontAlgn="auto" latinLnBrk="0" hangingPunct="1">
-              <a:lnSpc>
-                <a:spcPct val="100000"/>
-              </a:lnSpc>
-              <a:spcBef>
-                <a:spcPts val="0"/>
-              </a:spcBef>
-              <a:spcAft>
-                <a:spcPts val="0"/>
-              </a:spcAft>
-              <a:buClrTx/>
-              <a:buSzTx/>
-              <a:buFontTx/>
-              <a:buNone/>
-              <a:tabLst/>
-              <a:defRPr/>
-            </a:pPr>
-            <a:endParaRPr lang="en-US" sz="2000" b="1" dirty="0">
-              <a:ea typeface="Courier" charset="0"/>
-              <a:cs typeface="Courier" charset="0"/>
-            </a:endParaRPr>
-          </a:p>
-          <a:p>
-            <a:pPr marL="0" marR="0" lvl="0" indent="0" defTabSz="914400" eaLnBrk="1" fontAlgn="auto" latinLnBrk="0" hangingPunct="1">
-              <a:lnSpc>
-                <a:spcPct val="100000"/>
-              </a:lnSpc>
-              <a:spcBef>
-                <a:spcPts val="0"/>
-              </a:spcBef>
-              <a:spcAft>
-                <a:spcPts val="0"/>
-              </a:spcAft>
-              <a:buClrTx/>
-              <a:buSzTx/>
-              <a:buFontTx/>
-              <a:buNone/>
-              <a:tabLst/>
-              <a:defRPr/>
-            </a:pPr>
-            <a:endParaRPr lang="en-US" sz="2000" b="1" dirty="0">
-              <a:ea typeface="Courier" charset="0"/>
-              <a:cs typeface="Courier" charset="0"/>
-            </a:endParaRPr>
-          </a:p>
-          <a:p>
-            <a:pPr marL="0" marR="0" lvl="0" indent="0" defTabSz="914400" eaLnBrk="1" fontAlgn="auto" latinLnBrk="0" hangingPunct="1">
-              <a:lnSpc>
-                <a:spcPct val="100000"/>
-              </a:lnSpc>
-              <a:spcBef>
-                <a:spcPts val="0"/>
-              </a:spcBef>
-              <a:spcAft>
-                <a:spcPts val="0"/>
-              </a:spcAft>
-              <a:buClrTx/>
-              <a:buSzTx/>
-              <a:buFontTx/>
-              <a:buNone/>
-              <a:tabLst/>
-              <a:defRPr/>
-            </a:pPr>
-            <a:endParaRPr lang="en-US" sz="2000" b="1" dirty="0">
-              <a:ea typeface="Courier" charset="0"/>
-              <a:cs typeface="Courier" charset="0"/>
-            </a:endParaRPr>
-          </a:p>
           <a:p>
             <a:pPr marL="0" indent="0" defTabSz="914400">
               <a:spcBef>
@@ -4236,9 +6256,180 @@
               <a:buNone/>
             </a:pPr>
             <a:r>
-              <a:rPr lang="en-US" sz="2000" b="1" dirty="0"/>
-              <a:t>//What is happening here?</a:t>
-            </a:r>
+              <a:rPr lang="en-US" altLang="en-US" b="1" dirty="0">
+                <a:solidFill>
+                  <a:srgbClr val="C00000"/>
+                </a:solidFill>
+                <a:latin typeface="Courier New" charset="0"/>
+              </a:rPr>
+              <a:t>void *</a:t>
+            </a:r>
+            <a:r>
+              <a:rPr lang="en-US" altLang="en-US" b="1" dirty="0" err="1">
+                <a:solidFill>
+                  <a:srgbClr val="C00000"/>
+                </a:solidFill>
+                <a:latin typeface="Courier New" charset="0"/>
+              </a:rPr>
+              <a:t>calloc</a:t>
+            </a:r>
+            <a:r>
+              <a:rPr lang="en-US" altLang="en-US" b="1" dirty="0">
+                <a:solidFill>
+                  <a:srgbClr val="C00000"/>
+                </a:solidFill>
+                <a:latin typeface="Courier New" charset="0"/>
+              </a:rPr>
+              <a:t>(</a:t>
+            </a:r>
+            <a:r>
+              <a:rPr lang="en-US" altLang="en-US" b="1" dirty="0" err="1">
+                <a:solidFill>
+                  <a:srgbClr val="C00000"/>
+                </a:solidFill>
+                <a:latin typeface="Courier New" charset="0"/>
+              </a:rPr>
+              <a:t>size_t</a:t>
+            </a:r>
+            <a:r>
+              <a:rPr lang="en-US" altLang="en-US" b="1" dirty="0">
+                <a:solidFill>
+                  <a:srgbClr val="C00000"/>
+                </a:solidFill>
+                <a:latin typeface="Courier New" charset="0"/>
+              </a:rPr>
+              <a:t> </a:t>
+            </a:r>
+            <a:r>
+              <a:rPr lang="en-US" altLang="en-US" b="1" dirty="0" err="1">
+                <a:solidFill>
+                  <a:srgbClr val="C00000"/>
+                </a:solidFill>
+                <a:latin typeface="Courier New" charset="0"/>
+              </a:rPr>
+              <a:t>n_items</a:t>
+            </a:r>
+            <a:r>
+              <a:rPr lang="en-US" altLang="en-US" b="1" dirty="0">
+                <a:solidFill>
+                  <a:srgbClr val="C00000"/>
+                </a:solidFill>
+                <a:latin typeface="Courier New" charset="0"/>
+              </a:rPr>
+              <a:t>, </a:t>
+            </a:r>
+            <a:r>
+              <a:rPr lang="en-US" altLang="en-US" b="1" dirty="0" err="1">
+                <a:solidFill>
+                  <a:srgbClr val="C00000"/>
+                </a:solidFill>
+                <a:latin typeface="Courier New" charset="0"/>
+              </a:rPr>
+              <a:t>size_t</a:t>
+            </a:r>
+            <a:r>
+              <a:rPr lang="en-US" altLang="en-US" b="1" dirty="0">
+                <a:solidFill>
+                  <a:srgbClr val="C00000"/>
+                </a:solidFill>
+                <a:latin typeface="Courier New" charset="0"/>
+              </a:rPr>
+              <a:t> </a:t>
+            </a:r>
+            <a:r>
+              <a:rPr lang="en-US" altLang="en-US" b="1" dirty="0" err="1">
+                <a:solidFill>
+                  <a:srgbClr val="C00000"/>
+                </a:solidFill>
+                <a:latin typeface="Courier New" charset="0"/>
+              </a:rPr>
+              <a:t>item_size</a:t>
+            </a:r>
+            <a:r>
+              <a:rPr lang="en-US" altLang="en-US" b="1" dirty="0">
+                <a:solidFill>
+                  <a:srgbClr val="C00000"/>
+                </a:solidFill>
+                <a:latin typeface="Courier New" charset="0"/>
+              </a:rPr>
+              <a:t>);</a:t>
+            </a:r>
+            <a:endParaRPr lang="en-US" b="1" dirty="0">
+              <a:solidFill>
+                <a:srgbClr val="C00000"/>
+              </a:solidFill>
+            </a:endParaRPr>
+          </a:p>
+          <a:p>
+            <a:pPr defTabSz="914400">
+              <a:spcBef>
+                <a:spcPts val="0"/>
+              </a:spcBef>
+            </a:pPr>
+            <a:r>
+              <a:rPr lang="en-US" dirty="0"/>
+              <a:t>similar to </a:t>
+            </a:r>
+            <a:r>
+              <a:rPr lang="en-US" dirty="0" err="1"/>
+              <a:t>malloc</a:t>
+            </a:r>
+            <a:r>
+              <a:rPr lang="en-US" dirty="0"/>
+              <a:t>(), also sets allocated memory to zero</a:t>
+            </a:r>
+          </a:p>
+          <a:p>
+            <a:pPr defTabSz="914400">
+              <a:spcBef>
+                <a:spcPts val="0"/>
+              </a:spcBef>
+            </a:pPr>
+            <a:r>
+              <a:rPr lang="en-US" dirty="0" err="1"/>
+              <a:t>n_item</a:t>
+            </a:r>
+            <a:r>
+              <a:rPr lang="en-US" dirty="0"/>
+              <a:t>: the number of items to be allocated, </a:t>
+            </a:r>
+            <a:r>
+              <a:rPr lang="en-US" dirty="0" err="1"/>
+              <a:t>item_size</a:t>
+            </a:r>
+            <a:r>
+              <a:rPr lang="en-US" dirty="0"/>
+              <a:t>: the size of each item -&gt; total size of allocated memory = </a:t>
+            </a:r>
+            <a:r>
+              <a:rPr lang="en-US" dirty="0" err="1"/>
+              <a:t>n_items</a:t>
+            </a:r>
+            <a:r>
+              <a:rPr lang="en-US" dirty="0"/>
+              <a:t> * </a:t>
+            </a:r>
+            <a:r>
+              <a:rPr lang="en-US" dirty="0" err="1"/>
+              <a:t>item_size</a:t>
+            </a:r>
+            <a:endParaRPr lang="en-US" dirty="0"/>
+          </a:p>
+          <a:p>
+            <a:pPr defTabSz="914400">
+              <a:spcBef>
+                <a:spcPts val="0"/>
+              </a:spcBef>
+            </a:pPr>
+            <a:endParaRPr lang="en-US" dirty="0"/>
+          </a:p>
+          <a:p>
+            <a:pPr defTabSz="914400">
+              <a:spcBef>
+                <a:spcPts val="0"/>
+              </a:spcBef>
+            </a:pPr>
+            <a:endParaRPr lang="en-US" dirty="0"/>
           </a:p>
           <a:p>
             <a:pPr marL="0" indent="0" defTabSz="914400">
@@ -4248,261 +6439,208 @@
               <a:buNone/>
             </a:pPr>
             <a:r>
-              <a:rPr lang="en-US" sz="2000" b="1" dirty="0" err="1">
-                <a:latin typeface="Courier" charset="0"/>
-                <a:ea typeface="Courier" charset="0"/>
-                <a:cs typeface="Courier" charset="0"/>
+              <a:rPr lang="en-US" altLang="en-US" b="1" dirty="0">
+                <a:solidFill>
+                  <a:srgbClr val="C00000"/>
+                </a:solidFill>
+                <a:latin typeface="Courier New" charset="0"/>
               </a:rPr>
-              <a:t>int</a:t>
-            </a:r>
-            <a:r>
-              <a:rPr lang="en-US" sz="2000" b="1" dirty="0">
-                <a:latin typeface="Courier" charset="0"/>
-                <a:ea typeface="Courier" charset="0"/>
-                <a:cs typeface="Courier" charset="0"/>
+              <a:t>void *</a:t>
+            </a:r>
+            <a:r>
+              <a:rPr lang="en-US" altLang="en-US" b="1" dirty="0" err="1">
+                <a:solidFill>
+                  <a:srgbClr val="C00000"/>
+                </a:solidFill>
+                <a:latin typeface="Courier New" charset="0"/>
               </a:rPr>
-              <a:t> *</a:t>
-            </a:r>
-            <a:r>
-              <a:rPr lang="en-US" sz="2000" b="1" dirty="0" err="1">
-                <a:latin typeface="Courier" charset="0"/>
-                <a:ea typeface="Courier" charset="0"/>
-                <a:cs typeface="Courier" charset="0"/>
+              <a:t>realloc</a:t>
+            </a:r>
+            <a:r>
+              <a:rPr lang="en-US" altLang="en-US" b="1" dirty="0">
+                <a:solidFill>
+                  <a:srgbClr val="C00000"/>
+                </a:solidFill>
+                <a:latin typeface="Courier New" charset="0"/>
+              </a:rPr>
+              <a:t>(void *</a:t>
+            </a:r>
+            <a:r>
+              <a:rPr lang="en-US" altLang="en-US" b="1" dirty="0" err="1">
+                <a:solidFill>
+                  <a:srgbClr val="C00000"/>
+                </a:solidFill>
+                <a:latin typeface="Courier New" charset="0"/>
               </a:rPr>
               <a:t>ptr</a:t>
             </a:r>
             <a:r>
-              <a:rPr lang="en-US" sz="2000" b="1" dirty="0">
-                <a:latin typeface="Courier" charset="0"/>
-                <a:ea typeface="Courier" charset="0"/>
-                <a:cs typeface="Courier" charset="0"/>
+              <a:rPr lang="en-US" altLang="en-US" b="1" dirty="0">
+                <a:solidFill>
+                  <a:srgbClr val="C00000"/>
+                </a:solidFill>
+                <a:latin typeface="Courier New" charset="0"/>
               </a:rPr>
-              <a:t> = (</a:t>
-            </a:r>
-            <a:r>
-              <a:rPr lang="en-US" sz="2000" b="1" dirty="0" err="1">
-                <a:latin typeface="Courier" charset="0"/>
-                <a:ea typeface="Courier" charset="0"/>
-                <a:cs typeface="Courier" charset="0"/>
+              <a:t>, </a:t>
+            </a:r>
+            <a:r>
+              <a:rPr lang="en-US" altLang="en-US" b="1" dirty="0" err="1">
+                <a:solidFill>
+                  <a:srgbClr val="C00000"/>
+                </a:solidFill>
+                <a:latin typeface="Courier New" charset="0"/>
               </a:rPr>
-              <a:t>int</a:t>
-            </a:r>
-            <a:r>
-              <a:rPr lang="en-US" sz="2000" b="1" dirty="0">
-                <a:latin typeface="Courier" charset="0"/>
-                <a:ea typeface="Courier" charset="0"/>
-                <a:cs typeface="Courier" charset="0"/>
+              <a:t>size_t</a:t>
+            </a:r>
+            <a:r>
+              <a:rPr lang="en-US" altLang="en-US" b="1" dirty="0">
+                <a:solidFill>
+                  <a:srgbClr val="C00000"/>
+                </a:solidFill>
+                <a:latin typeface="Courier New" charset="0"/>
               </a:rPr>
-              <a:t> *)</a:t>
-            </a:r>
-            <a:r>
-              <a:rPr lang="en-US" sz="2000" b="1" dirty="0" err="1">
-                <a:latin typeface="Courier" charset="0"/>
-                <a:ea typeface="Courier" charset="0"/>
-                <a:cs typeface="Courier" charset="0"/>
-              </a:rPr>
-              <a:t>malloc</a:t>
-            </a:r>
-            <a:r>
-              <a:rPr lang="en-US" sz="2000" b="1" dirty="0">
-                <a:latin typeface="Courier" charset="0"/>
-                <a:ea typeface="Courier" charset="0"/>
-                <a:cs typeface="Courier" charset="0"/>
-              </a:rPr>
-              <a:t>(</a:t>
-            </a:r>
-            <a:r>
-              <a:rPr lang="en-US" sz="2000" b="1" dirty="0" err="1">
-                <a:latin typeface="Courier" charset="0"/>
-                <a:ea typeface="Courier" charset="0"/>
-                <a:cs typeface="Courier" charset="0"/>
-              </a:rPr>
-              <a:t>sizeof</a:t>
-            </a:r>
-            <a:r>
-              <a:rPr lang="en-US" sz="2000" b="1" dirty="0">
-                <a:latin typeface="Courier" charset="0"/>
-                <a:ea typeface="Courier" charset="0"/>
-                <a:cs typeface="Courier" charset="0"/>
-              </a:rPr>
-              <a:t>(</a:t>
-            </a:r>
-            <a:r>
-              <a:rPr lang="en-US" sz="2000" b="1" dirty="0" err="1">
-                <a:latin typeface="Courier" charset="0"/>
-                <a:ea typeface="Courier" charset="0"/>
-                <a:cs typeface="Courier" charset="0"/>
-              </a:rPr>
-              <a:t>int</a:t>
-            </a:r>
-            <a:r>
-              <a:rPr lang="en-US" sz="2000" b="1" dirty="0">
-                <a:latin typeface="Courier" charset="0"/>
-                <a:ea typeface="Courier" charset="0"/>
-                <a:cs typeface="Courier" charset="0"/>
-              </a:rPr>
-              <a:t>));</a:t>
-            </a:r>
-          </a:p>
-          <a:p>
-            <a:pPr marL="0" indent="0" defTabSz="914400">
+              <a:t> size);</a:t>
+            </a:r>
+            <a:endParaRPr lang="en-US" b="1" dirty="0">
+              <a:solidFill>
+                <a:srgbClr val="C00000"/>
+              </a:solidFill>
+            </a:endParaRPr>
+          </a:p>
+          <a:p>
+            <a:pPr defTabSz="914400">
               <a:spcBef>
                 <a:spcPts val="0"/>
               </a:spcBef>
-              <a:buNone/>
             </a:pPr>
             <a:r>
-              <a:rPr lang="en-US" sz="2000" b="1" dirty="0">
-                <a:latin typeface="Courier" charset="0"/>
-                <a:ea typeface="Courier" charset="0"/>
-                <a:cs typeface="Courier" charset="0"/>
-              </a:rPr>
-              <a:t>*</a:t>
-            </a:r>
-            <a:r>
-              <a:rPr lang="en-US" sz="2000" b="1" dirty="0" err="1">
-                <a:latin typeface="Courier" charset="0"/>
-                <a:ea typeface="Courier" charset="0"/>
-                <a:cs typeface="Courier" charset="0"/>
-              </a:rPr>
+              <a:rPr lang="en-US" dirty="0"/>
+              <a:t>reallocate memory block to a different size (change the size of memory block pointed to by </a:t>
+            </a:r>
+            <a:r>
+              <a:rPr lang="en-US" dirty="0" err="1"/>
               <a:t>ptr</a:t>
             </a:r>
             <a:r>
-              <a:rPr lang="en-US" sz="2000" b="1" dirty="0">
-                <a:latin typeface="Courier" charset="0"/>
-                <a:ea typeface="Courier" charset="0"/>
-                <a:cs typeface="Courier" charset="0"/>
-              </a:rPr>
-              <a:t> = 5;</a:t>
-            </a:r>
-          </a:p>
-          <a:p>
-            <a:pPr marL="0" indent="0" defTabSz="914400">
+              <a:rPr lang="en-US" dirty="0"/>
+              <a:t>)</a:t>
+            </a:r>
+          </a:p>
+          <a:p>
+            <a:pPr defTabSz="914400">
               <a:spcBef>
                 <a:spcPts val="0"/>
               </a:spcBef>
-              <a:buNone/>
             </a:pPr>
             <a:r>
-              <a:rPr lang="en-US" sz="2000" b="1" dirty="0" err="1">
-                <a:latin typeface="Courier" charset="0"/>
-                <a:ea typeface="Courier" charset="0"/>
-                <a:cs typeface="Courier" charset="0"/>
-              </a:rPr>
-              <a:t>int</a:t>
-            </a:r>
-            <a:r>
-              <a:rPr lang="en-US" sz="2000" b="1" dirty="0">
-                <a:latin typeface="Courier" charset="0"/>
-                <a:ea typeface="Courier" charset="0"/>
-                <a:cs typeface="Courier" charset="0"/>
-              </a:rPr>
-              <a:t> *ptr_2 = (</a:t>
-            </a:r>
-            <a:r>
-              <a:rPr lang="en-US" sz="2000" b="1" dirty="0" err="1">
-                <a:latin typeface="Courier" charset="0"/>
-                <a:ea typeface="Courier" charset="0"/>
-                <a:cs typeface="Courier" charset="0"/>
-              </a:rPr>
-              <a:t>int</a:t>
-            </a:r>
-            <a:r>
-              <a:rPr lang="en-US" sz="2000" b="1" dirty="0">
-                <a:latin typeface="Courier" charset="0"/>
-                <a:ea typeface="Courier" charset="0"/>
-                <a:cs typeface="Courier" charset="0"/>
-              </a:rPr>
-              <a:t> *)</a:t>
-            </a:r>
-            <a:r>
-              <a:rPr lang="en-US" sz="2000" b="1" dirty="0" err="1">
-                <a:latin typeface="Courier" charset="0"/>
-                <a:ea typeface="Courier" charset="0"/>
-                <a:cs typeface="Courier" charset="0"/>
-              </a:rPr>
-              <a:t>malloc</a:t>
-            </a:r>
-            <a:r>
-              <a:rPr lang="en-US" sz="2000" b="1" dirty="0">
-                <a:latin typeface="Courier" charset="0"/>
-                <a:ea typeface="Courier" charset="0"/>
-                <a:cs typeface="Courier" charset="0"/>
-              </a:rPr>
-              <a:t>(</a:t>
-            </a:r>
-            <a:r>
-              <a:rPr lang="en-US" sz="2000" b="1" dirty="0" err="1">
-                <a:latin typeface="Courier" charset="0"/>
-                <a:ea typeface="Courier" charset="0"/>
-                <a:cs typeface="Courier" charset="0"/>
-              </a:rPr>
-              <a:t>sizeof</a:t>
-            </a:r>
-            <a:r>
-              <a:rPr lang="en-US" sz="2000" b="1" dirty="0">
-                <a:latin typeface="Courier" charset="0"/>
-                <a:ea typeface="Courier" charset="0"/>
-                <a:cs typeface="Courier" charset="0"/>
-              </a:rPr>
-              <a:t>(</a:t>
-            </a:r>
-            <a:r>
-              <a:rPr lang="en-US" sz="2000" b="1" dirty="0" err="1">
-                <a:latin typeface="Courier" charset="0"/>
-                <a:ea typeface="Courier" charset="0"/>
-                <a:cs typeface="Courier" charset="0"/>
-              </a:rPr>
-              <a:t>int</a:t>
-            </a:r>
-            <a:r>
-              <a:rPr lang="en-US" sz="2000" b="1" dirty="0">
-                <a:latin typeface="Courier" charset="0"/>
-                <a:ea typeface="Courier" charset="0"/>
-                <a:cs typeface="Courier" charset="0"/>
-              </a:rPr>
-              <a:t>));</a:t>
-            </a:r>
-          </a:p>
-          <a:p>
-            <a:pPr marL="0" indent="0" defTabSz="914400">
+              <a:rPr lang="en-US" dirty="0"/>
+              <a:t>returns a pointer to the newly allocated memory block (it may be changed)</a:t>
+            </a:r>
+          </a:p>
+          <a:p>
+            <a:pPr defTabSz="914400">
               <a:spcBef>
                 <a:spcPts val="0"/>
               </a:spcBef>
-              <a:buNone/>
             </a:pPr>
             <a:r>
-              <a:rPr lang="en-US" sz="2000" b="1" dirty="0">
-                <a:latin typeface="Courier" charset="0"/>
-                <a:ea typeface="Courier" charset="0"/>
-                <a:cs typeface="Courier" charset="0"/>
-              </a:rPr>
-              <a:t>*ptr_2 = 6;</a:t>
-            </a:r>
-          </a:p>
-          <a:p>
-            <a:pPr marL="0" indent="0" defTabSz="914400">
+              <a:rPr lang="en-US" dirty="0"/>
+              <a:t>Unless </a:t>
+            </a:r>
+            <a:r>
+              <a:rPr lang="en-US" dirty="0" err="1"/>
+              <a:t>ptr</a:t>
+            </a:r>
+            <a:r>
+              <a:rPr lang="en-US" dirty="0"/>
+              <a:t> == NULL, it must be returned by the </a:t>
+            </a:r>
+            <a:r>
+              <a:rPr lang="en-US" dirty="0" err="1"/>
+              <a:t>malloc</a:t>
+            </a:r>
+            <a:r>
+              <a:rPr lang="en-US" dirty="0"/>
+              <a:t>() family of functions</a:t>
+            </a:r>
+          </a:p>
+          <a:p>
+            <a:pPr defTabSz="914400">
               <a:spcBef>
                 <a:spcPts val="0"/>
               </a:spcBef>
-              <a:buNone/>
             </a:pPr>
             <a:r>
-              <a:rPr lang="en-US" sz="2000" b="1" dirty="0" err="1">
-                <a:latin typeface="Courier" charset="0"/>
-                <a:ea typeface="Courier" charset="0"/>
-                <a:cs typeface="Courier" charset="0"/>
-              </a:rPr>
+              <a:rPr lang="en-US" dirty="0"/>
+              <a:t>if </a:t>
+            </a:r>
+            <a:r>
+              <a:rPr lang="en-US" dirty="0" err="1"/>
               <a:t>ptr</a:t>
             </a:r>
             <a:r>
-              <a:rPr lang="en-US" sz="2000" b="1" dirty="0">
-                <a:latin typeface="Courier" charset="0"/>
-                <a:ea typeface="Courier" charset="0"/>
-                <a:cs typeface="Courier" charset="0"/>
-              </a:rPr>
-              <a:t> = ptr_2;</a:t>
-            </a:r>
+              <a:rPr lang="en-US" dirty="0"/>
+              <a:t> ==  NULL -&gt; same as </a:t>
+            </a:r>
+            <a:r>
+              <a:rPr lang="en-US" dirty="0" err="1"/>
+              <a:t>malloc</a:t>
+            </a:r>
+            <a:r>
+              <a:rPr lang="en-US" dirty="0"/>
+              <a:t>()</a:t>
+            </a:r>
+          </a:p>
+          <a:p>
+            <a:pPr defTabSz="914400">
+              <a:spcBef>
+                <a:spcPts val="0"/>
+              </a:spcBef>
+            </a:pPr>
+            <a:r>
+              <a:rPr lang="en-US" dirty="0"/>
+              <a:t>if size = 0, </a:t>
+            </a:r>
+            <a:r>
+              <a:rPr lang="en-US" dirty="0" err="1"/>
+              <a:t>ptr</a:t>
+            </a:r>
+            <a:r>
+              <a:rPr lang="en-US" dirty="0"/>
+              <a:t> != NULL -&gt; same as free()</a:t>
+            </a:r>
+          </a:p>
+          <a:p>
+            <a:pPr defTabSz="914400">
+              <a:spcBef>
+                <a:spcPts val="0"/>
+              </a:spcBef>
+            </a:pPr>
+            <a:endParaRPr lang="en-US" dirty="0"/>
+          </a:p>
+          <a:p>
+            <a:pPr defTabSz="914400">
+              <a:spcBef>
+                <a:spcPts val="0"/>
+              </a:spcBef>
+            </a:pPr>
+            <a:endParaRPr lang="en-US" dirty="0"/>
+          </a:p>
+          <a:p>
+            <a:pPr defTabSz="914400">
+              <a:spcBef>
+                <a:spcPts val="0"/>
+              </a:spcBef>
+            </a:pPr>
+            <a:endParaRPr lang="en-US" dirty="0"/>
+          </a:p>
+          <a:p>
+            <a:pPr defTabSz="914400">
+              <a:spcBef>
+                <a:spcPts val="0"/>
+              </a:spcBef>
+            </a:pPr>
+            <a:endParaRPr lang="en-US" dirty="0"/>
           </a:p>
         </p:txBody>
       </p:sp>
@@ -4530,506 +6668,6 @@
           <a:p>
             <a:r>
               <a:rPr lang="en-US" dirty="0"/>
-              <a:t>4</a:t>
-            </a:r>
-          </a:p>
-        </p:txBody>
-      </p:sp>
-    </p:spTree>
-    <p:extLst>
-      <p:ext uri="{BB962C8B-B14F-4D97-AF65-F5344CB8AC3E}">
-        <p14:creationId xmlns:p14="http://schemas.microsoft.com/office/powerpoint/2010/main" val="454103936"/>
-      </p:ext>
-    </p:extLst>
-  </p:cSld>
-  <p:clrMapOvr>
-    <a:masterClrMapping/>
-  </p:clrMapOvr>
-</p:sld>
-</file>
-
-<file path=ppt/slides/slide5.xml><?xml version="1.0" encoding="utf-8"?>
-<p:sld xmlns:a="http://schemas.openxmlformats.org/drawingml/2006/main" xmlns:r="http://schemas.openxmlformats.org/officeDocument/2006/relationships" xmlns:p="http://schemas.openxmlformats.org/presentationml/2006/main">
-  <p:cSld>
-    <p:spTree>
-      <p:nvGrpSpPr>
-        <p:cNvPr id="1" name=""/>
-        <p:cNvGrpSpPr/>
-        <p:nvPr/>
-      </p:nvGrpSpPr>
-      <p:grpSpPr>
-        <a:xfrm>
-          <a:off x="0" y="0"/>
-          <a:ext cx="0" cy="0"/>
-          <a:chOff x="0" y="0"/>
-          <a:chExt cx="0" cy="0"/>
-        </a:xfrm>
-      </p:grpSpPr>
-      <p:sp>
-        <p:nvSpPr>
-          <p:cNvPr id="2" name="Text Placeholder 1"/>
-          <p:cNvSpPr>
-            <a:spLocks noGrp="1"/>
-          </p:cNvSpPr>
-          <p:nvPr>
-            <p:ph type="body" sz="quarter" idx="10"/>
-          </p:nvPr>
-        </p:nvSpPr>
-        <p:spPr/>
-        <p:txBody>
-          <a:bodyPr/>
-          <a:lstStyle/>
-          <a:p>
-            <a:r>
-              <a:rPr lang="en-US" dirty="0" err="1"/>
-              <a:t>calloc</a:t>
-            </a:r>
-            <a:r>
-              <a:rPr lang="en-US" dirty="0"/>
-              <a:t> &amp; </a:t>
-            </a:r>
-            <a:r>
-              <a:rPr lang="en-US" dirty="0" err="1"/>
-              <a:t>realloc</a:t>
-            </a:r>
-            <a:endParaRPr lang="en-US" dirty="0"/>
-          </a:p>
-        </p:txBody>
-      </p:sp>
-      <p:sp>
-        <p:nvSpPr>
-          <p:cNvPr id="3" name="Text Placeholder 2"/>
-          <p:cNvSpPr>
-            <a:spLocks noGrp="1"/>
-          </p:cNvSpPr>
-          <p:nvPr>
-            <p:ph type="body" sz="quarter" idx="12"/>
-          </p:nvPr>
-        </p:nvSpPr>
-        <p:spPr/>
-        <p:txBody>
-          <a:bodyPr/>
-          <a:lstStyle/>
-          <a:p>
-            <a:pPr marL="0" indent="0" defTabSz="914400">
-              <a:spcBef>
-                <a:spcPts val="0"/>
-              </a:spcBef>
-              <a:buNone/>
-            </a:pPr>
-            <a:r>
-              <a:rPr lang="en-US" altLang="en-US" b="1" dirty="0">
-                <a:solidFill>
-                  <a:srgbClr val="C00000"/>
-                </a:solidFill>
-                <a:latin typeface="Courier New" charset="0"/>
-              </a:rPr>
-              <a:t>void *</a:t>
-            </a:r>
-            <a:r>
-              <a:rPr lang="en-US" altLang="en-US" b="1" dirty="0" err="1">
-                <a:solidFill>
-                  <a:srgbClr val="C00000"/>
-                </a:solidFill>
-                <a:latin typeface="Courier New" charset="0"/>
-              </a:rPr>
-              <a:t>calloc</a:t>
-            </a:r>
-            <a:r>
-              <a:rPr lang="en-US" altLang="en-US" b="1" dirty="0">
-                <a:solidFill>
-                  <a:srgbClr val="C00000"/>
-                </a:solidFill>
-                <a:latin typeface="Courier New" charset="0"/>
-              </a:rPr>
-              <a:t>(</a:t>
-            </a:r>
-            <a:r>
-              <a:rPr lang="en-US" altLang="en-US" b="1" dirty="0" err="1">
-                <a:solidFill>
-                  <a:srgbClr val="C00000"/>
-                </a:solidFill>
-                <a:latin typeface="Courier New" charset="0"/>
-              </a:rPr>
-              <a:t>size_t</a:t>
-            </a:r>
-            <a:r>
-              <a:rPr lang="en-US" altLang="en-US" b="1" dirty="0">
-                <a:solidFill>
-                  <a:srgbClr val="C00000"/>
-                </a:solidFill>
-                <a:latin typeface="Courier New" charset="0"/>
-              </a:rPr>
-              <a:t> </a:t>
-            </a:r>
-            <a:r>
-              <a:rPr lang="en-US" altLang="en-US" b="1" dirty="0" err="1">
-                <a:solidFill>
-                  <a:srgbClr val="C00000"/>
-                </a:solidFill>
-                <a:latin typeface="Courier New" charset="0"/>
-              </a:rPr>
-              <a:t>n_items</a:t>
-            </a:r>
-            <a:r>
-              <a:rPr lang="en-US" altLang="en-US" b="1" dirty="0">
-                <a:solidFill>
-                  <a:srgbClr val="C00000"/>
-                </a:solidFill>
-                <a:latin typeface="Courier New" charset="0"/>
-              </a:rPr>
-              <a:t>, </a:t>
-            </a:r>
-            <a:r>
-              <a:rPr lang="en-US" altLang="en-US" b="1" dirty="0" err="1">
-                <a:solidFill>
-                  <a:srgbClr val="C00000"/>
-                </a:solidFill>
-                <a:latin typeface="Courier New" charset="0"/>
-              </a:rPr>
-              <a:t>size_t</a:t>
-            </a:r>
-            <a:r>
-              <a:rPr lang="en-US" altLang="en-US" b="1" dirty="0">
-                <a:solidFill>
-                  <a:srgbClr val="C00000"/>
-                </a:solidFill>
-                <a:latin typeface="Courier New" charset="0"/>
-              </a:rPr>
-              <a:t> </a:t>
-            </a:r>
-            <a:r>
-              <a:rPr lang="en-US" altLang="en-US" b="1" dirty="0" err="1">
-                <a:solidFill>
-                  <a:srgbClr val="C00000"/>
-                </a:solidFill>
-                <a:latin typeface="Courier New" charset="0"/>
-              </a:rPr>
-              <a:t>item_size</a:t>
-            </a:r>
-            <a:r>
-              <a:rPr lang="en-US" altLang="en-US" b="1" dirty="0">
-                <a:solidFill>
-                  <a:srgbClr val="C00000"/>
-                </a:solidFill>
-                <a:latin typeface="Courier New" charset="0"/>
-              </a:rPr>
-              <a:t>);</a:t>
-            </a:r>
-            <a:endParaRPr lang="en-US" b="1" dirty="0">
-              <a:solidFill>
-                <a:srgbClr val="C00000"/>
-              </a:solidFill>
-            </a:endParaRPr>
-          </a:p>
-          <a:p>
-            <a:pPr defTabSz="914400">
-              <a:spcBef>
-                <a:spcPts val="0"/>
-              </a:spcBef>
-            </a:pPr>
-            <a:r>
-              <a:rPr lang="en-US" dirty="0"/>
-              <a:t>similar to </a:t>
-            </a:r>
-            <a:r>
-              <a:rPr lang="en-US" dirty="0" err="1"/>
-              <a:t>malloc</a:t>
-            </a:r>
-            <a:r>
-              <a:rPr lang="en-US" dirty="0"/>
-              <a:t>(), also sets allocated memory to zero</a:t>
-            </a:r>
-          </a:p>
-          <a:p>
-            <a:pPr defTabSz="914400">
-              <a:spcBef>
-                <a:spcPts val="0"/>
-              </a:spcBef>
-            </a:pPr>
-            <a:r>
-              <a:rPr lang="en-US" dirty="0" err="1"/>
-              <a:t>n_item</a:t>
-            </a:r>
-            <a:r>
-              <a:rPr lang="en-US" dirty="0"/>
-              <a:t>: the number of items to be allocated, </a:t>
-            </a:r>
-            <a:r>
-              <a:rPr lang="en-US" dirty="0" err="1"/>
-              <a:t>item_size</a:t>
-            </a:r>
-            <a:r>
-              <a:rPr lang="en-US" dirty="0"/>
-              <a:t>: the size of each item -&gt; total size of allocated memory = </a:t>
-            </a:r>
-            <a:r>
-              <a:rPr lang="en-US" dirty="0" err="1"/>
-              <a:t>n_items</a:t>
-            </a:r>
-            <a:r>
-              <a:rPr lang="en-US" dirty="0"/>
-              <a:t> * </a:t>
-            </a:r>
-            <a:r>
-              <a:rPr lang="en-US" dirty="0" err="1"/>
-              <a:t>item_size</a:t>
-            </a:r>
-            <a:endParaRPr lang="en-US" dirty="0"/>
-          </a:p>
-          <a:p>
-            <a:pPr defTabSz="914400">
-              <a:spcBef>
-                <a:spcPts val="0"/>
-              </a:spcBef>
-            </a:pPr>
-            <a:endParaRPr lang="en-US" dirty="0"/>
-          </a:p>
-          <a:p>
-            <a:pPr defTabSz="914400">
-              <a:spcBef>
-                <a:spcPts val="0"/>
-              </a:spcBef>
-            </a:pPr>
-            <a:endParaRPr lang="en-US" dirty="0"/>
-          </a:p>
-          <a:p>
-            <a:pPr marL="0" indent="0" defTabSz="914400">
-              <a:spcBef>
-                <a:spcPts val="0"/>
-              </a:spcBef>
-              <a:buNone/>
-            </a:pPr>
-            <a:r>
-              <a:rPr lang="en-US" altLang="en-US" b="1" dirty="0">
-                <a:solidFill>
-                  <a:srgbClr val="C00000"/>
-                </a:solidFill>
-                <a:latin typeface="Courier New" charset="0"/>
-              </a:rPr>
-              <a:t>void *</a:t>
-            </a:r>
-            <a:r>
-              <a:rPr lang="en-US" altLang="en-US" b="1" dirty="0" err="1">
-                <a:solidFill>
-                  <a:srgbClr val="C00000"/>
-                </a:solidFill>
-                <a:latin typeface="Courier New" charset="0"/>
-              </a:rPr>
-              <a:t>realloc</a:t>
-            </a:r>
-            <a:r>
-              <a:rPr lang="en-US" altLang="en-US" b="1" dirty="0">
-                <a:solidFill>
-                  <a:srgbClr val="C00000"/>
-                </a:solidFill>
-                <a:latin typeface="Courier New" charset="0"/>
-              </a:rPr>
-              <a:t>(void *</a:t>
-            </a:r>
-            <a:r>
-              <a:rPr lang="en-US" altLang="en-US" b="1" dirty="0" err="1">
-                <a:solidFill>
-                  <a:srgbClr val="C00000"/>
-                </a:solidFill>
-                <a:latin typeface="Courier New" charset="0"/>
-              </a:rPr>
-              <a:t>ptr</a:t>
-            </a:r>
-            <a:r>
-              <a:rPr lang="en-US" altLang="en-US" b="1" dirty="0">
-                <a:solidFill>
-                  <a:srgbClr val="C00000"/>
-                </a:solidFill>
-                <a:latin typeface="Courier New" charset="0"/>
-              </a:rPr>
-              <a:t>, </a:t>
-            </a:r>
-            <a:r>
-              <a:rPr lang="en-US" altLang="en-US" b="1" dirty="0" err="1">
-                <a:solidFill>
-                  <a:srgbClr val="C00000"/>
-                </a:solidFill>
-                <a:latin typeface="Courier New" charset="0"/>
-              </a:rPr>
-              <a:t>size_t</a:t>
-            </a:r>
-            <a:r>
-              <a:rPr lang="en-US" altLang="en-US" b="1" dirty="0">
-                <a:solidFill>
-                  <a:srgbClr val="C00000"/>
-                </a:solidFill>
-                <a:latin typeface="Courier New" charset="0"/>
-              </a:rPr>
-              <a:t> size);</a:t>
-            </a:r>
-            <a:endParaRPr lang="en-US" b="1" dirty="0">
-              <a:solidFill>
-                <a:srgbClr val="C00000"/>
-              </a:solidFill>
-            </a:endParaRPr>
-          </a:p>
-          <a:p>
-            <a:pPr defTabSz="914400">
-              <a:spcBef>
-                <a:spcPts val="0"/>
-              </a:spcBef>
-            </a:pPr>
-            <a:r>
-              <a:rPr lang="en-US" dirty="0"/>
-              <a:t>reallocate memory block to a different size (change the size of memory block pointed to by </a:t>
-            </a:r>
-            <a:r>
-              <a:rPr lang="en-US" dirty="0" err="1"/>
-              <a:t>ptr</a:t>
-            </a:r>
-            <a:r>
-              <a:rPr lang="en-US" dirty="0"/>
-              <a:t>)</a:t>
-            </a:r>
-          </a:p>
-          <a:p>
-            <a:pPr defTabSz="914400">
-              <a:spcBef>
-                <a:spcPts val="0"/>
-              </a:spcBef>
-            </a:pPr>
-            <a:r>
-              <a:rPr lang="en-US" dirty="0"/>
-              <a:t>returns a pointer to the newly allocated memory block (it may be changed)</a:t>
-            </a:r>
-          </a:p>
-          <a:p>
-            <a:pPr defTabSz="914400">
-              <a:spcBef>
-                <a:spcPts val="0"/>
-              </a:spcBef>
-            </a:pPr>
-            <a:r>
-              <a:rPr lang="en-US" dirty="0"/>
-              <a:t>Unless </a:t>
-            </a:r>
-            <a:r>
-              <a:rPr lang="en-US" dirty="0" err="1"/>
-              <a:t>ptr</a:t>
-            </a:r>
-            <a:r>
-              <a:rPr lang="en-US" dirty="0"/>
-              <a:t> == NULL, it must be returned by the </a:t>
-            </a:r>
-            <a:r>
-              <a:rPr lang="en-US" dirty="0" err="1"/>
-              <a:t>malloc</a:t>
-            </a:r>
-            <a:r>
-              <a:rPr lang="en-US" dirty="0"/>
-              <a:t>() family of functions</a:t>
-            </a:r>
-          </a:p>
-          <a:p>
-            <a:pPr defTabSz="914400">
-              <a:spcBef>
-                <a:spcPts val="0"/>
-              </a:spcBef>
-            </a:pPr>
-            <a:r>
-              <a:rPr lang="en-US" dirty="0"/>
-              <a:t>if </a:t>
-            </a:r>
-            <a:r>
-              <a:rPr lang="en-US" dirty="0" err="1"/>
-              <a:t>ptr</a:t>
-            </a:r>
-            <a:r>
-              <a:rPr lang="en-US" dirty="0"/>
-              <a:t> ==  NULL -&gt; same as </a:t>
-            </a:r>
-            <a:r>
-              <a:rPr lang="en-US" dirty="0" err="1"/>
-              <a:t>malloc</a:t>
-            </a:r>
-            <a:r>
-              <a:rPr lang="en-US" dirty="0"/>
-              <a:t>()</a:t>
-            </a:r>
-          </a:p>
-          <a:p>
-            <a:pPr defTabSz="914400">
-              <a:spcBef>
-                <a:spcPts val="0"/>
-              </a:spcBef>
-            </a:pPr>
-            <a:r>
-              <a:rPr lang="en-US" dirty="0"/>
-              <a:t>if size = 0, </a:t>
-            </a:r>
-            <a:r>
-              <a:rPr lang="en-US" dirty="0" err="1"/>
-              <a:t>ptr</a:t>
-            </a:r>
-            <a:r>
-              <a:rPr lang="en-US" dirty="0"/>
-              <a:t> != NULL -&gt; same as free()</a:t>
-            </a:r>
-          </a:p>
-          <a:p>
-            <a:pPr defTabSz="914400">
-              <a:spcBef>
-                <a:spcPts val="0"/>
-              </a:spcBef>
-            </a:pPr>
-            <a:endParaRPr lang="en-US" dirty="0"/>
-          </a:p>
-          <a:p>
-            <a:pPr defTabSz="914400">
-              <a:spcBef>
-                <a:spcPts val="0"/>
-              </a:spcBef>
-            </a:pPr>
-            <a:endParaRPr lang="en-US" dirty="0"/>
-          </a:p>
-          <a:p>
-            <a:pPr defTabSz="914400">
-              <a:spcBef>
-                <a:spcPts val="0"/>
-              </a:spcBef>
-            </a:pPr>
-            <a:endParaRPr lang="en-US" dirty="0"/>
-          </a:p>
-          <a:p>
-            <a:pPr defTabSz="914400">
-              <a:spcBef>
-                <a:spcPts val="0"/>
-              </a:spcBef>
-            </a:pPr>
-            <a:endParaRPr lang="en-US" dirty="0"/>
-          </a:p>
-        </p:txBody>
-      </p:sp>
-      <p:sp>
-        <p:nvSpPr>
-          <p:cNvPr id="4" name="TextBox 3"/>
-          <p:cNvSpPr txBox="1"/>
-          <p:nvPr/>
-        </p:nvSpPr>
-        <p:spPr>
-          <a:xfrm>
-            <a:off x="9647865" y="6614044"/>
-            <a:ext cx="314510" cy="400110"/>
-          </a:xfrm>
-          <a:prstGeom prst="rect">
-            <a:avLst/>
-          </a:prstGeom>
-          <a:noFill/>
-        </p:spPr>
-        <p:txBody>
-          <a:bodyPr wrap="none" rtlCol="0">
-            <a:spAutoFit/>
-          </a:bodyPr>
-          <a:lstStyle/>
-          <a:p>
-            <a:r>
-              <a:rPr lang="en-US" dirty="0"/>
               <a:t>5</a:t>
             </a:r>
           </a:p>
@@ -5039,1252 +6677,6 @@
     <p:extLst>
       <p:ext uri="{BB962C8B-B14F-4D97-AF65-F5344CB8AC3E}">
         <p14:creationId xmlns:p14="http://schemas.microsoft.com/office/powerpoint/2010/main" val="749960314"/>
-      </p:ext>
-    </p:extLst>
-  </p:cSld>
-  <p:clrMapOvr>
-    <a:masterClrMapping/>
-  </p:clrMapOvr>
-</p:sld>
-</file>
-
-<file path=ppt/slides/slide6.xml><?xml version="1.0" encoding="utf-8"?>
-<p:sld xmlns:a="http://schemas.openxmlformats.org/drawingml/2006/main" xmlns:r="http://schemas.openxmlformats.org/officeDocument/2006/relationships" xmlns:p="http://schemas.openxmlformats.org/presentationml/2006/main">
-  <p:cSld>
-    <p:spTree>
-      <p:nvGrpSpPr>
-        <p:cNvPr id="1" name=""/>
-        <p:cNvGrpSpPr/>
-        <p:nvPr/>
-      </p:nvGrpSpPr>
-      <p:grpSpPr>
-        <a:xfrm>
-          <a:off x="0" y="0"/>
-          <a:ext cx="0" cy="0"/>
-          <a:chOff x="0" y="0"/>
-          <a:chExt cx="0" cy="0"/>
-        </a:xfrm>
-      </p:grpSpPr>
-      <p:sp>
-        <p:nvSpPr>
-          <p:cNvPr id="2" name="Text Placeholder 1"/>
-          <p:cNvSpPr>
-            <a:spLocks noGrp="1"/>
-          </p:cNvSpPr>
-          <p:nvPr>
-            <p:ph type="body" sz="quarter" idx="10"/>
-          </p:nvPr>
-        </p:nvSpPr>
-        <p:spPr/>
-        <p:txBody>
-          <a:bodyPr/>
-          <a:lstStyle/>
-          <a:p>
-            <a:r>
-              <a:rPr lang="en-US" dirty="0"/>
-              <a:t>Example using </a:t>
-            </a:r>
-            <a:r>
-              <a:rPr lang="en-US" dirty="0" err="1"/>
-              <a:t>calloc</a:t>
-            </a:r>
-            <a:r>
-              <a:rPr lang="en-US" dirty="0"/>
-              <a:t> &amp; </a:t>
-            </a:r>
-            <a:r>
-              <a:rPr lang="en-US" dirty="0" err="1"/>
-              <a:t>realloc</a:t>
-            </a:r>
-            <a:r>
-              <a:rPr lang="en-US" dirty="0"/>
-              <a:t>:</a:t>
-            </a:r>
-          </a:p>
-        </p:txBody>
-      </p:sp>
-      <p:sp>
-        <p:nvSpPr>
-          <p:cNvPr id="3" name="Text Placeholder 2"/>
-          <p:cNvSpPr>
-            <a:spLocks noGrp="1"/>
-          </p:cNvSpPr>
-          <p:nvPr>
-            <p:ph type="body" sz="quarter" idx="12"/>
-          </p:nvPr>
-        </p:nvSpPr>
-        <p:spPr/>
-        <p:txBody>
-          <a:bodyPr/>
-          <a:lstStyle/>
-          <a:p>
-            <a:pPr marL="0" indent="0">
-              <a:buNone/>
-            </a:pPr>
-            <a:r>
-              <a:rPr lang="en-US" sz="2000" b="1" dirty="0">
-                <a:latin typeface="Courier" charset="0"/>
-                <a:ea typeface="Courier" charset="0"/>
-                <a:cs typeface="Courier" charset="0"/>
-              </a:rPr>
-              <a:t>char *ptr2 = </a:t>
-            </a:r>
-            <a:r>
-              <a:rPr lang="en-US" sz="2000" b="1" dirty="0" err="1">
-                <a:latin typeface="Courier" charset="0"/>
-                <a:ea typeface="Courier" charset="0"/>
-                <a:cs typeface="Courier" charset="0"/>
-              </a:rPr>
-              <a:t>calloc</a:t>
-            </a:r>
-            <a:r>
-              <a:rPr lang="en-US" sz="2000" b="1" dirty="0">
-                <a:latin typeface="Courier" charset="0"/>
-                <a:ea typeface="Courier" charset="0"/>
-                <a:cs typeface="Courier" charset="0"/>
-              </a:rPr>
-              <a:t>(50, </a:t>
-            </a:r>
-            <a:r>
-              <a:rPr lang="en-US" sz="2000" b="1" dirty="0" err="1">
-                <a:latin typeface="Courier" charset="0"/>
-                <a:ea typeface="Courier" charset="0"/>
-                <a:cs typeface="Courier" charset="0"/>
-              </a:rPr>
-              <a:t>sizeof</a:t>
-            </a:r>
-            <a:r>
-              <a:rPr lang="en-US" sz="2000" b="1" dirty="0">
-                <a:latin typeface="Courier" charset="0"/>
-                <a:ea typeface="Courier" charset="0"/>
-                <a:cs typeface="Courier" charset="0"/>
-              </a:rPr>
-              <a:t>(char));</a:t>
-            </a:r>
-          </a:p>
-          <a:p>
-            <a:pPr marL="0" indent="0">
-              <a:buNone/>
-            </a:pPr>
-            <a:r>
-              <a:rPr lang="en-US" sz="2000" b="1" dirty="0">
-                <a:latin typeface="Courier" charset="0"/>
-                <a:ea typeface="Courier" charset="0"/>
-                <a:cs typeface="Courier" charset="0"/>
-              </a:rPr>
-              <a:t>if(ptr2 == NULL){</a:t>
-            </a:r>
-          </a:p>
-          <a:p>
-            <a:pPr marL="0" indent="0">
-              <a:buNone/>
-            </a:pPr>
-            <a:r>
-              <a:rPr lang="en-US" sz="2000" b="1" dirty="0">
-                <a:latin typeface="Courier" charset="0"/>
-                <a:ea typeface="Courier" charset="0"/>
-                <a:cs typeface="Courier" charset="0"/>
-              </a:rPr>
-              <a:t>	</a:t>
-            </a:r>
-            <a:r>
-              <a:rPr lang="en-US" sz="2000" b="1" dirty="0" err="1">
-                <a:latin typeface="Courier" charset="0"/>
-                <a:ea typeface="Courier" charset="0"/>
-                <a:cs typeface="Courier" charset="0"/>
-              </a:rPr>
-              <a:t>printf</a:t>
-            </a:r>
-            <a:r>
-              <a:rPr lang="en-US" sz="2000" b="1" dirty="0">
-                <a:latin typeface="Courier" charset="0"/>
-                <a:ea typeface="Courier" charset="0"/>
-                <a:cs typeface="Courier" charset="0"/>
-              </a:rPr>
-              <a:t>(“ERROR – </a:t>
-            </a:r>
-            <a:r>
-              <a:rPr lang="en-US" sz="2000" b="1" dirty="0" err="1">
-                <a:latin typeface="Courier" charset="0"/>
-                <a:ea typeface="Courier" charset="0"/>
-                <a:cs typeface="Courier" charset="0"/>
-              </a:rPr>
-              <a:t>calloc</a:t>
-            </a:r>
-            <a:r>
-              <a:rPr lang="en-US" sz="2000" b="1" dirty="0">
-                <a:latin typeface="Courier" charset="0"/>
-                <a:ea typeface="Courier" charset="0"/>
-                <a:cs typeface="Courier" charset="0"/>
-              </a:rPr>
-              <a:t> failure!”);</a:t>
-            </a:r>
-          </a:p>
-          <a:p>
-            <a:pPr marL="0" indent="0">
-              <a:buNone/>
-            </a:pPr>
-            <a:r>
-              <a:rPr lang="en-US" sz="2000" b="1" dirty="0">
-                <a:latin typeface="Courier" charset="0"/>
-                <a:ea typeface="Courier" charset="0"/>
-                <a:cs typeface="Courier" charset="0"/>
-              </a:rPr>
-              <a:t>	return 1;}</a:t>
-            </a:r>
-          </a:p>
-          <a:p>
-            <a:pPr marL="0" indent="0">
-              <a:buNone/>
-            </a:pPr>
-            <a:r>
-              <a:rPr lang="en-US" sz="2000" b="1" dirty="0" err="1">
-                <a:latin typeface="Courier" charset="0"/>
-                <a:ea typeface="Courier" charset="0"/>
-                <a:cs typeface="Courier" charset="0"/>
-              </a:rPr>
-              <a:t>strcpy</a:t>
-            </a:r>
-            <a:r>
-              <a:rPr lang="en-US" sz="2000" b="1" dirty="0">
-                <a:latin typeface="Courier" charset="0"/>
-                <a:ea typeface="Courier" charset="0"/>
-                <a:cs typeface="Courier" charset="0"/>
-              </a:rPr>
-              <a:t>(ptr2, “Example using </a:t>
-            </a:r>
-            <a:r>
-              <a:rPr lang="en-US" sz="2000" b="1" dirty="0" err="1">
-                <a:latin typeface="Courier" charset="0"/>
-                <a:ea typeface="Courier" charset="0"/>
-                <a:cs typeface="Courier" charset="0"/>
-              </a:rPr>
-              <a:t>calloc</a:t>
-            </a:r>
-            <a:r>
-              <a:rPr lang="en-US" sz="2000" b="1" dirty="0">
-                <a:latin typeface="Courier" charset="0"/>
-                <a:ea typeface="Courier" charset="0"/>
-                <a:cs typeface="Courier" charset="0"/>
-              </a:rPr>
-              <a:t>”);</a:t>
-            </a:r>
-          </a:p>
-          <a:p>
-            <a:pPr marL="0" indent="0">
-              <a:buNone/>
-            </a:pPr>
-            <a:endParaRPr lang="en-US" sz="2000" b="1" dirty="0">
-              <a:latin typeface="Courier" charset="0"/>
-              <a:ea typeface="Courier" charset="0"/>
-              <a:cs typeface="Courier" charset="0"/>
-            </a:endParaRPr>
-          </a:p>
-          <a:p>
-            <a:pPr marL="0" indent="0">
-              <a:buNone/>
-            </a:pPr>
-            <a:r>
-              <a:rPr lang="en-US" sz="2000" b="1" dirty="0">
-                <a:latin typeface="Courier" charset="0"/>
-                <a:ea typeface="Courier" charset="0"/>
-                <a:cs typeface="Courier" charset="0"/>
-              </a:rPr>
-              <a:t>char *ptr3 = </a:t>
-            </a:r>
-            <a:r>
-              <a:rPr lang="en-US" sz="2000" b="1" dirty="0" err="1">
-                <a:latin typeface="Courier" charset="0"/>
-                <a:ea typeface="Courier" charset="0"/>
-                <a:cs typeface="Courier" charset="0"/>
-              </a:rPr>
-              <a:t>realloc</a:t>
-            </a:r>
-            <a:r>
-              <a:rPr lang="en-US" sz="2000" b="1" dirty="0">
-                <a:latin typeface="Courier" charset="0"/>
-                <a:ea typeface="Courier" charset="0"/>
-                <a:cs typeface="Courier" charset="0"/>
-              </a:rPr>
-              <a:t>(ptr2, 100*</a:t>
-            </a:r>
-            <a:r>
-              <a:rPr lang="en-US" sz="2000" b="1" dirty="0" err="1">
-                <a:latin typeface="Courier" charset="0"/>
-                <a:ea typeface="Courier" charset="0"/>
-                <a:cs typeface="Courier" charset="0"/>
-              </a:rPr>
-              <a:t>sizeof</a:t>
-            </a:r>
-            <a:r>
-              <a:rPr lang="en-US" sz="2000" b="1" dirty="0">
-                <a:latin typeface="Courier" charset="0"/>
-                <a:ea typeface="Courier" charset="0"/>
-                <a:cs typeface="Courier" charset="0"/>
-              </a:rPr>
-              <a:t>(char));</a:t>
-            </a:r>
-          </a:p>
-          <a:p>
-            <a:pPr marL="0" indent="0">
-              <a:buNone/>
-            </a:pPr>
-            <a:r>
-              <a:rPr lang="en-US" sz="2000" b="1" dirty="0">
-                <a:latin typeface="Courier" charset="0"/>
-                <a:ea typeface="Courier" charset="0"/>
-                <a:cs typeface="Courier" charset="0"/>
-              </a:rPr>
-              <a:t>if(ptr3 == NULL){</a:t>
-            </a:r>
-          </a:p>
-          <a:p>
-            <a:pPr marL="0" indent="0">
-              <a:buNone/>
-            </a:pPr>
-            <a:r>
-              <a:rPr lang="en-US" sz="2000" b="1" dirty="0">
-                <a:latin typeface="Courier" charset="0"/>
-                <a:ea typeface="Courier" charset="0"/>
-                <a:cs typeface="Courier" charset="0"/>
-              </a:rPr>
-              <a:t>	</a:t>
-            </a:r>
-            <a:r>
-              <a:rPr lang="en-US" sz="2000" b="1" dirty="0" err="1">
-                <a:latin typeface="Courier" charset="0"/>
-                <a:ea typeface="Courier" charset="0"/>
-                <a:cs typeface="Courier" charset="0"/>
-              </a:rPr>
-              <a:t>printf</a:t>
-            </a:r>
-            <a:r>
-              <a:rPr lang="en-US" sz="2000" b="1" dirty="0">
-                <a:latin typeface="Courier" charset="0"/>
-                <a:ea typeface="Courier" charset="0"/>
-                <a:cs typeface="Courier" charset="0"/>
-              </a:rPr>
-              <a:t>(“ERROR – </a:t>
-            </a:r>
-            <a:r>
-              <a:rPr lang="en-US" sz="2000" b="1" dirty="0" err="1">
-                <a:latin typeface="Courier" charset="0"/>
-                <a:ea typeface="Courier" charset="0"/>
-                <a:cs typeface="Courier" charset="0"/>
-              </a:rPr>
-              <a:t>realloc</a:t>
-            </a:r>
-            <a:r>
-              <a:rPr lang="en-US" sz="2000" b="1" dirty="0">
-                <a:latin typeface="Courier" charset="0"/>
-                <a:ea typeface="Courier" charset="0"/>
-                <a:cs typeface="Courier" charset="0"/>
-              </a:rPr>
-              <a:t> failure!”);</a:t>
-            </a:r>
-          </a:p>
-          <a:p>
-            <a:pPr marL="0" indent="0">
-              <a:buNone/>
-            </a:pPr>
-            <a:r>
-              <a:rPr lang="en-US" sz="2000" b="1" dirty="0">
-                <a:latin typeface="Courier" charset="0"/>
-                <a:ea typeface="Courier" charset="0"/>
-                <a:cs typeface="Courier" charset="0"/>
-              </a:rPr>
-              <a:t>	return 1;}</a:t>
-            </a:r>
-          </a:p>
-          <a:p>
-            <a:pPr marL="0" indent="0">
-              <a:buNone/>
-            </a:pPr>
-            <a:endParaRPr lang="en-US" sz="2000" b="1" dirty="0">
-              <a:latin typeface="Courier" charset="0"/>
-              <a:ea typeface="Courier" charset="0"/>
-              <a:cs typeface="Courier" charset="0"/>
-            </a:endParaRPr>
-          </a:p>
-          <a:p>
-            <a:pPr marL="0" indent="0">
-              <a:buNone/>
-            </a:pPr>
-            <a:r>
-              <a:rPr lang="en-US" sz="2000" b="1" dirty="0">
-                <a:latin typeface="Courier" charset="0"/>
-                <a:ea typeface="Courier" charset="0"/>
-                <a:cs typeface="Courier" charset="0"/>
-              </a:rPr>
-              <a:t>free(ptr3);</a:t>
-            </a:r>
-          </a:p>
-          <a:p>
-            <a:pPr marL="0" indent="0">
-              <a:buNone/>
-            </a:pPr>
-            <a:endParaRPr lang="en-US" sz="2000" b="1" dirty="0"/>
-          </a:p>
-          <a:p>
-            <a:pPr marL="0" indent="0">
-              <a:buNone/>
-            </a:pPr>
-            <a:endParaRPr lang="en-US" sz="2000" b="1" dirty="0"/>
-          </a:p>
-        </p:txBody>
-      </p:sp>
-      <p:sp>
-        <p:nvSpPr>
-          <p:cNvPr id="4" name="TextBox 3"/>
-          <p:cNvSpPr txBox="1"/>
-          <p:nvPr/>
-        </p:nvSpPr>
-        <p:spPr>
-          <a:xfrm>
-            <a:off x="9647865" y="6614044"/>
-            <a:ext cx="314510" cy="400110"/>
-          </a:xfrm>
-          <a:prstGeom prst="rect">
-            <a:avLst/>
-          </a:prstGeom>
-          <a:noFill/>
-        </p:spPr>
-        <p:txBody>
-          <a:bodyPr wrap="none" rtlCol="0">
-            <a:spAutoFit/>
-          </a:bodyPr>
-          <a:lstStyle/>
-          <a:p>
-            <a:r>
-              <a:rPr lang="en-US" dirty="0"/>
-              <a:t>6</a:t>
-            </a:r>
-          </a:p>
-        </p:txBody>
-      </p:sp>
-    </p:spTree>
-    <p:extLst>
-      <p:ext uri="{BB962C8B-B14F-4D97-AF65-F5344CB8AC3E}">
-        <p14:creationId xmlns:p14="http://schemas.microsoft.com/office/powerpoint/2010/main" val="458988706"/>
-      </p:ext>
-    </p:extLst>
-  </p:cSld>
-  <p:clrMapOvr>
-    <a:masterClrMapping/>
-  </p:clrMapOvr>
-</p:sld>
-</file>
-
-<file path=ppt/slides/slide7.xml><?xml version="1.0" encoding="utf-8"?>
-<p:sld xmlns:a="http://schemas.openxmlformats.org/drawingml/2006/main" xmlns:r="http://schemas.openxmlformats.org/officeDocument/2006/relationships" xmlns:p="http://schemas.openxmlformats.org/presentationml/2006/main">
-  <p:cSld>
-    <p:spTree>
-      <p:nvGrpSpPr>
-        <p:cNvPr id="1" name=""/>
-        <p:cNvGrpSpPr/>
-        <p:nvPr/>
-      </p:nvGrpSpPr>
-      <p:grpSpPr>
-        <a:xfrm>
-          <a:off x="0" y="0"/>
-          <a:ext cx="0" cy="0"/>
-          <a:chOff x="0" y="0"/>
-          <a:chExt cx="0" cy="0"/>
-        </a:xfrm>
-      </p:grpSpPr>
-      <p:sp>
-        <p:nvSpPr>
-          <p:cNvPr id="2" name="Text Placeholder 1"/>
-          <p:cNvSpPr>
-            <a:spLocks noGrp="1"/>
-          </p:cNvSpPr>
-          <p:nvPr>
-            <p:ph type="body" sz="quarter" idx="10"/>
-          </p:nvPr>
-        </p:nvSpPr>
-        <p:spPr/>
-        <p:txBody>
-          <a:bodyPr/>
-          <a:lstStyle/>
-          <a:p>
-            <a:r>
-              <a:rPr lang="en-US" dirty="0"/>
-              <a:t>Exercise:</a:t>
-            </a:r>
-          </a:p>
-        </p:txBody>
-      </p:sp>
-      <p:sp>
-        <p:nvSpPr>
-          <p:cNvPr id="3" name="Text Placeholder 2"/>
-          <p:cNvSpPr>
-            <a:spLocks noGrp="1"/>
-          </p:cNvSpPr>
-          <p:nvPr>
-            <p:ph type="body" sz="quarter" idx="12"/>
-          </p:nvPr>
-        </p:nvSpPr>
-        <p:spPr/>
-        <p:txBody>
-          <a:bodyPr/>
-          <a:lstStyle/>
-          <a:p>
-            <a:pPr marL="0" indent="0">
-              <a:buNone/>
-            </a:pPr>
-            <a:r>
-              <a:rPr lang="en-US" sz="2000" b="1" dirty="0" err="1">
-                <a:latin typeface="Courier" charset="0"/>
-                <a:ea typeface="Courier" charset="0"/>
-                <a:cs typeface="Courier" charset="0"/>
-              </a:rPr>
-              <a:t>typedef</a:t>
-            </a:r>
-            <a:r>
-              <a:rPr lang="en-US" sz="2000" b="1" dirty="0">
-                <a:latin typeface="Courier" charset="0"/>
-                <a:ea typeface="Courier" charset="0"/>
-                <a:cs typeface="Courier" charset="0"/>
-              </a:rPr>
-              <a:t> </a:t>
-            </a:r>
-            <a:r>
-              <a:rPr lang="en-US" sz="2000" b="1" dirty="0" err="1">
-                <a:latin typeface="Courier" charset="0"/>
-                <a:ea typeface="Courier" charset="0"/>
-                <a:cs typeface="Courier" charset="0"/>
-              </a:rPr>
-              <a:t>struct</a:t>
-            </a:r>
-            <a:r>
-              <a:rPr lang="en-US" sz="2000" b="1" dirty="0">
-                <a:latin typeface="Courier" charset="0"/>
-                <a:ea typeface="Courier" charset="0"/>
-                <a:cs typeface="Courier" charset="0"/>
-              </a:rPr>
-              <a:t> </a:t>
-            </a:r>
-            <a:r>
-              <a:rPr lang="en-US" sz="2000" b="1" dirty="0" err="1">
-                <a:latin typeface="Courier" charset="0"/>
-                <a:ea typeface="Courier" charset="0"/>
-                <a:cs typeface="Courier" charset="0"/>
-              </a:rPr>
-              <a:t>studentStruct</a:t>
-            </a:r>
-            <a:endParaRPr lang="en-US" sz="2000" b="1" dirty="0">
-              <a:latin typeface="Courier" charset="0"/>
-              <a:ea typeface="Courier" charset="0"/>
-              <a:cs typeface="Courier" charset="0"/>
-            </a:endParaRPr>
-          </a:p>
-          <a:p>
-            <a:pPr marL="0" indent="0">
-              <a:buNone/>
-            </a:pPr>
-            <a:r>
-              <a:rPr lang="en-US" sz="2000" b="1" dirty="0">
-                <a:latin typeface="Courier" charset="0"/>
-                <a:ea typeface="Courier" charset="0"/>
-                <a:cs typeface="Courier" charset="0"/>
-              </a:rPr>
-              <a:t>{</a:t>
-            </a:r>
-          </a:p>
-          <a:p>
-            <a:pPr marL="0" indent="0">
-              <a:buNone/>
-            </a:pPr>
-            <a:r>
-              <a:rPr lang="en-US" sz="2000" b="1" dirty="0">
-                <a:latin typeface="Courier" charset="0"/>
-                <a:ea typeface="Courier" charset="0"/>
-                <a:cs typeface="Courier" charset="0"/>
-              </a:rPr>
-              <a:t>	char *NAME;</a:t>
-            </a:r>
-          </a:p>
-          <a:p>
-            <a:pPr marL="0" indent="0">
-              <a:buNone/>
-            </a:pPr>
-            <a:r>
-              <a:rPr lang="en-US" sz="2000" b="1" dirty="0">
-                <a:latin typeface="Courier" charset="0"/>
-                <a:ea typeface="Courier" charset="0"/>
-                <a:cs typeface="Courier" charset="0"/>
-              </a:rPr>
-              <a:t>	</a:t>
-            </a:r>
-            <a:r>
-              <a:rPr lang="en-US" sz="2000" b="1" dirty="0" err="1">
-                <a:latin typeface="Courier" charset="0"/>
-                <a:ea typeface="Courier" charset="0"/>
-                <a:cs typeface="Courier" charset="0"/>
-              </a:rPr>
-              <a:t>int</a:t>
-            </a:r>
-            <a:r>
-              <a:rPr lang="en-US" sz="2000" b="1" dirty="0">
-                <a:latin typeface="Courier" charset="0"/>
-                <a:ea typeface="Courier" charset="0"/>
-                <a:cs typeface="Courier" charset="0"/>
-              </a:rPr>
-              <a:t> UIN;</a:t>
-            </a:r>
-          </a:p>
-          <a:p>
-            <a:pPr marL="0" indent="0">
-              <a:buNone/>
-            </a:pPr>
-            <a:r>
-              <a:rPr lang="en-US" sz="2000" b="1" dirty="0">
-                <a:latin typeface="Courier" charset="0"/>
-                <a:ea typeface="Courier" charset="0"/>
-                <a:cs typeface="Courier" charset="0"/>
-              </a:rPr>
-              <a:t>	float GPA;</a:t>
-            </a:r>
-          </a:p>
-          <a:p>
-            <a:pPr marL="0" indent="0">
-              <a:buNone/>
-            </a:pPr>
-            <a:r>
-              <a:rPr lang="en-US" sz="2000" b="1" dirty="0">
-                <a:latin typeface="Courier" charset="0"/>
-                <a:ea typeface="Courier" charset="0"/>
-                <a:cs typeface="Courier" charset="0"/>
-              </a:rPr>
-              <a:t>}student;</a:t>
-            </a:r>
-          </a:p>
-          <a:p>
-            <a:pPr marL="0" indent="0">
-              <a:buNone/>
-            </a:pPr>
-            <a:endParaRPr lang="en-US" dirty="0"/>
-          </a:p>
-          <a:p>
-            <a:pPr marL="457200" indent="-457200">
-              <a:buFont typeface="+mj-lt"/>
-              <a:buAutoNum type="arabicPeriod"/>
-            </a:pPr>
-            <a:r>
-              <a:rPr lang="en-US" dirty="0"/>
-              <a:t>allocate memory for 200 student records, assuming the you need an array of 100 char to hold each name</a:t>
-            </a:r>
-          </a:p>
-          <a:p>
-            <a:pPr marL="457200" indent="-457200">
-              <a:buFont typeface="+mj-lt"/>
-              <a:buAutoNum type="arabicPeriod"/>
-            </a:pPr>
-            <a:r>
-              <a:rPr lang="en-US" dirty="0"/>
-              <a:t>initialize name to “To be set”, UIN to -1 and GPA to 0.0 for all the records</a:t>
-            </a:r>
-          </a:p>
-          <a:p>
-            <a:pPr marL="457200" indent="-457200">
-              <a:buFont typeface="+mj-lt"/>
-              <a:buAutoNum type="arabicPeriod"/>
-            </a:pPr>
-            <a:r>
-              <a:rPr lang="en-US" dirty="0"/>
-              <a:t>free up memory space for all the records</a:t>
-            </a:r>
-          </a:p>
-          <a:p>
-            <a:pPr marL="0" indent="0">
-              <a:buNone/>
-            </a:pPr>
-            <a:endParaRPr lang="en-US" dirty="0"/>
-          </a:p>
-        </p:txBody>
-      </p:sp>
-      <p:sp>
-        <p:nvSpPr>
-          <p:cNvPr id="4" name="TextBox 3"/>
-          <p:cNvSpPr txBox="1"/>
-          <p:nvPr/>
-        </p:nvSpPr>
-        <p:spPr>
-          <a:xfrm>
-            <a:off x="9647865" y="6614044"/>
-            <a:ext cx="314510" cy="400110"/>
-          </a:xfrm>
-          <a:prstGeom prst="rect">
-            <a:avLst/>
-          </a:prstGeom>
-          <a:noFill/>
-        </p:spPr>
-        <p:txBody>
-          <a:bodyPr wrap="none" rtlCol="0">
-            <a:spAutoFit/>
-          </a:bodyPr>
-          <a:lstStyle/>
-          <a:p>
-            <a:r>
-              <a:rPr lang="en-US" dirty="0"/>
-              <a:t>7</a:t>
-            </a:r>
-          </a:p>
-        </p:txBody>
-      </p:sp>
-    </p:spTree>
-    <p:extLst>
-      <p:ext uri="{BB962C8B-B14F-4D97-AF65-F5344CB8AC3E}">
-        <p14:creationId xmlns:p14="http://schemas.microsoft.com/office/powerpoint/2010/main" val="2024984276"/>
-      </p:ext>
-    </p:extLst>
-  </p:cSld>
-  <p:clrMapOvr>
-    <a:masterClrMapping/>
-  </p:clrMapOvr>
-</p:sld>
-</file>
-
-<file path=ppt/slides/slide8.xml><?xml version="1.0" encoding="utf-8"?>
-<p:sld xmlns:a="http://schemas.openxmlformats.org/drawingml/2006/main" xmlns:r="http://schemas.openxmlformats.org/officeDocument/2006/relationships" xmlns:p="http://schemas.openxmlformats.org/presentationml/2006/main">
-  <p:cSld>
-    <p:spTree>
-      <p:nvGrpSpPr>
-        <p:cNvPr id="1" name=""/>
-        <p:cNvGrpSpPr/>
-        <p:nvPr/>
-      </p:nvGrpSpPr>
-      <p:grpSpPr>
-        <a:xfrm>
-          <a:off x="0" y="0"/>
-          <a:ext cx="0" cy="0"/>
-          <a:chOff x="0" y="0"/>
-          <a:chExt cx="0" cy="0"/>
-        </a:xfrm>
-      </p:grpSpPr>
-      <p:graphicFrame>
-        <p:nvGraphicFramePr>
-          <p:cNvPr id="4" name="Table 3"/>
-          <p:cNvGraphicFramePr>
-            <a:graphicFrameLocks noGrp="1"/>
-          </p:cNvGraphicFramePr>
-          <p:nvPr>
-            <p:extLst>
-              <p:ext uri="{D42A27DB-BD31-4B8C-83A1-F6EECF244321}">
-                <p14:modId xmlns:p14="http://schemas.microsoft.com/office/powerpoint/2010/main" val="419231847"/>
-              </p:ext>
-            </p:extLst>
-          </p:nvPr>
-        </p:nvGraphicFramePr>
-        <p:xfrm>
-          <a:off x="1676400" y="1828800"/>
-          <a:ext cx="4280263" cy="3651202"/>
-        </p:xfrm>
-        <a:graphic>
-          <a:graphicData uri="http://schemas.openxmlformats.org/drawingml/2006/table">
-            <a:tbl>
-              <a:tblPr>
-                <a:tableStyleId>{5C22544A-7EE6-4342-B048-85BDC9FD1C3A}</a:tableStyleId>
-              </a:tblPr>
-              <a:tblGrid>
-                <a:gridCol w="4280263">
-                  <a:extLst>
-                    <a:ext uri="{9D8B030D-6E8A-4147-A177-3AD203B41FA5}">
-                      <a16:colId xmlns:a16="http://schemas.microsoft.com/office/drawing/2014/main" val="20000"/>
-                    </a:ext>
-                  </a:extLst>
-                </a:gridCol>
-              </a:tblGrid>
-              <a:tr h="173149">
-                <a:tc>
-                  <a:txBody>
-                    <a:bodyPr/>
-                    <a:lstStyle/>
-                    <a:p>
-                      <a:pPr algn="ctr"/>
-                      <a:r>
-                        <a:rPr lang="en-US" b="1" dirty="0"/>
-                        <a:t>System space</a:t>
-                      </a:r>
-                    </a:p>
-                  </a:txBody>
-                  <a:tcPr>
-                    <a:lnL w="12700" cap="flat" cmpd="sng" algn="ctr">
-                      <a:solidFill>
-                        <a:schemeClr val="tx1"/>
-                      </a:solidFill>
-                      <a:prstDash val="solid"/>
-                      <a:round/>
-                      <a:headEnd type="none" w="med" len="med"/>
-                      <a:tailEnd type="none" w="med" len="med"/>
-                    </a:lnL>
-                    <a:lnR w="12700" cap="flat" cmpd="sng" algn="ctr">
-                      <a:solidFill>
-                        <a:schemeClr val="tx1"/>
-                      </a:solidFill>
-                      <a:prstDash val="solid"/>
-                      <a:round/>
-                      <a:headEnd type="none" w="med" len="med"/>
-                      <a:tailEnd type="none" w="med" len="med"/>
-                    </a:lnR>
-                    <a:lnT w="12700" cap="flat" cmpd="sng" algn="ctr">
-                      <a:solidFill>
-                        <a:schemeClr val="tx1"/>
-                      </a:solidFill>
-                      <a:prstDash val="solid"/>
-                      <a:round/>
-                      <a:headEnd type="none" w="med" len="med"/>
-                      <a:tailEnd type="none" w="med" len="med"/>
-                    </a:lnT>
-                    <a:lnB w="12700" cap="flat" cmpd="sng" algn="ctr">
-                      <a:solidFill>
-                        <a:schemeClr val="tx1"/>
-                      </a:solidFill>
-                      <a:prstDash val="solid"/>
-                      <a:round/>
-                      <a:headEnd type="none" w="med" len="med"/>
-                      <a:tailEnd type="none" w="med" len="med"/>
-                    </a:lnB>
-                  </a:tcPr>
-                </a:tc>
-                <a:extLst>
-                  <a:ext uri="{0D108BD9-81ED-4DB2-BD59-A6C34878D82A}">
-                    <a16:rowId xmlns:a16="http://schemas.microsoft.com/office/drawing/2014/main" val="10000"/>
-                  </a:ext>
-                </a:extLst>
-              </a:tr>
-              <a:tr h="408281">
-                <a:tc>
-                  <a:txBody>
-                    <a:bodyPr/>
-                    <a:lstStyle/>
-                    <a:p>
-                      <a:pPr algn="ctr"/>
-                      <a:r>
-                        <a:rPr lang="en-US" b="1" dirty="0"/>
-                        <a:t>Program text</a:t>
-                      </a:r>
-                    </a:p>
-                  </a:txBody>
-                  <a:tcPr>
-                    <a:lnL w="12700" cap="flat" cmpd="sng" algn="ctr">
-                      <a:solidFill>
-                        <a:schemeClr val="tx1"/>
-                      </a:solidFill>
-                      <a:prstDash val="solid"/>
-                      <a:round/>
-                      <a:headEnd type="none" w="med" len="med"/>
-                      <a:tailEnd type="none" w="med" len="med"/>
-                    </a:lnL>
-                    <a:lnR w="12700" cap="flat" cmpd="sng" algn="ctr">
-                      <a:solidFill>
-                        <a:schemeClr val="tx1"/>
-                      </a:solidFill>
-                      <a:prstDash val="solid"/>
-                      <a:round/>
-                      <a:headEnd type="none" w="med" len="med"/>
-                      <a:tailEnd type="none" w="med" len="med"/>
-                    </a:lnR>
-                    <a:lnT w="12700" cap="flat" cmpd="sng" algn="ctr">
-                      <a:solidFill>
-                        <a:schemeClr val="tx1"/>
-                      </a:solidFill>
-                      <a:prstDash val="solid"/>
-                      <a:round/>
-                      <a:headEnd type="none" w="med" len="med"/>
-                      <a:tailEnd type="none" w="med" len="med"/>
-                    </a:lnT>
-                    <a:lnB w="12700" cap="flat" cmpd="sng" algn="ctr">
-                      <a:solidFill>
-                        <a:schemeClr val="tx1"/>
-                      </a:solidFill>
-                      <a:prstDash val="solid"/>
-                      <a:round/>
-                      <a:headEnd type="none" w="med" len="med"/>
-                      <a:tailEnd type="none" w="med" len="med"/>
-                    </a:lnB>
-                  </a:tcPr>
-                </a:tc>
-                <a:extLst>
-                  <a:ext uri="{0D108BD9-81ED-4DB2-BD59-A6C34878D82A}">
-                    <a16:rowId xmlns:a16="http://schemas.microsoft.com/office/drawing/2014/main" val="10001"/>
-                  </a:ext>
-                </a:extLst>
-              </a:tr>
-              <a:tr h="408281">
-                <a:tc>
-                  <a:txBody>
-                    <a:bodyPr/>
-                    <a:lstStyle/>
-                    <a:p>
-                      <a:pPr algn="ctr"/>
-                      <a:r>
-                        <a:rPr lang="en-US" b="1" dirty="0"/>
-                        <a:t>Global data section</a:t>
-                      </a:r>
-                    </a:p>
-                  </a:txBody>
-                  <a:tcPr>
-                    <a:lnL w="12700" cap="flat" cmpd="sng" algn="ctr">
-                      <a:solidFill>
-                        <a:schemeClr val="tx1"/>
-                      </a:solidFill>
-                      <a:prstDash val="solid"/>
-                      <a:round/>
-                      <a:headEnd type="none" w="med" len="med"/>
-                      <a:tailEnd type="none" w="med" len="med"/>
-                    </a:lnL>
-                    <a:lnR w="12700" cap="flat" cmpd="sng" algn="ctr">
-                      <a:solidFill>
-                        <a:schemeClr val="tx1"/>
-                      </a:solidFill>
-                      <a:prstDash val="solid"/>
-                      <a:round/>
-                      <a:headEnd type="none" w="med" len="med"/>
-                      <a:tailEnd type="none" w="med" len="med"/>
-                    </a:lnR>
-                    <a:lnT w="12700" cap="flat" cmpd="sng" algn="ctr">
-                      <a:solidFill>
-                        <a:schemeClr val="tx1"/>
-                      </a:solidFill>
-                      <a:prstDash val="solid"/>
-                      <a:round/>
-                      <a:headEnd type="none" w="med" len="med"/>
-                      <a:tailEnd type="none" w="med" len="med"/>
-                    </a:lnT>
-                    <a:lnB w="12700" cap="flat" cmpd="sng" algn="ctr">
-                      <a:solidFill>
-                        <a:schemeClr val="tx1"/>
-                      </a:solidFill>
-                      <a:prstDash val="solid"/>
-                      <a:round/>
-                      <a:headEnd type="none" w="med" len="med"/>
-                      <a:tailEnd type="none" w="med" len="med"/>
-                    </a:lnB>
-                  </a:tcPr>
-                </a:tc>
-                <a:extLst>
-                  <a:ext uri="{0D108BD9-81ED-4DB2-BD59-A6C34878D82A}">
-                    <a16:rowId xmlns:a16="http://schemas.microsoft.com/office/drawing/2014/main" val="10002"/>
-                  </a:ext>
-                </a:extLst>
-              </a:tr>
-              <a:tr h="615998">
-                <a:tc>
-                  <a:txBody>
-                    <a:bodyPr/>
-                    <a:lstStyle/>
-                    <a:p>
-                      <a:pPr algn="ctr"/>
-                      <a:r>
-                        <a:rPr lang="en-US" b="1" dirty="0"/>
-                        <a:t>Heap</a:t>
-                      </a:r>
-                    </a:p>
-                  </a:txBody>
-                  <a:tcPr>
-                    <a:lnL w="12700" cap="flat" cmpd="sng" algn="ctr">
-                      <a:solidFill>
-                        <a:schemeClr val="tx1"/>
-                      </a:solidFill>
-                      <a:prstDash val="solid"/>
-                      <a:round/>
-                      <a:headEnd type="none" w="med" len="med"/>
-                      <a:tailEnd type="none" w="med" len="med"/>
-                    </a:lnL>
-                    <a:lnR w="12700" cap="flat" cmpd="sng" algn="ctr">
-                      <a:solidFill>
-                        <a:schemeClr val="tx1"/>
-                      </a:solidFill>
-                      <a:prstDash val="solid"/>
-                      <a:round/>
-                      <a:headEnd type="none" w="med" len="med"/>
-                      <a:tailEnd type="none" w="med" len="med"/>
-                    </a:lnR>
-                    <a:lnT w="12700" cap="flat" cmpd="sng" algn="ctr">
-                      <a:solidFill>
-                        <a:schemeClr val="tx1"/>
-                      </a:solidFill>
-                      <a:prstDash val="solid"/>
-                      <a:round/>
-                      <a:headEnd type="none" w="med" len="med"/>
-                      <a:tailEnd type="none" w="med" len="med"/>
-                    </a:lnT>
-                    <a:lnB w="12700" cap="flat" cmpd="sng" algn="ctr">
-                      <a:solidFill>
-                        <a:schemeClr val="tx1"/>
-                      </a:solidFill>
-                      <a:prstDash val="solid"/>
-                      <a:round/>
-                      <a:headEnd type="none" w="med" len="med"/>
-                      <a:tailEnd type="none" w="med" len="med"/>
-                    </a:lnB>
-                  </a:tcPr>
-                </a:tc>
-                <a:extLst>
-                  <a:ext uri="{0D108BD9-81ED-4DB2-BD59-A6C34878D82A}">
-                    <a16:rowId xmlns:a16="http://schemas.microsoft.com/office/drawing/2014/main" val="10003"/>
-                  </a:ext>
-                </a:extLst>
-              </a:tr>
-              <a:tr h="900545">
-                <a:tc>
-                  <a:txBody>
-                    <a:bodyPr/>
-                    <a:lstStyle/>
-                    <a:p>
-                      <a:pPr algn="ctr"/>
-                      <a:endParaRPr lang="en-US" b="1" dirty="0"/>
-                    </a:p>
-                    <a:p>
-                      <a:pPr algn="ctr"/>
-                      <a:endParaRPr lang="en-US" b="1" dirty="0"/>
-                    </a:p>
-                    <a:p>
-                      <a:pPr algn="ctr"/>
-                      <a:endParaRPr lang="en-US" b="1" dirty="0"/>
-                    </a:p>
-                  </a:txBody>
-                  <a:tcPr>
-                    <a:lnL w="12700" cap="flat" cmpd="sng" algn="ctr">
-                      <a:solidFill>
-                        <a:schemeClr val="tx1"/>
-                      </a:solidFill>
-                      <a:prstDash val="solid"/>
-                      <a:round/>
-                      <a:headEnd type="none" w="med" len="med"/>
-                      <a:tailEnd type="none" w="med" len="med"/>
-                    </a:lnL>
-                    <a:lnR w="12700" cap="flat" cmpd="sng" algn="ctr">
-                      <a:solidFill>
-                        <a:schemeClr val="tx1"/>
-                      </a:solidFill>
-                      <a:prstDash val="solid"/>
-                      <a:round/>
-                      <a:headEnd type="none" w="med" len="med"/>
-                      <a:tailEnd type="none" w="med" len="med"/>
-                    </a:lnR>
-                    <a:lnT w="12700" cap="flat" cmpd="sng" algn="ctr">
-                      <a:solidFill>
-                        <a:schemeClr val="tx1"/>
-                      </a:solidFill>
-                      <a:prstDash val="solid"/>
-                      <a:round/>
-                      <a:headEnd type="none" w="med" len="med"/>
-                      <a:tailEnd type="none" w="med" len="med"/>
-                    </a:lnT>
-                    <a:lnB w="12700" cap="flat" cmpd="sng" algn="ctr">
-                      <a:solidFill>
-                        <a:schemeClr val="tx1"/>
-                      </a:solidFill>
-                      <a:prstDash val="solid"/>
-                      <a:round/>
-                      <a:headEnd type="none" w="med" len="med"/>
-                      <a:tailEnd type="none" w="med" len="med"/>
-                    </a:lnB>
-                  </a:tcPr>
-                </a:tc>
-                <a:extLst>
-                  <a:ext uri="{0D108BD9-81ED-4DB2-BD59-A6C34878D82A}">
-                    <a16:rowId xmlns:a16="http://schemas.microsoft.com/office/drawing/2014/main" val="10004"/>
-                  </a:ext>
-                </a:extLst>
-              </a:tr>
-              <a:tr h="408281">
-                <a:tc>
-                  <a:txBody>
-                    <a:bodyPr/>
-                    <a:lstStyle/>
-                    <a:p>
-                      <a:pPr algn="ctr"/>
-                      <a:r>
-                        <a:rPr lang="en-US" b="1" dirty="0"/>
-                        <a:t>Run-time</a:t>
-                      </a:r>
-                      <a:r>
-                        <a:rPr lang="en-US" b="1" baseline="0" dirty="0"/>
-                        <a:t> stack</a:t>
-                      </a:r>
-                      <a:endParaRPr lang="en-US" b="1" dirty="0"/>
-                    </a:p>
-                  </a:txBody>
-                  <a:tcPr>
-                    <a:lnL w="12700" cap="flat" cmpd="sng" algn="ctr">
-                      <a:solidFill>
-                        <a:schemeClr val="tx1"/>
-                      </a:solidFill>
-                      <a:prstDash val="solid"/>
-                      <a:round/>
-                      <a:headEnd type="none" w="med" len="med"/>
-                      <a:tailEnd type="none" w="med" len="med"/>
-                    </a:lnL>
-                    <a:lnR w="12700" cap="flat" cmpd="sng" algn="ctr">
-                      <a:solidFill>
-                        <a:schemeClr val="tx1"/>
-                      </a:solidFill>
-                      <a:prstDash val="solid"/>
-                      <a:round/>
-                      <a:headEnd type="none" w="med" len="med"/>
-                      <a:tailEnd type="none" w="med" len="med"/>
-                    </a:lnR>
-                    <a:lnT w="12700" cap="flat" cmpd="sng" algn="ctr">
-                      <a:solidFill>
-                        <a:schemeClr val="tx1"/>
-                      </a:solidFill>
-                      <a:prstDash val="solid"/>
-                      <a:round/>
-                      <a:headEnd type="none" w="med" len="med"/>
-                      <a:tailEnd type="none" w="med" len="med"/>
-                    </a:lnT>
-                    <a:lnB w="12700" cap="flat" cmpd="sng" algn="ctr">
-                      <a:solidFill>
-                        <a:schemeClr val="tx1"/>
-                      </a:solidFill>
-                      <a:prstDash val="solid"/>
-                      <a:round/>
-                      <a:headEnd type="none" w="med" len="med"/>
-                      <a:tailEnd type="none" w="med" len="med"/>
-                    </a:lnB>
-                  </a:tcPr>
-                </a:tc>
-                <a:extLst>
-                  <a:ext uri="{0D108BD9-81ED-4DB2-BD59-A6C34878D82A}">
-                    <a16:rowId xmlns:a16="http://schemas.microsoft.com/office/drawing/2014/main" val="10005"/>
-                  </a:ext>
-                </a:extLst>
-              </a:tr>
-              <a:tr h="408281">
-                <a:tc>
-                  <a:txBody>
-                    <a:bodyPr/>
-                    <a:lstStyle/>
-                    <a:p>
-                      <a:pPr algn="ctr"/>
-                      <a:r>
-                        <a:rPr lang="en-US" b="1" dirty="0"/>
-                        <a:t>System Space</a:t>
-                      </a:r>
-                    </a:p>
-                  </a:txBody>
-                  <a:tcPr>
-                    <a:lnL w="12700" cap="flat" cmpd="sng" algn="ctr">
-                      <a:solidFill>
-                        <a:schemeClr val="tx1"/>
-                      </a:solidFill>
-                      <a:prstDash val="solid"/>
-                      <a:round/>
-                      <a:headEnd type="none" w="med" len="med"/>
-                      <a:tailEnd type="none" w="med" len="med"/>
-                    </a:lnL>
-                    <a:lnR w="12700" cap="flat" cmpd="sng" algn="ctr">
-                      <a:solidFill>
-                        <a:schemeClr val="tx1"/>
-                      </a:solidFill>
-                      <a:prstDash val="solid"/>
-                      <a:round/>
-                      <a:headEnd type="none" w="med" len="med"/>
-                      <a:tailEnd type="none" w="med" len="med"/>
-                    </a:lnR>
-                    <a:lnT w="12700" cap="flat" cmpd="sng" algn="ctr">
-                      <a:solidFill>
-                        <a:schemeClr val="tx1"/>
-                      </a:solidFill>
-                      <a:prstDash val="solid"/>
-                      <a:round/>
-                      <a:headEnd type="none" w="med" len="med"/>
-                      <a:tailEnd type="none" w="med" len="med"/>
-                    </a:lnT>
-                    <a:lnB w="12700" cap="flat" cmpd="sng" algn="ctr">
-                      <a:solidFill>
-                        <a:schemeClr val="tx1"/>
-                      </a:solidFill>
-                      <a:prstDash val="solid"/>
-                      <a:round/>
-                      <a:headEnd type="none" w="med" len="med"/>
-                      <a:tailEnd type="none" w="med" len="med"/>
-                    </a:lnB>
-                  </a:tcPr>
-                </a:tc>
-                <a:extLst>
-                  <a:ext uri="{0D108BD9-81ED-4DB2-BD59-A6C34878D82A}">
-                    <a16:rowId xmlns:a16="http://schemas.microsoft.com/office/drawing/2014/main" val="10006"/>
-                  </a:ext>
-                </a:extLst>
-              </a:tr>
-            </a:tbl>
-          </a:graphicData>
-        </a:graphic>
-      </p:graphicFrame>
-      <p:cxnSp>
-        <p:nvCxnSpPr>
-          <p:cNvPr id="7" name="Straight Arrow Connector 6"/>
-          <p:cNvCxnSpPr/>
-          <p:nvPr/>
-        </p:nvCxnSpPr>
-        <p:spPr>
-          <a:xfrm>
-            <a:off x="3827417" y="3659188"/>
-            <a:ext cx="0" cy="300445"/>
-          </a:xfrm>
-          <a:prstGeom prst="straightConnector1">
-            <a:avLst/>
-          </a:prstGeom>
-          <a:ln>
-            <a:tailEnd type="triangle"/>
-          </a:ln>
-        </p:spPr>
-        <p:style>
-          <a:lnRef idx="2">
-            <a:schemeClr val="accent1"/>
-          </a:lnRef>
-          <a:fillRef idx="0">
-            <a:schemeClr val="accent1"/>
-          </a:fillRef>
-          <a:effectRef idx="1">
-            <a:schemeClr val="accent1"/>
-          </a:effectRef>
-          <a:fontRef idx="minor">
-            <a:schemeClr val="tx1"/>
-          </a:fontRef>
-        </p:style>
-      </p:cxnSp>
-      <p:cxnSp>
-        <p:nvCxnSpPr>
-          <p:cNvPr id="9" name="Straight Arrow Connector 8"/>
-          <p:cNvCxnSpPr/>
-          <p:nvPr/>
-        </p:nvCxnSpPr>
-        <p:spPr>
-          <a:xfrm flipV="1">
-            <a:off x="3827417" y="4379229"/>
-            <a:ext cx="0" cy="287383"/>
-          </a:xfrm>
-          <a:prstGeom prst="straightConnector1">
-            <a:avLst/>
-          </a:prstGeom>
-          <a:ln>
-            <a:tailEnd type="triangle"/>
-          </a:ln>
-        </p:spPr>
-        <p:style>
-          <a:lnRef idx="2">
-            <a:schemeClr val="accent1"/>
-          </a:lnRef>
-          <a:fillRef idx="0">
-            <a:schemeClr val="accent1"/>
-          </a:fillRef>
-          <a:effectRef idx="1">
-            <a:schemeClr val="accent1"/>
-          </a:effectRef>
-          <a:fontRef idx="minor">
-            <a:schemeClr val="tx1"/>
-          </a:fontRef>
-        </p:style>
-      </p:cxnSp>
-    </p:spTree>
-    <p:extLst>
-      <p:ext uri="{BB962C8B-B14F-4D97-AF65-F5344CB8AC3E}">
-        <p14:creationId xmlns:p14="http://schemas.microsoft.com/office/powerpoint/2010/main" val="1094124288"/>
       </p:ext>
     </p:extLst>
   </p:cSld>
